--- a/VR Presentation.pptx
+++ b/VR Presentation.pptx
@@ -7,10 +7,10 @@
   <p:sldIdLst>
     <p:sldId id="256" r:id="rId2"/>
     <p:sldId id="257" r:id="rId3"/>
-    <p:sldId id="258" r:id="rId4"/>
+    <p:sldId id="259" r:id="rId4"/>
     <p:sldId id="260" r:id="rId5"/>
     <p:sldId id="262" r:id="rId6"/>
-    <p:sldId id="259" r:id="rId7"/>
+    <p:sldId id="258" r:id="rId7"/>
   </p:sldIdLst>
   <p:sldSz cx="12192000" cy="6858000"/>
   <p:notesSz cx="6858000" cy="9144000"/>
@@ -109,6 +109,11 @@
       </a:defRPr>
     </a:lvl9pPr>
   </p:defaultTextStyle>
+  <p:extLst>
+    <p:ext uri="{EFAFB233-063F-42B5-8137-9DF3F51BA10A}">
+      <p15:sldGuideLst xmlns:p15="http://schemas.microsoft.com/office/powerpoint/2012/main"/>
+    </p:ext>
+  </p:extLst>
 </p:presentation>
 </file>
 
@@ -1396,7 +1401,7 @@
           <a:noFill/>
           <a:extLst>
             <a:ext uri="{909E8E84-426E-40dd-AFC4-6F175D3DCCD1}">
-              <a14:hiddenFill xmlns:a14="http://schemas.microsoft.com/office/drawing/2010/main" xmlns="">
+              <a14:hiddenFill xmlns="" xmlns:a14="http://schemas.microsoft.com/office/drawing/2010/main">
                 <a:solidFill>
                   <a:srgbClr val="FFFFFF"/>
                 </a:solidFill>
@@ -1456,7 +1461,7 @@
             </a:ln>
             <a:extLst>
               <a:ext uri="{91240B29-F687-4f45-9708-019B960494DF}">
-                <a14:hiddenLine xmlns:a14="http://schemas.microsoft.com/office/drawing/2010/main" xmlns="" w="9525">
+                <a14:hiddenLine xmlns="" xmlns:a14="http://schemas.microsoft.com/office/drawing/2010/main" w="9525">
                   <a:solidFill>
                     <a:srgbClr val="000000"/>
                   </a:solidFill>
@@ -1546,7 +1551,7 @@
             </a:ln>
             <a:extLst>
               <a:ext uri="{91240B29-F687-4f45-9708-019B960494DF}">
-                <a14:hiddenLine xmlns:a14="http://schemas.microsoft.com/office/drawing/2010/main" xmlns="" w="9525">
+                <a14:hiddenLine xmlns="" xmlns:a14="http://schemas.microsoft.com/office/drawing/2010/main" w="9525">
                   <a:solidFill>
                     <a:srgbClr val="000000"/>
                   </a:solidFill>
@@ -1636,7 +1641,7 @@
             </a:ln>
             <a:extLst>
               <a:ext uri="{91240B29-F687-4f45-9708-019B960494DF}">
-                <a14:hiddenLine xmlns:a14="http://schemas.microsoft.com/office/drawing/2010/main" xmlns="" w="9525">
+                <a14:hiddenLine xmlns="" xmlns:a14="http://schemas.microsoft.com/office/drawing/2010/main" w="9525">
                   <a:solidFill>
                     <a:srgbClr val="000000"/>
                   </a:solidFill>
@@ -1670,7 +1675,7 @@
             </a:ln>
             <a:extLst>
               <a:ext uri="{91240B29-F687-4f45-9708-019B960494DF}">
-                <a14:hiddenLine xmlns:a14="http://schemas.microsoft.com/office/drawing/2010/main" xmlns="" w="9525">
+                <a14:hiddenLine xmlns="" xmlns:a14="http://schemas.microsoft.com/office/drawing/2010/main" w="9525">
                   <a:solidFill>
                     <a:srgbClr val="000000"/>
                   </a:solidFill>
@@ -1760,7 +1765,7 @@
             </a:ln>
             <a:extLst>
               <a:ext uri="{91240B29-F687-4f45-9708-019B960494DF}">
-                <a14:hiddenLine xmlns:a14="http://schemas.microsoft.com/office/drawing/2010/main" xmlns="" w="9525">
+                <a14:hiddenLine xmlns="" xmlns:a14="http://schemas.microsoft.com/office/drawing/2010/main" w="9525">
                   <a:solidFill>
                     <a:srgbClr val="000000"/>
                   </a:solidFill>
@@ -1822,7 +1827,7 @@
             </a:ln>
             <a:extLst>
               <a:ext uri="{91240B29-F687-4f45-9708-019B960494DF}">
-                <a14:hiddenLine xmlns:a14="http://schemas.microsoft.com/office/drawing/2010/main" xmlns="" w="9525">
+                <a14:hiddenLine xmlns="" xmlns:a14="http://schemas.microsoft.com/office/drawing/2010/main" w="9525">
                   <a:solidFill>
                     <a:srgbClr val="000000"/>
                   </a:solidFill>
@@ -1884,7 +1889,7 @@
             </a:ln>
             <a:extLst>
               <a:ext uri="{91240B29-F687-4f45-9708-019B960494DF}">
-                <a14:hiddenLine xmlns:a14="http://schemas.microsoft.com/office/drawing/2010/main" xmlns="" w="9525">
+                <a14:hiddenLine xmlns="" xmlns:a14="http://schemas.microsoft.com/office/drawing/2010/main" w="9525">
                   <a:solidFill>
                     <a:srgbClr val="000000"/>
                   </a:solidFill>
@@ -1974,7 +1979,7 @@
             </a:ln>
             <a:extLst>
               <a:ext uri="{91240B29-F687-4f45-9708-019B960494DF}">
-                <a14:hiddenLine xmlns:a14="http://schemas.microsoft.com/office/drawing/2010/main" xmlns="" w="9525">
+                <a14:hiddenLine xmlns="" xmlns:a14="http://schemas.microsoft.com/office/drawing/2010/main" w="9525">
                   <a:solidFill>
                     <a:srgbClr val="000000"/>
                   </a:solidFill>
@@ -2036,7 +2041,7 @@
             </a:ln>
             <a:extLst>
               <a:ext uri="{91240B29-F687-4f45-9708-019B960494DF}">
-                <a14:hiddenLine xmlns:a14="http://schemas.microsoft.com/office/drawing/2010/main" xmlns="" w="9525">
+                <a14:hiddenLine xmlns="" xmlns:a14="http://schemas.microsoft.com/office/drawing/2010/main" w="9525">
                   <a:solidFill>
                     <a:srgbClr val="000000"/>
                   </a:solidFill>
@@ -2098,7 +2103,7 @@
             </a:ln>
             <a:extLst>
               <a:ext uri="{91240B29-F687-4f45-9708-019B960494DF}">
-                <a14:hiddenLine xmlns:a14="http://schemas.microsoft.com/office/drawing/2010/main" xmlns="" w="9525">
+                <a14:hiddenLine xmlns="" xmlns:a14="http://schemas.microsoft.com/office/drawing/2010/main" w="9525">
                   <a:solidFill>
                     <a:srgbClr val="000000"/>
                   </a:solidFill>
@@ -2188,7 +2193,7 @@
             </a:ln>
             <a:extLst>
               <a:ext uri="{91240B29-F687-4f45-9708-019B960494DF}">
-                <a14:hiddenLine xmlns:a14="http://schemas.microsoft.com/office/drawing/2010/main" xmlns="" w="9525">
+                <a14:hiddenLine xmlns="" xmlns:a14="http://schemas.microsoft.com/office/drawing/2010/main" w="9525">
                   <a:solidFill>
                     <a:srgbClr val="000000"/>
                   </a:solidFill>
@@ -2278,7 +2283,7 @@
             </a:ln>
             <a:extLst>
               <a:ext uri="{91240B29-F687-4f45-9708-019B960494DF}">
-                <a14:hiddenLine xmlns:a14="http://schemas.microsoft.com/office/drawing/2010/main" xmlns="" w="9525">
+                <a14:hiddenLine xmlns="" xmlns:a14="http://schemas.microsoft.com/office/drawing/2010/main" w="9525">
                   <a:solidFill>
                     <a:srgbClr val="000000"/>
                   </a:solidFill>
@@ -2340,7 +2345,7 @@
             </a:ln>
             <a:extLst>
               <a:ext uri="{91240B29-F687-4f45-9708-019B960494DF}">
-                <a14:hiddenLine xmlns:a14="http://schemas.microsoft.com/office/drawing/2010/main" xmlns="" w="9525">
+                <a14:hiddenLine xmlns="" xmlns:a14="http://schemas.microsoft.com/office/drawing/2010/main" w="9525">
                   <a:solidFill>
                     <a:srgbClr val="000000"/>
                   </a:solidFill>
@@ -2450,7 +2455,7 @@
             </a:ln>
             <a:extLst>
               <a:ext uri="{91240B29-F687-4f45-9708-019B960494DF}">
-                <a14:hiddenLine xmlns:a14="http://schemas.microsoft.com/office/drawing/2010/main" xmlns="" w="9525">
+                <a14:hiddenLine xmlns="" xmlns:a14="http://schemas.microsoft.com/office/drawing/2010/main" w="9525">
                   <a:solidFill>
                     <a:srgbClr val="000000"/>
                   </a:solidFill>
@@ -2512,7 +2517,7 @@
             </a:ln>
             <a:extLst>
               <a:ext uri="{91240B29-F687-4f45-9708-019B960494DF}">
-                <a14:hiddenLine xmlns:a14="http://schemas.microsoft.com/office/drawing/2010/main" xmlns="" w="9525">
+                <a14:hiddenLine xmlns="" xmlns:a14="http://schemas.microsoft.com/office/drawing/2010/main" w="9525">
                   <a:solidFill>
                     <a:srgbClr val="000000"/>
                   </a:solidFill>
@@ -2602,7 +2607,7 @@
             </a:ln>
             <a:extLst>
               <a:ext uri="{91240B29-F687-4f45-9708-019B960494DF}">
-                <a14:hiddenLine xmlns:a14="http://schemas.microsoft.com/office/drawing/2010/main" xmlns="" w="9525">
+                <a14:hiddenLine xmlns="" xmlns:a14="http://schemas.microsoft.com/office/drawing/2010/main" w="9525">
                   <a:solidFill>
                     <a:srgbClr val="000000"/>
                   </a:solidFill>
@@ -2692,7 +2697,7 @@
             </a:ln>
             <a:extLst>
               <a:ext uri="{91240B29-F687-4f45-9708-019B960494DF}">
-                <a14:hiddenLine xmlns:a14="http://schemas.microsoft.com/office/drawing/2010/main" xmlns="" w="9525">
+                <a14:hiddenLine xmlns="" xmlns:a14="http://schemas.microsoft.com/office/drawing/2010/main" w="9525">
                   <a:solidFill>
                     <a:srgbClr val="000000"/>
                   </a:solidFill>
@@ -2754,7 +2759,7 @@
             </a:ln>
             <a:extLst>
               <a:ext uri="{91240B29-F687-4f45-9708-019B960494DF}">
-                <a14:hiddenLine xmlns:a14="http://schemas.microsoft.com/office/drawing/2010/main" xmlns="" w="9525">
+                <a14:hiddenLine xmlns="" xmlns:a14="http://schemas.microsoft.com/office/drawing/2010/main" w="9525">
                   <a:solidFill>
                     <a:srgbClr val="000000"/>
                   </a:solidFill>
@@ -2844,7 +2849,7 @@
             </a:ln>
             <a:extLst>
               <a:ext uri="{91240B29-F687-4f45-9708-019B960494DF}">
-                <a14:hiddenLine xmlns:a14="http://schemas.microsoft.com/office/drawing/2010/main" xmlns="" w="9525">
+                <a14:hiddenLine xmlns="" xmlns:a14="http://schemas.microsoft.com/office/drawing/2010/main" w="9525">
                   <a:solidFill>
                     <a:srgbClr val="000000"/>
                   </a:solidFill>
@@ -2934,7 +2939,7 @@
             </a:ln>
             <a:extLst>
               <a:ext uri="{91240B29-F687-4f45-9708-019B960494DF}">
-                <a14:hiddenLine xmlns:a14="http://schemas.microsoft.com/office/drawing/2010/main" xmlns="" w="9525">
+                <a14:hiddenLine xmlns="" xmlns:a14="http://schemas.microsoft.com/office/drawing/2010/main" w="9525">
                   <a:solidFill>
                     <a:srgbClr val="000000"/>
                   </a:solidFill>
@@ -2990,7 +2995,7 @@
             </a:ln>
             <a:extLst>
               <a:ext uri="{91240B29-F687-4f45-9708-019B960494DF}">
-                <a14:hiddenLine xmlns:a14="http://schemas.microsoft.com/office/drawing/2010/main" xmlns="" w="9525">
+                <a14:hiddenLine xmlns="" xmlns:a14="http://schemas.microsoft.com/office/drawing/2010/main" w="9525">
                   <a:solidFill>
                     <a:srgbClr val="000000"/>
                   </a:solidFill>
@@ -3080,7 +3085,7 @@
             </a:ln>
             <a:extLst>
               <a:ext uri="{91240B29-F687-4f45-9708-019B960494DF}">
-                <a14:hiddenLine xmlns:a14="http://schemas.microsoft.com/office/drawing/2010/main" xmlns="" w="9525">
+                <a14:hiddenLine xmlns="" xmlns:a14="http://schemas.microsoft.com/office/drawing/2010/main" w="9525">
                   <a:solidFill>
                     <a:srgbClr val="000000"/>
                   </a:solidFill>
@@ -3136,7 +3141,7 @@
             </a:ln>
             <a:extLst>
               <a:ext uri="{91240B29-F687-4f45-9708-019B960494DF}">
-                <a14:hiddenLine xmlns:a14="http://schemas.microsoft.com/office/drawing/2010/main" xmlns="" w="9525">
+                <a14:hiddenLine xmlns="" xmlns:a14="http://schemas.microsoft.com/office/drawing/2010/main" w="9525">
                   <a:solidFill>
                     <a:srgbClr val="000000"/>
                   </a:solidFill>
@@ -3226,7 +3231,7 @@
             </a:ln>
             <a:extLst>
               <a:ext uri="{91240B29-F687-4f45-9708-019B960494DF}">
-                <a14:hiddenLine xmlns:a14="http://schemas.microsoft.com/office/drawing/2010/main" xmlns="" w="9525">
+                <a14:hiddenLine xmlns="" xmlns:a14="http://schemas.microsoft.com/office/drawing/2010/main" w="9525">
                   <a:solidFill>
                     <a:srgbClr val="000000"/>
                   </a:solidFill>
@@ -3294,7 +3299,7 @@
             </a:ln>
             <a:extLst>
               <a:ext uri="{91240B29-F687-4f45-9708-019B960494DF}">
-                <a14:hiddenLine xmlns:a14="http://schemas.microsoft.com/office/drawing/2010/main" xmlns="" w="9525">
+                <a14:hiddenLine xmlns="" xmlns:a14="http://schemas.microsoft.com/office/drawing/2010/main" w="9525">
                   <a:solidFill>
                     <a:srgbClr val="000000"/>
                   </a:solidFill>
@@ -3384,7 +3389,7 @@
             </a:ln>
             <a:extLst>
               <a:ext uri="{91240B29-F687-4f45-9708-019B960494DF}">
-                <a14:hiddenLine xmlns:a14="http://schemas.microsoft.com/office/drawing/2010/main" xmlns="" w="9525">
+                <a14:hiddenLine xmlns="" xmlns:a14="http://schemas.microsoft.com/office/drawing/2010/main" w="9525">
                   <a:solidFill>
                     <a:srgbClr val="000000"/>
                   </a:solidFill>
@@ -3452,7 +3457,7 @@
             </a:ln>
             <a:extLst>
               <a:ext uri="{91240B29-F687-4f45-9708-019B960494DF}">
-                <a14:hiddenLine xmlns:a14="http://schemas.microsoft.com/office/drawing/2010/main" xmlns="" w="9525">
+                <a14:hiddenLine xmlns="" xmlns:a14="http://schemas.microsoft.com/office/drawing/2010/main" w="9525">
                   <a:solidFill>
                     <a:srgbClr val="000000"/>
                   </a:solidFill>
@@ -3542,7 +3547,7 @@
             </a:ln>
             <a:extLst>
               <a:ext uri="{91240B29-F687-4f45-9708-019B960494DF}">
-                <a14:hiddenLine xmlns:a14="http://schemas.microsoft.com/office/drawing/2010/main" xmlns="" w="9525">
+                <a14:hiddenLine xmlns="" xmlns:a14="http://schemas.microsoft.com/office/drawing/2010/main" w="9525">
                   <a:solidFill>
                     <a:srgbClr val="000000"/>
                   </a:solidFill>
@@ -3576,7 +3581,7 @@
             </a:ln>
             <a:extLst>
               <a:ext uri="{91240B29-F687-4f45-9708-019B960494DF}">
-                <a14:hiddenLine xmlns:a14="http://schemas.microsoft.com/office/drawing/2010/main" xmlns="" w="9525">
+                <a14:hiddenLine xmlns="" xmlns:a14="http://schemas.microsoft.com/office/drawing/2010/main" w="9525">
                   <a:solidFill>
                     <a:srgbClr val="000000"/>
                   </a:solidFill>
@@ -3666,7 +3671,7 @@
             </a:ln>
             <a:extLst>
               <a:ext uri="{91240B29-F687-4f45-9708-019B960494DF}">
-                <a14:hiddenLine xmlns:a14="http://schemas.microsoft.com/office/drawing/2010/main" xmlns="" w="9525">
+                <a14:hiddenLine xmlns="" xmlns:a14="http://schemas.microsoft.com/office/drawing/2010/main" w="9525">
                   <a:solidFill>
                     <a:srgbClr val="000000"/>
                   </a:solidFill>
@@ -3728,7 +3733,7 @@
             </a:ln>
             <a:extLst>
               <a:ext uri="{91240B29-F687-4f45-9708-019B960494DF}">
-                <a14:hiddenLine xmlns:a14="http://schemas.microsoft.com/office/drawing/2010/main" xmlns="" w="9525">
+                <a14:hiddenLine xmlns="" xmlns:a14="http://schemas.microsoft.com/office/drawing/2010/main" w="9525">
                   <a:solidFill>
                     <a:srgbClr val="000000"/>
                   </a:solidFill>
@@ -3790,7 +3795,7 @@
             </a:ln>
             <a:extLst>
               <a:ext uri="{91240B29-F687-4f45-9708-019B960494DF}">
-                <a14:hiddenLine xmlns:a14="http://schemas.microsoft.com/office/drawing/2010/main" xmlns="" w="9525">
+                <a14:hiddenLine xmlns="" xmlns:a14="http://schemas.microsoft.com/office/drawing/2010/main" w="9525">
                   <a:solidFill>
                     <a:srgbClr val="000000"/>
                   </a:solidFill>
@@ -3880,7 +3885,7 @@
             </a:ln>
             <a:extLst>
               <a:ext uri="{91240B29-F687-4f45-9708-019B960494DF}">
-                <a14:hiddenLine xmlns:a14="http://schemas.microsoft.com/office/drawing/2010/main" xmlns="" w="9525">
+                <a14:hiddenLine xmlns="" xmlns:a14="http://schemas.microsoft.com/office/drawing/2010/main" w="9525">
                   <a:solidFill>
                     <a:srgbClr val="000000"/>
                   </a:solidFill>
@@ -3948,7 +3953,7 @@
             </a:ln>
             <a:extLst>
               <a:ext uri="{91240B29-F687-4f45-9708-019B960494DF}">
-                <a14:hiddenLine xmlns:a14="http://schemas.microsoft.com/office/drawing/2010/main" xmlns="" w="9525">
+                <a14:hiddenLine xmlns="" xmlns:a14="http://schemas.microsoft.com/office/drawing/2010/main" w="9525">
                   <a:solidFill>
                     <a:srgbClr val="000000"/>
                   </a:solidFill>
@@ -4010,7 +4015,7 @@
             </a:ln>
             <a:extLst>
               <a:ext uri="{91240B29-F687-4f45-9708-019B960494DF}">
-                <a14:hiddenLine xmlns:a14="http://schemas.microsoft.com/office/drawing/2010/main" xmlns="" w="9525">
+                <a14:hiddenLine xmlns="" xmlns:a14="http://schemas.microsoft.com/office/drawing/2010/main" w="9525">
                   <a:solidFill>
                     <a:srgbClr val="000000"/>
                   </a:solidFill>
@@ -4100,7 +4105,7 @@
             </a:ln>
             <a:extLst>
               <a:ext uri="{91240B29-F687-4f45-9708-019B960494DF}">
-                <a14:hiddenLine xmlns:a14="http://schemas.microsoft.com/office/drawing/2010/main" xmlns="" w="9525">
+                <a14:hiddenLine xmlns="" xmlns:a14="http://schemas.microsoft.com/office/drawing/2010/main" w="9525">
                   <a:solidFill>
                     <a:srgbClr val="000000"/>
                   </a:solidFill>
@@ -4162,7 +4167,7 @@
             </a:ln>
             <a:extLst>
               <a:ext uri="{91240B29-F687-4f45-9708-019B960494DF}">
-                <a14:hiddenLine xmlns:a14="http://schemas.microsoft.com/office/drawing/2010/main" xmlns="" w="9525">
+                <a14:hiddenLine xmlns="" xmlns:a14="http://schemas.microsoft.com/office/drawing/2010/main" w="9525">
                   <a:solidFill>
                     <a:srgbClr val="000000"/>
                   </a:solidFill>
@@ -4252,7 +4257,7 @@
             </a:ln>
             <a:extLst>
               <a:ext uri="{91240B29-F687-4f45-9708-019B960494DF}">
-                <a14:hiddenLine xmlns:a14="http://schemas.microsoft.com/office/drawing/2010/main" xmlns="" w="9525">
+                <a14:hiddenLine xmlns="" xmlns:a14="http://schemas.microsoft.com/office/drawing/2010/main" w="9525">
                   <a:solidFill>
                     <a:srgbClr val="000000"/>
                   </a:solidFill>
@@ -4314,7 +4319,7 @@
             </a:ln>
             <a:extLst>
               <a:ext uri="{91240B29-F687-4f45-9708-019B960494DF}">
-                <a14:hiddenLine xmlns:a14="http://schemas.microsoft.com/office/drawing/2010/main" xmlns="" w="9525">
+                <a14:hiddenLine xmlns="" xmlns:a14="http://schemas.microsoft.com/office/drawing/2010/main" w="9525">
                   <a:solidFill>
                     <a:srgbClr val="000000"/>
                   </a:solidFill>
@@ -4404,7 +4409,7 @@
             </a:ln>
             <a:extLst>
               <a:ext uri="{91240B29-F687-4f45-9708-019B960494DF}">
-                <a14:hiddenLine xmlns:a14="http://schemas.microsoft.com/office/drawing/2010/main" xmlns="" w="9525">
+                <a14:hiddenLine xmlns="" xmlns:a14="http://schemas.microsoft.com/office/drawing/2010/main" w="9525">
                   <a:solidFill>
                     <a:srgbClr val="000000"/>
                   </a:solidFill>
@@ -4438,7 +4443,7 @@
             </a:ln>
             <a:extLst>
               <a:ext uri="{91240B29-F687-4f45-9708-019B960494DF}">
-                <a14:hiddenLine xmlns:a14="http://schemas.microsoft.com/office/drawing/2010/main" xmlns="" w="9525">
+                <a14:hiddenLine xmlns="" xmlns:a14="http://schemas.microsoft.com/office/drawing/2010/main" w="9525">
                   <a:solidFill>
                     <a:srgbClr val="000000"/>
                   </a:solidFill>
@@ -4503,7 +4508,7 @@
             </a:ln>
             <a:extLst>
               <a:ext uri="{91240B29-F687-4f45-9708-019B960494DF}">
-                <a14:hiddenLine xmlns:a14="http://schemas.microsoft.com/office/drawing/2010/main" xmlns="" w="9525">
+                <a14:hiddenLine xmlns="" xmlns:a14="http://schemas.microsoft.com/office/drawing/2010/main" w="9525">
                   <a:solidFill>
                     <a:srgbClr val="000000"/>
                   </a:solidFill>
@@ -4593,7 +4598,7 @@
             </a:ln>
             <a:extLst>
               <a:ext uri="{91240B29-F687-4f45-9708-019B960494DF}">
-                <a14:hiddenLine xmlns:a14="http://schemas.microsoft.com/office/drawing/2010/main" xmlns="" w="9525">
+                <a14:hiddenLine xmlns="" xmlns:a14="http://schemas.microsoft.com/office/drawing/2010/main" w="9525">
                   <a:solidFill>
                     <a:srgbClr val="000000"/>
                   </a:solidFill>
@@ -4655,7 +4660,7 @@
             </a:ln>
             <a:extLst>
               <a:ext uri="{91240B29-F687-4f45-9708-019B960494DF}">
-                <a14:hiddenLine xmlns:a14="http://schemas.microsoft.com/office/drawing/2010/main" xmlns="" w="9525">
+                <a14:hiddenLine xmlns="" xmlns:a14="http://schemas.microsoft.com/office/drawing/2010/main" w="9525">
                   <a:solidFill>
                     <a:srgbClr val="000000"/>
                   </a:solidFill>
@@ -4745,7 +4750,7 @@
             </a:ln>
             <a:extLst>
               <a:ext uri="{91240B29-F687-4f45-9708-019B960494DF}">
-                <a14:hiddenLine xmlns:a14="http://schemas.microsoft.com/office/drawing/2010/main" xmlns="" w="9525">
+                <a14:hiddenLine xmlns="" xmlns:a14="http://schemas.microsoft.com/office/drawing/2010/main" w="9525">
                   <a:solidFill>
                     <a:srgbClr val="000000"/>
                   </a:solidFill>
@@ -4835,7 +4840,7 @@
             </a:ln>
             <a:extLst>
               <a:ext uri="{91240B29-F687-4f45-9708-019B960494DF}">
-                <a14:hiddenLine xmlns:a14="http://schemas.microsoft.com/office/drawing/2010/main" xmlns="" w="9525">
+                <a14:hiddenLine xmlns="" xmlns:a14="http://schemas.microsoft.com/office/drawing/2010/main" w="9525">
                   <a:solidFill>
                     <a:srgbClr val="000000"/>
                   </a:solidFill>
@@ -4900,7 +4905,7 @@
             </a:ln>
             <a:extLst>
               <a:ext uri="{91240B29-F687-4f45-9708-019B960494DF}">
-                <a14:hiddenLine xmlns:a14="http://schemas.microsoft.com/office/drawing/2010/main" xmlns="" w="9525">
+                <a14:hiddenLine xmlns="" xmlns:a14="http://schemas.microsoft.com/office/drawing/2010/main" w="9525">
                   <a:solidFill>
                     <a:srgbClr val="000000"/>
                   </a:solidFill>
@@ -4962,7 +4967,7 @@
             </a:ln>
             <a:extLst>
               <a:ext uri="{91240B29-F687-4f45-9708-019B960494DF}">
-                <a14:hiddenLine xmlns:a14="http://schemas.microsoft.com/office/drawing/2010/main" xmlns="" w="9525">
+                <a14:hiddenLine xmlns="" xmlns:a14="http://schemas.microsoft.com/office/drawing/2010/main" w="9525">
                   <a:solidFill>
                     <a:srgbClr val="000000"/>
                   </a:solidFill>
@@ -5052,7 +5057,7 @@
             </a:ln>
             <a:extLst>
               <a:ext uri="{91240B29-F687-4f45-9708-019B960494DF}">
-                <a14:hiddenLine xmlns:a14="http://schemas.microsoft.com/office/drawing/2010/main" xmlns="" w="9525">
+                <a14:hiddenLine xmlns="" xmlns:a14="http://schemas.microsoft.com/office/drawing/2010/main" w="9525">
                   <a:solidFill>
                     <a:srgbClr val="000000"/>
                   </a:solidFill>
@@ -5142,7 +5147,7 @@
             </a:ln>
             <a:extLst>
               <a:ext uri="{91240B29-F687-4f45-9708-019B960494DF}">
-                <a14:hiddenLine xmlns:a14="http://schemas.microsoft.com/office/drawing/2010/main" xmlns="" w="9525">
+                <a14:hiddenLine xmlns="" xmlns:a14="http://schemas.microsoft.com/office/drawing/2010/main" w="9525">
                   <a:solidFill>
                     <a:srgbClr val="000000"/>
                   </a:solidFill>
@@ -5204,7 +5209,7 @@
             </a:ln>
             <a:extLst>
               <a:ext uri="{91240B29-F687-4f45-9708-019B960494DF}">
-                <a14:hiddenLine xmlns:a14="http://schemas.microsoft.com/office/drawing/2010/main" xmlns="" w="9525">
+                <a14:hiddenLine xmlns="" xmlns:a14="http://schemas.microsoft.com/office/drawing/2010/main" w="9525">
                   <a:solidFill>
                     <a:srgbClr val="000000"/>
                   </a:solidFill>
@@ -5324,7 +5329,7 @@
             </a:ln>
             <a:extLst>
               <a:ext uri="{91240B29-F687-4f45-9708-019B960494DF}">
-                <a14:hiddenLine xmlns:a14="http://schemas.microsoft.com/office/drawing/2010/main" xmlns="" w="9525">
+                <a14:hiddenLine xmlns="" xmlns:a14="http://schemas.microsoft.com/office/drawing/2010/main" w="9525">
                   <a:solidFill>
                     <a:srgbClr val="000000"/>
                   </a:solidFill>
@@ -5392,7 +5397,7 @@
             </a:ln>
             <a:extLst>
               <a:ext uri="{91240B29-F687-4f45-9708-019B960494DF}">
-                <a14:hiddenLine xmlns:a14="http://schemas.microsoft.com/office/drawing/2010/main" xmlns="" w="9525">
+                <a14:hiddenLine xmlns="" xmlns:a14="http://schemas.microsoft.com/office/drawing/2010/main" w="9525">
                   <a:solidFill>
                     <a:srgbClr val="000000"/>
                   </a:solidFill>
@@ -5482,7 +5487,7 @@
             </a:ln>
             <a:extLst>
               <a:ext uri="{91240B29-F687-4f45-9708-019B960494DF}">
-                <a14:hiddenLine xmlns:a14="http://schemas.microsoft.com/office/drawing/2010/main" xmlns="" w="9525">
+                <a14:hiddenLine xmlns="" xmlns:a14="http://schemas.microsoft.com/office/drawing/2010/main" w="9525">
                   <a:solidFill>
                     <a:srgbClr val="000000"/>
                   </a:solidFill>
@@ -10204,7 +10209,7 @@
           <a:noFill/>
           <a:extLst>
             <a:ext uri="{909E8E84-426E-40dd-AFC4-6F175D3DCCD1}">
-              <a14:hiddenFill xmlns:a14="http://schemas.microsoft.com/office/drawing/2010/main" xmlns="">
+              <a14:hiddenFill xmlns="" xmlns:a14="http://schemas.microsoft.com/office/drawing/2010/main">
                 <a:solidFill>
                   <a:srgbClr val="FFFFFF"/>
                 </a:solidFill>
@@ -10278,7 +10283,7 @@
               </a:ln>
               <a:extLst>
                 <a:ext uri="{91240B29-F687-4f45-9708-019B960494DF}">
-                  <a14:hiddenLine xmlns:a14="http://schemas.microsoft.com/office/drawing/2010/main" xmlns="" w="9525">
+                  <a14:hiddenLine xmlns="" xmlns:a14="http://schemas.microsoft.com/office/drawing/2010/main" w="9525">
                     <a:solidFill>
                       <a:srgbClr val="000000"/>
                     </a:solidFill>
@@ -10368,7 +10373,7 @@
               </a:ln>
               <a:extLst>
                 <a:ext uri="{91240B29-F687-4f45-9708-019B960494DF}">
-                  <a14:hiddenLine xmlns:a14="http://schemas.microsoft.com/office/drawing/2010/main" xmlns="" w="9525">
+                  <a14:hiddenLine xmlns="" xmlns:a14="http://schemas.microsoft.com/office/drawing/2010/main" w="9525">
                     <a:solidFill>
                       <a:srgbClr val="000000"/>
                     </a:solidFill>
@@ -10458,7 +10463,7 @@
               </a:ln>
               <a:extLst>
                 <a:ext uri="{91240B29-F687-4f45-9708-019B960494DF}">
-                  <a14:hiddenLine xmlns:a14="http://schemas.microsoft.com/office/drawing/2010/main" xmlns="" w="9525">
+                  <a14:hiddenLine xmlns="" xmlns:a14="http://schemas.microsoft.com/office/drawing/2010/main" w="9525">
                     <a:solidFill>
                       <a:srgbClr val="000000"/>
                     </a:solidFill>
@@ -10520,7 +10525,7 @@
               </a:ln>
               <a:extLst>
                 <a:ext uri="{91240B29-F687-4f45-9708-019B960494DF}">
-                  <a14:hiddenLine xmlns:a14="http://schemas.microsoft.com/office/drawing/2010/main" xmlns="" w="9525">
+                  <a14:hiddenLine xmlns="" xmlns:a14="http://schemas.microsoft.com/office/drawing/2010/main" w="9525">
                     <a:solidFill>
                       <a:srgbClr val="000000"/>
                     </a:solidFill>
@@ -10610,7 +10615,7 @@
               </a:ln>
               <a:extLst>
                 <a:ext uri="{91240B29-F687-4f45-9708-019B960494DF}">
-                  <a14:hiddenLine xmlns:a14="http://schemas.microsoft.com/office/drawing/2010/main" xmlns="" w="9525">
+                  <a14:hiddenLine xmlns="" xmlns:a14="http://schemas.microsoft.com/office/drawing/2010/main" w="9525">
                     <a:solidFill>
                       <a:srgbClr val="000000"/>
                     </a:solidFill>
@@ -10672,7 +10677,7 @@
               </a:ln>
               <a:extLst>
                 <a:ext uri="{91240B29-F687-4f45-9708-019B960494DF}">
-                  <a14:hiddenLine xmlns:a14="http://schemas.microsoft.com/office/drawing/2010/main" xmlns="" w="9525">
+                  <a14:hiddenLine xmlns="" xmlns:a14="http://schemas.microsoft.com/office/drawing/2010/main" w="9525">
                     <a:solidFill>
                       <a:srgbClr val="000000"/>
                     </a:solidFill>
@@ -10734,7 +10739,7 @@
               </a:ln>
               <a:extLst>
                 <a:ext uri="{91240B29-F687-4f45-9708-019B960494DF}">
-                  <a14:hiddenLine xmlns:a14="http://schemas.microsoft.com/office/drawing/2010/main" xmlns="" w="9525">
+                  <a14:hiddenLine xmlns="" xmlns:a14="http://schemas.microsoft.com/office/drawing/2010/main" w="9525">
                     <a:solidFill>
                       <a:srgbClr val="000000"/>
                     </a:solidFill>
@@ -10824,7 +10829,7 @@
               </a:ln>
               <a:extLst>
                 <a:ext uri="{91240B29-F687-4f45-9708-019B960494DF}">
-                  <a14:hiddenLine xmlns:a14="http://schemas.microsoft.com/office/drawing/2010/main" xmlns="" w="9525">
+                  <a14:hiddenLine xmlns="" xmlns:a14="http://schemas.microsoft.com/office/drawing/2010/main" w="9525">
                     <a:solidFill>
                       <a:srgbClr val="000000"/>
                     </a:solidFill>
@@ -10914,7 +10919,7 @@
               </a:ln>
               <a:extLst>
                 <a:ext uri="{91240B29-F687-4f45-9708-019B960494DF}">
-                  <a14:hiddenLine xmlns:a14="http://schemas.microsoft.com/office/drawing/2010/main" xmlns="" w="9525">
+                  <a14:hiddenLine xmlns="" xmlns:a14="http://schemas.microsoft.com/office/drawing/2010/main" w="9525">
                     <a:solidFill>
                       <a:srgbClr val="000000"/>
                     </a:solidFill>
@@ -10976,7 +10981,7 @@
               </a:ln>
               <a:extLst>
                 <a:ext uri="{91240B29-F687-4f45-9708-019B960494DF}">
-                  <a14:hiddenLine xmlns:a14="http://schemas.microsoft.com/office/drawing/2010/main" xmlns="" w="9525">
+                  <a14:hiddenLine xmlns="" xmlns:a14="http://schemas.microsoft.com/office/drawing/2010/main" w="9525">
                     <a:solidFill>
                       <a:srgbClr val="000000"/>
                     </a:solidFill>
@@ -11086,7 +11091,7 @@
               </a:ln>
               <a:extLst>
                 <a:ext uri="{91240B29-F687-4f45-9708-019B960494DF}">
-                  <a14:hiddenLine xmlns:a14="http://schemas.microsoft.com/office/drawing/2010/main" xmlns="" w="9525">
+                  <a14:hiddenLine xmlns="" xmlns:a14="http://schemas.microsoft.com/office/drawing/2010/main" w="9525">
                     <a:solidFill>
                       <a:srgbClr val="000000"/>
                     </a:solidFill>
@@ -11170,7 +11175,7 @@
               </a:ln>
               <a:extLst>
                 <a:ext uri="{91240B29-F687-4f45-9708-019B960494DF}">
-                  <a14:hiddenLine xmlns:a14="http://schemas.microsoft.com/office/drawing/2010/main" xmlns="" w="9525">
+                  <a14:hiddenLine xmlns="" xmlns:a14="http://schemas.microsoft.com/office/drawing/2010/main" w="9525">
                     <a:solidFill>
                       <a:srgbClr val="000000"/>
                     </a:solidFill>
@@ -11232,7 +11237,7 @@
               </a:ln>
               <a:extLst>
                 <a:ext uri="{91240B29-F687-4f45-9708-019B960494DF}">
-                  <a14:hiddenLine xmlns:a14="http://schemas.microsoft.com/office/drawing/2010/main" xmlns="" w="9525">
+                  <a14:hiddenLine xmlns="" xmlns:a14="http://schemas.microsoft.com/office/drawing/2010/main" w="9525">
                     <a:solidFill>
                       <a:srgbClr val="000000"/>
                     </a:solidFill>
@@ -11294,7 +11299,7 @@
               </a:ln>
               <a:extLst>
                 <a:ext uri="{91240B29-F687-4f45-9708-019B960494DF}">
-                  <a14:hiddenLine xmlns:a14="http://schemas.microsoft.com/office/drawing/2010/main" xmlns="" w="9525">
+                  <a14:hiddenLine xmlns="" xmlns:a14="http://schemas.microsoft.com/office/drawing/2010/main" w="9525">
                     <a:solidFill>
                       <a:srgbClr val="000000"/>
                     </a:solidFill>
@@ -11384,7 +11389,7 @@
               </a:ln>
               <a:extLst>
                 <a:ext uri="{91240B29-F687-4f45-9708-019B960494DF}">
-                  <a14:hiddenLine xmlns:a14="http://schemas.microsoft.com/office/drawing/2010/main" xmlns="" w="9525">
+                  <a14:hiddenLine xmlns="" xmlns:a14="http://schemas.microsoft.com/office/drawing/2010/main" w="9525">
                     <a:solidFill>
                       <a:srgbClr val="000000"/>
                     </a:solidFill>
@@ -11418,7 +11423,7 @@
               </a:ln>
               <a:extLst>
                 <a:ext uri="{91240B29-F687-4f45-9708-019B960494DF}">
-                  <a14:hiddenLine xmlns:a14="http://schemas.microsoft.com/office/drawing/2010/main" xmlns="" w="9525">
+                  <a14:hiddenLine xmlns="" xmlns:a14="http://schemas.microsoft.com/office/drawing/2010/main" w="9525">
                     <a:solidFill>
                       <a:srgbClr val="000000"/>
                     </a:solidFill>
@@ -11483,7 +11488,7 @@
               </a:ln>
               <a:extLst>
                 <a:ext uri="{91240B29-F687-4f45-9708-019B960494DF}">
-                  <a14:hiddenLine xmlns:a14="http://schemas.microsoft.com/office/drawing/2010/main" xmlns="" w="9525">
+                  <a14:hiddenLine xmlns="" xmlns:a14="http://schemas.microsoft.com/office/drawing/2010/main" w="9525">
                     <a:solidFill>
                       <a:srgbClr val="000000"/>
                     </a:solidFill>
@@ -11573,7 +11578,7 @@
               </a:ln>
               <a:extLst>
                 <a:ext uri="{91240B29-F687-4f45-9708-019B960494DF}">
-                  <a14:hiddenLine xmlns:a14="http://schemas.microsoft.com/office/drawing/2010/main" xmlns="" w="9525">
+                  <a14:hiddenLine xmlns="" xmlns:a14="http://schemas.microsoft.com/office/drawing/2010/main" w="9525">
                     <a:solidFill>
                       <a:srgbClr val="000000"/>
                     </a:solidFill>
@@ -11635,7 +11640,7 @@
               </a:ln>
               <a:extLst>
                 <a:ext uri="{91240B29-F687-4f45-9708-019B960494DF}">
-                  <a14:hiddenLine xmlns:a14="http://schemas.microsoft.com/office/drawing/2010/main" xmlns="" w="9525">
+                  <a14:hiddenLine xmlns="" xmlns:a14="http://schemas.microsoft.com/office/drawing/2010/main" w="9525">
                     <a:solidFill>
                       <a:srgbClr val="000000"/>
                     </a:solidFill>
@@ -11725,7 +11730,7 @@
               </a:ln>
               <a:extLst>
                 <a:ext uri="{91240B29-F687-4f45-9708-019B960494DF}">
-                  <a14:hiddenLine xmlns:a14="http://schemas.microsoft.com/office/drawing/2010/main" xmlns="" w="9525">
+                  <a14:hiddenLine xmlns="" xmlns:a14="http://schemas.microsoft.com/office/drawing/2010/main" w="9525">
                     <a:solidFill>
                       <a:srgbClr val="000000"/>
                     </a:solidFill>
@@ -11790,7 +11795,7 @@
               </a:ln>
               <a:extLst>
                 <a:ext uri="{91240B29-F687-4f45-9708-019B960494DF}">
-                  <a14:hiddenLine xmlns:a14="http://schemas.microsoft.com/office/drawing/2010/main" xmlns="" w="9525">
+                  <a14:hiddenLine xmlns="" xmlns:a14="http://schemas.microsoft.com/office/drawing/2010/main" w="9525">
                     <a:solidFill>
                       <a:srgbClr val="000000"/>
                     </a:solidFill>
@@ -11852,7 +11857,7 @@
               </a:ln>
               <a:extLst>
                 <a:ext uri="{91240B29-F687-4f45-9708-019B960494DF}">
-                  <a14:hiddenLine xmlns:a14="http://schemas.microsoft.com/office/drawing/2010/main" xmlns="" w="9525">
+                  <a14:hiddenLine xmlns="" xmlns:a14="http://schemas.microsoft.com/office/drawing/2010/main" w="9525">
                     <a:solidFill>
                       <a:srgbClr val="000000"/>
                     </a:solidFill>
@@ -11942,7 +11947,7 @@
               </a:ln>
               <a:extLst>
                 <a:ext uri="{91240B29-F687-4f45-9708-019B960494DF}">
-                  <a14:hiddenLine xmlns:a14="http://schemas.microsoft.com/office/drawing/2010/main" xmlns="" w="9525">
+                  <a14:hiddenLine xmlns="" xmlns:a14="http://schemas.microsoft.com/office/drawing/2010/main" w="9525">
                     <a:solidFill>
                       <a:srgbClr val="000000"/>
                     </a:solidFill>
@@ -12032,7 +12037,7 @@
               </a:ln>
               <a:extLst>
                 <a:ext uri="{91240B29-F687-4f45-9708-019B960494DF}">
-                  <a14:hiddenLine xmlns:a14="http://schemas.microsoft.com/office/drawing/2010/main" xmlns="" w="9525">
+                  <a14:hiddenLine xmlns="" xmlns:a14="http://schemas.microsoft.com/office/drawing/2010/main" w="9525">
                     <a:solidFill>
                       <a:srgbClr val="000000"/>
                     </a:solidFill>
@@ -12097,7 +12102,7 @@
               </a:ln>
               <a:extLst>
                 <a:ext uri="{91240B29-F687-4f45-9708-019B960494DF}">
-                  <a14:hiddenLine xmlns:a14="http://schemas.microsoft.com/office/drawing/2010/main" xmlns="" w="9525">
+                  <a14:hiddenLine xmlns="" xmlns:a14="http://schemas.microsoft.com/office/drawing/2010/main" w="9525">
                     <a:solidFill>
                       <a:srgbClr val="000000"/>
                     </a:solidFill>
@@ -12217,7 +12222,7 @@
               </a:ln>
               <a:extLst>
                 <a:ext uri="{91240B29-F687-4f45-9708-019B960494DF}">
-                  <a14:hiddenLine xmlns:a14="http://schemas.microsoft.com/office/drawing/2010/main" xmlns="" w="9525">
+                  <a14:hiddenLine xmlns="" xmlns:a14="http://schemas.microsoft.com/office/drawing/2010/main" w="9525">
                     <a:solidFill>
                       <a:srgbClr val="000000"/>
                     </a:solidFill>
@@ -12315,7 +12320,7 @@
               </a:ln>
               <a:extLst>
                 <a:ext uri="{91240B29-F687-4f45-9708-019B960494DF}">
-                  <a14:hiddenLine xmlns:a14="http://schemas.microsoft.com/office/drawing/2010/main" xmlns="" w="9525">
+                  <a14:hiddenLine xmlns="" xmlns:a14="http://schemas.microsoft.com/office/drawing/2010/main" w="9525">
                     <a:solidFill>
                       <a:srgbClr val="000000"/>
                     </a:solidFill>
@@ -12430,7 +12435,7 @@
               </a:ln>
               <a:extLst>
                 <a:ext uri="{91240B29-F687-4f45-9708-019B960494DF}">
-                  <a14:hiddenLine xmlns:a14="http://schemas.microsoft.com/office/drawing/2010/main" xmlns="" w="9525">
+                  <a14:hiddenLine xmlns="" xmlns:a14="http://schemas.microsoft.com/office/drawing/2010/main" w="9525">
                     <a:solidFill>
                       <a:srgbClr val="000000"/>
                     </a:solidFill>
@@ -12520,7 +12525,7 @@
               </a:ln>
               <a:extLst>
                 <a:ext uri="{91240B29-F687-4f45-9708-019B960494DF}">
-                  <a14:hiddenLine xmlns:a14="http://schemas.microsoft.com/office/drawing/2010/main" xmlns="" w="9525">
+                  <a14:hiddenLine xmlns="" xmlns:a14="http://schemas.microsoft.com/office/drawing/2010/main" w="9525">
                     <a:solidFill>
                       <a:srgbClr val="000000"/>
                     </a:solidFill>
@@ -12585,7 +12590,7 @@
               </a:ln>
               <a:extLst>
                 <a:ext uri="{91240B29-F687-4f45-9708-019B960494DF}">
-                  <a14:hiddenLine xmlns:a14="http://schemas.microsoft.com/office/drawing/2010/main" xmlns="" w="9525">
+                  <a14:hiddenLine xmlns="" xmlns:a14="http://schemas.microsoft.com/office/drawing/2010/main" w="9525">
                     <a:solidFill>
                       <a:srgbClr val="000000"/>
                     </a:solidFill>
@@ -12675,7 +12680,7 @@
               </a:ln>
               <a:extLst>
                 <a:ext uri="{91240B29-F687-4f45-9708-019B960494DF}">
-                  <a14:hiddenLine xmlns:a14="http://schemas.microsoft.com/office/drawing/2010/main" xmlns="" w="9525">
+                  <a14:hiddenLine xmlns="" xmlns:a14="http://schemas.microsoft.com/office/drawing/2010/main" w="9525">
                     <a:solidFill>
                       <a:srgbClr val="000000"/>
                     </a:solidFill>
@@ -12743,7 +12748,7 @@
               </a:ln>
               <a:extLst>
                 <a:ext uri="{91240B29-F687-4f45-9708-019B960494DF}">
-                  <a14:hiddenLine xmlns:a14="http://schemas.microsoft.com/office/drawing/2010/main" xmlns="" w="9525">
+                  <a14:hiddenLine xmlns="" xmlns:a14="http://schemas.microsoft.com/office/drawing/2010/main" w="9525">
                     <a:solidFill>
                       <a:srgbClr val="000000"/>
                     </a:solidFill>
@@ -12833,7 +12838,7 @@
               </a:ln>
               <a:extLst>
                 <a:ext uri="{91240B29-F687-4f45-9708-019B960494DF}">
-                  <a14:hiddenLine xmlns:a14="http://schemas.microsoft.com/office/drawing/2010/main" xmlns="" w="9525">
+                  <a14:hiddenLine xmlns="" xmlns:a14="http://schemas.microsoft.com/office/drawing/2010/main" w="9525">
                     <a:solidFill>
                       <a:srgbClr val="000000"/>
                     </a:solidFill>
@@ -12901,7 +12906,7 @@
               </a:ln>
               <a:extLst>
                 <a:ext uri="{91240B29-F687-4f45-9708-019B960494DF}">
-                  <a14:hiddenLine xmlns:a14="http://schemas.microsoft.com/office/drawing/2010/main" xmlns="" w="9525">
+                  <a14:hiddenLine xmlns="" xmlns:a14="http://schemas.microsoft.com/office/drawing/2010/main" w="9525">
                     <a:solidFill>
                       <a:srgbClr val="000000"/>
                     </a:solidFill>
@@ -12991,7 +12996,7 @@
               </a:ln>
               <a:extLst>
                 <a:ext uri="{91240B29-F687-4f45-9708-019B960494DF}">
-                  <a14:hiddenLine xmlns:a14="http://schemas.microsoft.com/office/drawing/2010/main" xmlns="" w="9525">
+                  <a14:hiddenLine xmlns="" xmlns:a14="http://schemas.microsoft.com/office/drawing/2010/main" w="9525">
                     <a:solidFill>
                       <a:srgbClr val="000000"/>
                     </a:solidFill>
@@ -13025,7 +13030,7 @@
               </a:ln>
               <a:extLst>
                 <a:ext uri="{91240B29-F687-4f45-9708-019B960494DF}">
-                  <a14:hiddenLine xmlns:a14="http://schemas.microsoft.com/office/drawing/2010/main" xmlns="" w="9525">
+                  <a14:hiddenLine xmlns="" xmlns:a14="http://schemas.microsoft.com/office/drawing/2010/main" w="9525">
                     <a:solidFill>
                       <a:srgbClr val="000000"/>
                     </a:solidFill>
@@ -13605,7 +13610,14 @@
           <a:p>
             <a:r>
               <a:rPr lang="en-US" dirty="0"/>
-              <a:t>Senior VR game presentation</a:t>
+              <a:t>Senior VR game presentation:</a:t>
+            </a:r>
+            <a:br>
+              <a:rPr lang="en-US" dirty="0"/>
+            </a:br>
+            <a:r>
+              <a:rPr lang="en-US" dirty="0"/>
+              <a:t>Architecture Simulator</a:t>
             </a:r>
           </a:p>
         </p:txBody>
@@ -13777,7 +13789,7 @@
           <p:cNvPr id="2" name="Title 1">
             <a:extLst>
               <a:ext uri="{FF2B5EF4-FFF2-40B4-BE49-F238E27FC236}">
-                <a16:creationId xmlns:a16="http://schemas.microsoft.com/office/drawing/2014/main" id="{489D08B9-DE49-2820-2183-E68FC354414D}"/>
+                <a16:creationId xmlns:a16="http://schemas.microsoft.com/office/drawing/2014/main" id="{8AEF906F-2E67-5EF8-0655-86EA8B317B23}"/>
               </a:ext>
             </a:extLst>
           </p:cNvPr>
@@ -13795,15 +13807,40 @@
           <a:p>
             <a:r>
               <a:rPr lang="en-US" dirty="0"/>
-              <a:t>Walk through!</a:t>
+              <a:t>Code Snippets!</a:t>
             </a:r>
+          </a:p>
+        </p:txBody>
+      </p:sp>
+      <p:sp>
+        <p:nvSpPr>
+          <p:cNvPr id="3" name="Content Placeholder 2">
+            <a:extLst>
+              <a:ext uri="{FF2B5EF4-FFF2-40B4-BE49-F238E27FC236}">
+                <a16:creationId xmlns:a16="http://schemas.microsoft.com/office/drawing/2014/main" id="{E6574758-E285-F9E5-6646-C25DCC98C2AA}"/>
+              </a:ext>
+            </a:extLst>
+          </p:cNvPr>
+          <p:cNvSpPr>
+            <a:spLocks noGrp="1"/>
+          </p:cNvSpPr>
+          <p:nvPr>
+            <p:ph idx="1"/>
+          </p:nvPr>
+        </p:nvSpPr>
+        <p:spPr/>
+        <p:txBody>
+          <a:bodyPr/>
+          <a:lstStyle/>
+          <a:p>
+            <a:endParaRPr lang="en-US"/>
           </a:p>
         </p:txBody>
       </p:sp>
     </p:spTree>
     <p:extLst>
       <p:ext uri="{BB962C8B-B14F-4D97-AF65-F5344CB8AC3E}">
-        <p14:creationId xmlns:p14="http://schemas.microsoft.com/office/powerpoint/2010/main" val="2089764213"/>
+        <p14:creationId xmlns:p14="http://schemas.microsoft.com/office/powerpoint/2010/main" val="3066596220"/>
       </p:ext>
     </p:extLst>
   </p:cSld>
@@ -14302,7 +14339,7 @@
           <p:cNvPr id="2" name="Title 1">
             <a:extLst>
               <a:ext uri="{FF2B5EF4-FFF2-40B4-BE49-F238E27FC236}">
-                <a16:creationId xmlns:a16="http://schemas.microsoft.com/office/drawing/2014/main" id="{8AEF906F-2E67-5EF8-0655-86EA8B317B23}"/>
+                <a16:creationId xmlns:a16="http://schemas.microsoft.com/office/drawing/2014/main" id="{489D08B9-DE49-2820-2183-E68FC354414D}"/>
               </a:ext>
             </a:extLst>
           </p:cNvPr>
@@ -14320,40 +14357,15 @@
           <a:p>
             <a:r>
               <a:rPr lang="en-US" dirty="0"/>
-              <a:t>Code Snippets!</a:t>
+              <a:t>Walk through!</a:t>
             </a:r>
-          </a:p>
-        </p:txBody>
-      </p:sp>
-      <p:sp>
-        <p:nvSpPr>
-          <p:cNvPr id="3" name="Content Placeholder 2">
-            <a:extLst>
-              <a:ext uri="{FF2B5EF4-FFF2-40B4-BE49-F238E27FC236}">
-                <a16:creationId xmlns:a16="http://schemas.microsoft.com/office/drawing/2014/main" id="{E6574758-E285-F9E5-6646-C25DCC98C2AA}"/>
-              </a:ext>
-            </a:extLst>
-          </p:cNvPr>
-          <p:cNvSpPr>
-            <a:spLocks noGrp="1"/>
-          </p:cNvSpPr>
-          <p:nvPr>
-            <p:ph idx="1"/>
-          </p:nvPr>
-        </p:nvSpPr>
-        <p:spPr/>
-        <p:txBody>
-          <a:bodyPr/>
-          <a:lstStyle/>
-          <a:p>
-            <a:endParaRPr lang="en-US"/>
           </a:p>
         </p:txBody>
       </p:sp>
     </p:spTree>
     <p:extLst>
       <p:ext uri="{BB962C8B-B14F-4D97-AF65-F5344CB8AC3E}">
-        <p14:creationId xmlns:p14="http://schemas.microsoft.com/office/powerpoint/2010/main" val="3066596220"/>
+        <p14:creationId xmlns:p14="http://schemas.microsoft.com/office/powerpoint/2010/main" val="2089764213"/>
       </p:ext>
     </p:extLst>
   </p:cSld>

--- a/VR Presentation.pptx
+++ b/VR Presentation.pptx
@@ -7,10 +7,14 @@
   <p:sldIdLst>
     <p:sldId id="256" r:id="rId2"/>
     <p:sldId id="257" r:id="rId3"/>
-    <p:sldId id="259" r:id="rId4"/>
-    <p:sldId id="260" r:id="rId5"/>
-    <p:sldId id="262" r:id="rId6"/>
-    <p:sldId id="258" r:id="rId7"/>
+    <p:sldId id="263" r:id="rId4"/>
+    <p:sldId id="264" r:id="rId5"/>
+    <p:sldId id="259" r:id="rId6"/>
+    <p:sldId id="265" r:id="rId7"/>
+    <p:sldId id="260" r:id="rId8"/>
+    <p:sldId id="262" r:id="rId9"/>
+    <p:sldId id="258" r:id="rId10"/>
+    <p:sldId id="266" r:id="rId11"/>
   </p:sldIdLst>
   <p:sldSz cx="12192000" cy="6858000"/>
   <p:notesSz cx="6858000" cy="9144000"/>
@@ -1401,7 +1405,7 @@
           <a:noFill/>
           <a:extLst>
             <a:ext uri="{909E8E84-426E-40dd-AFC4-6F175D3DCCD1}">
-              <a14:hiddenFill xmlns="" xmlns:a14="http://schemas.microsoft.com/office/drawing/2010/main">
+              <a14:hiddenFill xmlns:a14="http://schemas.microsoft.com/office/drawing/2010/main" xmlns="">
                 <a:solidFill>
                   <a:srgbClr val="FFFFFF"/>
                 </a:solidFill>
@@ -1461,7 +1465,7 @@
             </a:ln>
             <a:extLst>
               <a:ext uri="{91240B29-F687-4f45-9708-019B960494DF}">
-                <a14:hiddenLine xmlns="" xmlns:a14="http://schemas.microsoft.com/office/drawing/2010/main" w="9525">
+                <a14:hiddenLine xmlns:a14="http://schemas.microsoft.com/office/drawing/2010/main" xmlns="" w="9525">
                   <a:solidFill>
                     <a:srgbClr val="000000"/>
                   </a:solidFill>
@@ -1551,7 +1555,7 @@
             </a:ln>
             <a:extLst>
               <a:ext uri="{91240B29-F687-4f45-9708-019B960494DF}">
-                <a14:hiddenLine xmlns="" xmlns:a14="http://schemas.microsoft.com/office/drawing/2010/main" w="9525">
+                <a14:hiddenLine xmlns:a14="http://schemas.microsoft.com/office/drawing/2010/main" xmlns="" w="9525">
                   <a:solidFill>
                     <a:srgbClr val="000000"/>
                   </a:solidFill>
@@ -1641,7 +1645,7 @@
             </a:ln>
             <a:extLst>
               <a:ext uri="{91240B29-F687-4f45-9708-019B960494DF}">
-                <a14:hiddenLine xmlns="" xmlns:a14="http://schemas.microsoft.com/office/drawing/2010/main" w="9525">
+                <a14:hiddenLine xmlns:a14="http://schemas.microsoft.com/office/drawing/2010/main" xmlns="" w="9525">
                   <a:solidFill>
                     <a:srgbClr val="000000"/>
                   </a:solidFill>
@@ -1675,7 +1679,7 @@
             </a:ln>
             <a:extLst>
               <a:ext uri="{91240B29-F687-4f45-9708-019B960494DF}">
-                <a14:hiddenLine xmlns="" xmlns:a14="http://schemas.microsoft.com/office/drawing/2010/main" w="9525">
+                <a14:hiddenLine xmlns:a14="http://schemas.microsoft.com/office/drawing/2010/main" xmlns="" w="9525">
                   <a:solidFill>
                     <a:srgbClr val="000000"/>
                   </a:solidFill>
@@ -1765,7 +1769,7 @@
             </a:ln>
             <a:extLst>
               <a:ext uri="{91240B29-F687-4f45-9708-019B960494DF}">
-                <a14:hiddenLine xmlns="" xmlns:a14="http://schemas.microsoft.com/office/drawing/2010/main" w="9525">
+                <a14:hiddenLine xmlns:a14="http://schemas.microsoft.com/office/drawing/2010/main" xmlns="" w="9525">
                   <a:solidFill>
                     <a:srgbClr val="000000"/>
                   </a:solidFill>
@@ -1827,7 +1831,7 @@
             </a:ln>
             <a:extLst>
               <a:ext uri="{91240B29-F687-4f45-9708-019B960494DF}">
-                <a14:hiddenLine xmlns="" xmlns:a14="http://schemas.microsoft.com/office/drawing/2010/main" w="9525">
+                <a14:hiddenLine xmlns:a14="http://schemas.microsoft.com/office/drawing/2010/main" xmlns="" w="9525">
                   <a:solidFill>
                     <a:srgbClr val="000000"/>
                   </a:solidFill>
@@ -1889,7 +1893,7 @@
             </a:ln>
             <a:extLst>
               <a:ext uri="{91240B29-F687-4f45-9708-019B960494DF}">
-                <a14:hiddenLine xmlns="" xmlns:a14="http://schemas.microsoft.com/office/drawing/2010/main" w="9525">
+                <a14:hiddenLine xmlns:a14="http://schemas.microsoft.com/office/drawing/2010/main" xmlns="" w="9525">
                   <a:solidFill>
                     <a:srgbClr val="000000"/>
                   </a:solidFill>
@@ -1979,7 +1983,7 @@
             </a:ln>
             <a:extLst>
               <a:ext uri="{91240B29-F687-4f45-9708-019B960494DF}">
-                <a14:hiddenLine xmlns="" xmlns:a14="http://schemas.microsoft.com/office/drawing/2010/main" w="9525">
+                <a14:hiddenLine xmlns:a14="http://schemas.microsoft.com/office/drawing/2010/main" xmlns="" w="9525">
                   <a:solidFill>
                     <a:srgbClr val="000000"/>
                   </a:solidFill>
@@ -2041,7 +2045,7 @@
             </a:ln>
             <a:extLst>
               <a:ext uri="{91240B29-F687-4f45-9708-019B960494DF}">
-                <a14:hiddenLine xmlns="" xmlns:a14="http://schemas.microsoft.com/office/drawing/2010/main" w="9525">
+                <a14:hiddenLine xmlns:a14="http://schemas.microsoft.com/office/drawing/2010/main" xmlns="" w="9525">
                   <a:solidFill>
                     <a:srgbClr val="000000"/>
                   </a:solidFill>
@@ -2103,7 +2107,7 @@
             </a:ln>
             <a:extLst>
               <a:ext uri="{91240B29-F687-4f45-9708-019B960494DF}">
-                <a14:hiddenLine xmlns="" xmlns:a14="http://schemas.microsoft.com/office/drawing/2010/main" w="9525">
+                <a14:hiddenLine xmlns:a14="http://schemas.microsoft.com/office/drawing/2010/main" xmlns="" w="9525">
                   <a:solidFill>
                     <a:srgbClr val="000000"/>
                   </a:solidFill>
@@ -2193,7 +2197,7 @@
             </a:ln>
             <a:extLst>
               <a:ext uri="{91240B29-F687-4f45-9708-019B960494DF}">
-                <a14:hiddenLine xmlns="" xmlns:a14="http://schemas.microsoft.com/office/drawing/2010/main" w="9525">
+                <a14:hiddenLine xmlns:a14="http://schemas.microsoft.com/office/drawing/2010/main" xmlns="" w="9525">
                   <a:solidFill>
                     <a:srgbClr val="000000"/>
                   </a:solidFill>
@@ -2283,7 +2287,7 @@
             </a:ln>
             <a:extLst>
               <a:ext uri="{91240B29-F687-4f45-9708-019B960494DF}">
-                <a14:hiddenLine xmlns="" xmlns:a14="http://schemas.microsoft.com/office/drawing/2010/main" w="9525">
+                <a14:hiddenLine xmlns:a14="http://schemas.microsoft.com/office/drawing/2010/main" xmlns="" w="9525">
                   <a:solidFill>
                     <a:srgbClr val="000000"/>
                   </a:solidFill>
@@ -2345,7 +2349,7 @@
             </a:ln>
             <a:extLst>
               <a:ext uri="{91240B29-F687-4f45-9708-019B960494DF}">
-                <a14:hiddenLine xmlns="" xmlns:a14="http://schemas.microsoft.com/office/drawing/2010/main" w="9525">
+                <a14:hiddenLine xmlns:a14="http://schemas.microsoft.com/office/drawing/2010/main" xmlns="" w="9525">
                   <a:solidFill>
                     <a:srgbClr val="000000"/>
                   </a:solidFill>
@@ -2455,7 +2459,7 @@
             </a:ln>
             <a:extLst>
               <a:ext uri="{91240B29-F687-4f45-9708-019B960494DF}">
-                <a14:hiddenLine xmlns="" xmlns:a14="http://schemas.microsoft.com/office/drawing/2010/main" w="9525">
+                <a14:hiddenLine xmlns:a14="http://schemas.microsoft.com/office/drawing/2010/main" xmlns="" w="9525">
                   <a:solidFill>
                     <a:srgbClr val="000000"/>
                   </a:solidFill>
@@ -2517,7 +2521,7 @@
             </a:ln>
             <a:extLst>
               <a:ext uri="{91240B29-F687-4f45-9708-019B960494DF}">
-                <a14:hiddenLine xmlns="" xmlns:a14="http://schemas.microsoft.com/office/drawing/2010/main" w="9525">
+                <a14:hiddenLine xmlns:a14="http://schemas.microsoft.com/office/drawing/2010/main" xmlns="" w="9525">
                   <a:solidFill>
                     <a:srgbClr val="000000"/>
                   </a:solidFill>
@@ -2607,7 +2611,7 @@
             </a:ln>
             <a:extLst>
               <a:ext uri="{91240B29-F687-4f45-9708-019B960494DF}">
-                <a14:hiddenLine xmlns="" xmlns:a14="http://schemas.microsoft.com/office/drawing/2010/main" w="9525">
+                <a14:hiddenLine xmlns:a14="http://schemas.microsoft.com/office/drawing/2010/main" xmlns="" w="9525">
                   <a:solidFill>
                     <a:srgbClr val="000000"/>
                   </a:solidFill>
@@ -2697,7 +2701,7 @@
             </a:ln>
             <a:extLst>
               <a:ext uri="{91240B29-F687-4f45-9708-019B960494DF}">
-                <a14:hiddenLine xmlns="" xmlns:a14="http://schemas.microsoft.com/office/drawing/2010/main" w="9525">
+                <a14:hiddenLine xmlns:a14="http://schemas.microsoft.com/office/drawing/2010/main" xmlns="" w="9525">
                   <a:solidFill>
                     <a:srgbClr val="000000"/>
                   </a:solidFill>
@@ -2759,7 +2763,7 @@
             </a:ln>
             <a:extLst>
               <a:ext uri="{91240B29-F687-4f45-9708-019B960494DF}">
-                <a14:hiddenLine xmlns="" xmlns:a14="http://schemas.microsoft.com/office/drawing/2010/main" w="9525">
+                <a14:hiddenLine xmlns:a14="http://schemas.microsoft.com/office/drawing/2010/main" xmlns="" w="9525">
                   <a:solidFill>
                     <a:srgbClr val="000000"/>
                   </a:solidFill>
@@ -2849,7 +2853,7 @@
             </a:ln>
             <a:extLst>
               <a:ext uri="{91240B29-F687-4f45-9708-019B960494DF}">
-                <a14:hiddenLine xmlns="" xmlns:a14="http://schemas.microsoft.com/office/drawing/2010/main" w="9525">
+                <a14:hiddenLine xmlns:a14="http://schemas.microsoft.com/office/drawing/2010/main" xmlns="" w="9525">
                   <a:solidFill>
                     <a:srgbClr val="000000"/>
                   </a:solidFill>
@@ -2939,7 +2943,7 @@
             </a:ln>
             <a:extLst>
               <a:ext uri="{91240B29-F687-4f45-9708-019B960494DF}">
-                <a14:hiddenLine xmlns="" xmlns:a14="http://schemas.microsoft.com/office/drawing/2010/main" w="9525">
+                <a14:hiddenLine xmlns:a14="http://schemas.microsoft.com/office/drawing/2010/main" xmlns="" w="9525">
                   <a:solidFill>
                     <a:srgbClr val="000000"/>
                   </a:solidFill>
@@ -2995,7 +2999,7 @@
             </a:ln>
             <a:extLst>
               <a:ext uri="{91240B29-F687-4f45-9708-019B960494DF}">
-                <a14:hiddenLine xmlns="" xmlns:a14="http://schemas.microsoft.com/office/drawing/2010/main" w="9525">
+                <a14:hiddenLine xmlns:a14="http://schemas.microsoft.com/office/drawing/2010/main" xmlns="" w="9525">
                   <a:solidFill>
                     <a:srgbClr val="000000"/>
                   </a:solidFill>
@@ -3085,7 +3089,7 @@
             </a:ln>
             <a:extLst>
               <a:ext uri="{91240B29-F687-4f45-9708-019B960494DF}">
-                <a14:hiddenLine xmlns="" xmlns:a14="http://schemas.microsoft.com/office/drawing/2010/main" w="9525">
+                <a14:hiddenLine xmlns:a14="http://schemas.microsoft.com/office/drawing/2010/main" xmlns="" w="9525">
                   <a:solidFill>
                     <a:srgbClr val="000000"/>
                   </a:solidFill>
@@ -3141,7 +3145,7 @@
             </a:ln>
             <a:extLst>
               <a:ext uri="{91240B29-F687-4f45-9708-019B960494DF}">
-                <a14:hiddenLine xmlns="" xmlns:a14="http://schemas.microsoft.com/office/drawing/2010/main" w="9525">
+                <a14:hiddenLine xmlns:a14="http://schemas.microsoft.com/office/drawing/2010/main" xmlns="" w="9525">
                   <a:solidFill>
                     <a:srgbClr val="000000"/>
                   </a:solidFill>
@@ -3231,7 +3235,7 @@
             </a:ln>
             <a:extLst>
               <a:ext uri="{91240B29-F687-4f45-9708-019B960494DF}">
-                <a14:hiddenLine xmlns="" xmlns:a14="http://schemas.microsoft.com/office/drawing/2010/main" w="9525">
+                <a14:hiddenLine xmlns:a14="http://schemas.microsoft.com/office/drawing/2010/main" xmlns="" w="9525">
                   <a:solidFill>
                     <a:srgbClr val="000000"/>
                   </a:solidFill>
@@ -3299,7 +3303,7 @@
             </a:ln>
             <a:extLst>
               <a:ext uri="{91240B29-F687-4f45-9708-019B960494DF}">
-                <a14:hiddenLine xmlns="" xmlns:a14="http://schemas.microsoft.com/office/drawing/2010/main" w="9525">
+                <a14:hiddenLine xmlns:a14="http://schemas.microsoft.com/office/drawing/2010/main" xmlns="" w="9525">
                   <a:solidFill>
                     <a:srgbClr val="000000"/>
                   </a:solidFill>
@@ -3389,7 +3393,7 @@
             </a:ln>
             <a:extLst>
               <a:ext uri="{91240B29-F687-4f45-9708-019B960494DF}">
-                <a14:hiddenLine xmlns="" xmlns:a14="http://schemas.microsoft.com/office/drawing/2010/main" w="9525">
+                <a14:hiddenLine xmlns:a14="http://schemas.microsoft.com/office/drawing/2010/main" xmlns="" w="9525">
                   <a:solidFill>
                     <a:srgbClr val="000000"/>
                   </a:solidFill>
@@ -3457,7 +3461,7 @@
             </a:ln>
             <a:extLst>
               <a:ext uri="{91240B29-F687-4f45-9708-019B960494DF}">
-                <a14:hiddenLine xmlns="" xmlns:a14="http://schemas.microsoft.com/office/drawing/2010/main" w="9525">
+                <a14:hiddenLine xmlns:a14="http://schemas.microsoft.com/office/drawing/2010/main" xmlns="" w="9525">
                   <a:solidFill>
                     <a:srgbClr val="000000"/>
                   </a:solidFill>
@@ -3547,7 +3551,7 @@
             </a:ln>
             <a:extLst>
               <a:ext uri="{91240B29-F687-4f45-9708-019B960494DF}">
-                <a14:hiddenLine xmlns="" xmlns:a14="http://schemas.microsoft.com/office/drawing/2010/main" w="9525">
+                <a14:hiddenLine xmlns:a14="http://schemas.microsoft.com/office/drawing/2010/main" xmlns="" w="9525">
                   <a:solidFill>
                     <a:srgbClr val="000000"/>
                   </a:solidFill>
@@ -3581,7 +3585,7 @@
             </a:ln>
             <a:extLst>
               <a:ext uri="{91240B29-F687-4f45-9708-019B960494DF}">
-                <a14:hiddenLine xmlns="" xmlns:a14="http://schemas.microsoft.com/office/drawing/2010/main" w="9525">
+                <a14:hiddenLine xmlns:a14="http://schemas.microsoft.com/office/drawing/2010/main" xmlns="" w="9525">
                   <a:solidFill>
                     <a:srgbClr val="000000"/>
                   </a:solidFill>
@@ -3671,7 +3675,7 @@
             </a:ln>
             <a:extLst>
               <a:ext uri="{91240B29-F687-4f45-9708-019B960494DF}">
-                <a14:hiddenLine xmlns="" xmlns:a14="http://schemas.microsoft.com/office/drawing/2010/main" w="9525">
+                <a14:hiddenLine xmlns:a14="http://schemas.microsoft.com/office/drawing/2010/main" xmlns="" w="9525">
                   <a:solidFill>
                     <a:srgbClr val="000000"/>
                   </a:solidFill>
@@ -3733,7 +3737,7 @@
             </a:ln>
             <a:extLst>
               <a:ext uri="{91240B29-F687-4f45-9708-019B960494DF}">
-                <a14:hiddenLine xmlns="" xmlns:a14="http://schemas.microsoft.com/office/drawing/2010/main" w="9525">
+                <a14:hiddenLine xmlns:a14="http://schemas.microsoft.com/office/drawing/2010/main" xmlns="" w="9525">
                   <a:solidFill>
                     <a:srgbClr val="000000"/>
                   </a:solidFill>
@@ -3795,7 +3799,7 @@
             </a:ln>
             <a:extLst>
               <a:ext uri="{91240B29-F687-4f45-9708-019B960494DF}">
-                <a14:hiddenLine xmlns="" xmlns:a14="http://schemas.microsoft.com/office/drawing/2010/main" w="9525">
+                <a14:hiddenLine xmlns:a14="http://schemas.microsoft.com/office/drawing/2010/main" xmlns="" w="9525">
                   <a:solidFill>
                     <a:srgbClr val="000000"/>
                   </a:solidFill>
@@ -3885,7 +3889,7 @@
             </a:ln>
             <a:extLst>
               <a:ext uri="{91240B29-F687-4f45-9708-019B960494DF}">
-                <a14:hiddenLine xmlns="" xmlns:a14="http://schemas.microsoft.com/office/drawing/2010/main" w="9525">
+                <a14:hiddenLine xmlns:a14="http://schemas.microsoft.com/office/drawing/2010/main" xmlns="" w="9525">
                   <a:solidFill>
                     <a:srgbClr val="000000"/>
                   </a:solidFill>
@@ -3953,7 +3957,7 @@
             </a:ln>
             <a:extLst>
               <a:ext uri="{91240B29-F687-4f45-9708-019B960494DF}">
-                <a14:hiddenLine xmlns="" xmlns:a14="http://schemas.microsoft.com/office/drawing/2010/main" w="9525">
+                <a14:hiddenLine xmlns:a14="http://schemas.microsoft.com/office/drawing/2010/main" xmlns="" w="9525">
                   <a:solidFill>
                     <a:srgbClr val="000000"/>
                   </a:solidFill>
@@ -4015,7 +4019,7 @@
             </a:ln>
             <a:extLst>
               <a:ext uri="{91240B29-F687-4f45-9708-019B960494DF}">
-                <a14:hiddenLine xmlns="" xmlns:a14="http://schemas.microsoft.com/office/drawing/2010/main" w="9525">
+                <a14:hiddenLine xmlns:a14="http://schemas.microsoft.com/office/drawing/2010/main" xmlns="" w="9525">
                   <a:solidFill>
                     <a:srgbClr val="000000"/>
                   </a:solidFill>
@@ -4105,7 +4109,7 @@
             </a:ln>
             <a:extLst>
               <a:ext uri="{91240B29-F687-4f45-9708-019B960494DF}">
-                <a14:hiddenLine xmlns="" xmlns:a14="http://schemas.microsoft.com/office/drawing/2010/main" w="9525">
+                <a14:hiddenLine xmlns:a14="http://schemas.microsoft.com/office/drawing/2010/main" xmlns="" w="9525">
                   <a:solidFill>
                     <a:srgbClr val="000000"/>
                   </a:solidFill>
@@ -4167,7 +4171,7 @@
             </a:ln>
             <a:extLst>
               <a:ext uri="{91240B29-F687-4f45-9708-019B960494DF}">
-                <a14:hiddenLine xmlns="" xmlns:a14="http://schemas.microsoft.com/office/drawing/2010/main" w="9525">
+                <a14:hiddenLine xmlns:a14="http://schemas.microsoft.com/office/drawing/2010/main" xmlns="" w="9525">
                   <a:solidFill>
                     <a:srgbClr val="000000"/>
                   </a:solidFill>
@@ -4257,7 +4261,7 @@
             </a:ln>
             <a:extLst>
               <a:ext uri="{91240B29-F687-4f45-9708-019B960494DF}">
-                <a14:hiddenLine xmlns="" xmlns:a14="http://schemas.microsoft.com/office/drawing/2010/main" w="9525">
+                <a14:hiddenLine xmlns:a14="http://schemas.microsoft.com/office/drawing/2010/main" xmlns="" w="9525">
                   <a:solidFill>
                     <a:srgbClr val="000000"/>
                   </a:solidFill>
@@ -4319,7 +4323,7 @@
             </a:ln>
             <a:extLst>
               <a:ext uri="{91240B29-F687-4f45-9708-019B960494DF}">
-                <a14:hiddenLine xmlns="" xmlns:a14="http://schemas.microsoft.com/office/drawing/2010/main" w="9525">
+                <a14:hiddenLine xmlns:a14="http://schemas.microsoft.com/office/drawing/2010/main" xmlns="" w="9525">
                   <a:solidFill>
                     <a:srgbClr val="000000"/>
                   </a:solidFill>
@@ -4409,7 +4413,7 @@
             </a:ln>
             <a:extLst>
               <a:ext uri="{91240B29-F687-4f45-9708-019B960494DF}">
-                <a14:hiddenLine xmlns="" xmlns:a14="http://schemas.microsoft.com/office/drawing/2010/main" w="9525">
+                <a14:hiddenLine xmlns:a14="http://schemas.microsoft.com/office/drawing/2010/main" xmlns="" w="9525">
                   <a:solidFill>
                     <a:srgbClr val="000000"/>
                   </a:solidFill>
@@ -4443,7 +4447,7 @@
             </a:ln>
             <a:extLst>
               <a:ext uri="{91240B29-F687-4f45-9708-019B960494DF}">
-                <a14:hiddenLine xmlns="" xmlns:a14="http://schemas.microsoft.com/office/drawing/2010/main" w="9525">
+                <a14:hiddenLine xmlns:a14="http://schemas.microsoft.com/office/drawing/2010/main" xmlns="" w="9525">
                   <a:solidFill>
                     <a:srgbClr val="000000"/>
                   </a:solidFill>
@@ -4508,7 +4512,7 @@
             </a:ln>
             <a:extLst>
               <a:ext uri="{91240B29-F687-4f45-9708-019B960494DF}">
-                <a14:hiddenLine xmlns="" xmlns:a14="http://schemas.microsoft.com/office/drawing/2010/main" w="9525">
+                <a14:hiddenLine xmlns:a14="http://schemas.microsoft.com/office/drawing/2010/main" xmlns="" w="9525">
                   <a:solidFill>
                     <a:srgbClr val="000000"/>
                   </a:solidFill>
@@ -4598,7 +4602,7 @@
             </a:ln>
             <a:extLst>
               <a:ext uri="{91240B29-F687-4f45-9708-019B960494DF}">
-                <a14:hiddenLine xmlns="" xmlns:a14="http://schemas.microsoft.com/office/drawing/2010/main" w="9525">
+                <a14:hiddenLine xmlns:a14="http://schemas.microsoft.com/office/drawing/2010/main" xmlns="" w="9525">
                   <a:solidFill>
                     <a:srgbClr val="000000"/>
                   </a:solidFill>
@@ -4660,7 +4664,7 @@
             </a:ln>
             <a:extLst>
               <a:ext uri="{91240B29-F687-4f45-9708-019B960494DF}">
-                <a14:hiddenLine xmlns="" xmlns:a14="http://schemas.microsoft.com/office/drawing/2010/main" w="9525">
+                <a14:hiddenLine xmlns:a14="http://schemas.microsoft.com/office/drawing/2010/main" xmlns="" w="9525">
                   <a:solidFill>
                     <a:srgbClr val="000000"/>
                   </a:solidFill>
@@ -4750,7 +4754,7 @@
             </a:ln>
             <a:extLst>
               <a:ext uri="{91240B29-F687-4f45-9708-019B960494DF}">
-                <a14:hiddenLine xmlns="" xmlns:a14="http://schemas.microsoft.com/office/drawing/2010/main" w="9525">
+                <a14:hiddenLine xmlns:a14="http://schemas.microsoft.com/office/drawing/2010/main" xmlns="" w="9525">
                   <a:solidFill>
                     <a:srgbClr val="000000"/>
                   </a:solidFill>
@@ -4840,7 +4844,7 @@
             </a:ln>
             <a:extLst>
               <a:ext uri="{91240B29-F687-4f45-9708-019B960494DF}">
-                <a14:hiddenLine xmlns="" xmlns:a14="http://schemas.microsoft.com/office/drawing/2010/main" w="9525">
+                <a14:hiddenLine xmlns:a14="http://schemas.microsoft.com/office/drawing/2010/main" xmlns="" w="9525">
                   <a:solidFill>
                     <a:srgbClr val="000000"/>
                   </a:solidFill>
@@ -4905,7 +4909,7 @@
             </a:ln>
             <a:extLst>
               <a:ext uri="{91240B29-F687-4f45-9708-019B960494DF}">
-                <a14:hiddenLine xmlns="" xmlns:a14="http://schemas.microsoft.com/office/drawing/2010/main" w="9525">
+                <a14:hiddenLine xmlns:a14="http://schemas.microsoft.com/office/drawing/2010/main" xmlns="" w="9525">
                   <a:solidFill>
                     <a:srgbClr val="000000"/>
                   </a:solidFill>
@@ -4967,7 +4971,7 @@
             </a:ln>
             <a:extLst>
               <a:ext uri="{91240B29-F687-4f45-9708-019B960494DF}">
-                <a14:hiddenLine xmlns="" xmlns:a14="http://schemas.microsoft.com/office/drawing/2010/main" w="9525">
+                <a14:hiddenLine xmlns:a14="http://schemas.microsoft.com/office/drawing/2010/main" xmlns="" w="9525">
                   <a:solidFill>
                     <a:srgbClr val="000000"/>
                   </a:solidFill>
@@ -5057,7 +5061,7 @@
             </a:ln>
             <a:extLst>
               <a:ext uri="{91240B29-F687-4f45-9708-019B960494DF}">
-                <a14:hiddenLine xmlns="" xmlns:a14="http://schemas.microsoft.com/office/drawing/2010/main" w="9525">
+                <a14:hiddenLine xmlns:a14="http://schemas.microsoft.com/office/drawing/2010/main" xmlns="" w="9525">
                   <a:solidFill>
                     <a:srgbClr val="000000"/>
                   </a:solidFill>
@@ -5147,7 +5151,7 @@
             </a:ln>
             <a:extLst>
               <a:ext uri="{91240B29-F687-4f45-9708-019B960494DF}">
-                <a14:hiddenLine xmlns="" xmlns:a14="http://schemas.microsoft.com/office/drawing/2010/main" w="9525">
+                <a14:hiddenLine xmlns:a14="http://schemas.microsoft.com/office/drawing/2010/main" xmlns="" w="9525">
                   <a:solidFill>
                     <a:srgbClr val="000000"/>
                   </a:solidFill>
@@ -5209,7 +5213,7 @@
             </a:ln>
             <a:extLst>
               <a:ext uri="{91240B29-F687-4f45-9708-019B960494DF}">
-                <a14:hiddenLine xmlns="" xmlns:a14="http://schemas.microsoft.com/office/drawing/2010/main" w="9525">
+                <a14:hiddenLine xmlns:a14="http://schemas.microsoft.com/office/drawing/2010/main" xmlns="" w="9525">
                   <a:solidFill>
                     <a:srgbClr val="000000"/>
                   </a:solidFill>
@@ -5329,7 +5333,7 @@
             </a:ln>
             <a:extLst>
               <a:ext uri="{91240B29-F687-4f45-9708-019B960494DF}">
-                <a14:hiddenLine xmlns="" xmlns:a14="http://schemas.microsoft.com/office/drawing/2010/main" w="9525">
+                <a14:hiddenLine xmlns:a14="http://schemas.microsoft.com/office/drawing/2010/main" xmlns="" w="9525">
                   <a:solidFill>
                     <a:srgbClr val="000000"/>
                   </a:solidFill>
@@ -5397,7 +5401,7 @@
             </a:ln>
             <a:extLst>
               <a:ext uri="{91240B29-F687-4f45-9708-019B960494DF}">
-                <a14:hiddenLine xmlns="" xmlns:a14="http://schemas.microsoft.com/office/drawing/2010/main" w="9525">
+                <a14:hiddenLine xmlns:a14="http://schemas.microsoft.com/office/drawing/2010/main" xmlns="" w="9525">
                   <a:solidFill>
                     <a:srgbClr val="000000"/>
                   </a:solidFill>
@@ -5487,7 +5491,7 @@
             </a:ln>
             <a:extLst>
               <a:ext uri="{91240B29-F687-4f45-9708-019B960494DF}">
-                <a14:hiddenLine xmlns="" xmlns:a14="http://schemas.microsoft.com/office/drawing/2010/main" w="9525">
+                <a14:hiddenLine xmlns:a14="http://schemas.microsoft.com/office/drawing/2010/main" xmlns="" w="9525">
                   <a:solidFill>
                     <a:srgbClr val="000000"/>
                   </a:solidFill>
@@ -10209,7 +10213,7 @@
           <a:noFill/>
           <a:extLst>
             <a:ext uri="{909E8E84-426E-40dd-AFC4-6F175D3DCCD1}">
-              <a14:hiddenFill xmlns="" xmlns:a14="http://schemas.microsoft.com/office/drawing/2010/main">
+              <a14:hiddenFill xmlns:a14="http://schemas.microsoft.com/office/drawing/2010/main" xmlns="">
                 <a:solidFill>
                   <a:srgbClr val="FFFFFF"/>
                 </a:solidFill>
@@ -10283,7 +10287,7 @@
               </a:ln>
               <a:extLst>
                 <a:ext uri="{91240B29-F687-4f45-9708-019B960494DF}">
-                  <a14:hiddenLine xmlns="" xmlns:a14="http://schemas.microsoft.com/office/drawing/2010/main" w="9525">
+                  <a14:hiddenLine xmlns:a14="http://schemas.microsoft.com/office/drawing/2010/main" xmlns="" w="9525">
                     <a:solidFill>
                       <a:srgbClr val="000000"/>
                     </a:solidFill>
@@ -10373,7 +10377,7 @@
               </a:ln>
               <a:extLst>
                 <a:ext uri="{91240B29-F687-4f45-9708-019B960494DF}">
-                  <a14:hiddenLine xmlns="" xmlns:a14="http://schemas.microsoft.com/office/drawing/2010/main" w="9525">
+                  <a14:hiddenLine xmlns:a14="http://schemas.microsoft.com/office/drawing/2010/main" xmlns="" w="9525">
                     <a:solidFill>
                       <a:srgbClr val="000000"/>
                     </a:solidFill>
@@ -10463,7 +10467,7 @@
               </a:ln>
               <a:extLst>
                 <a:ext uri="{91240B29-F687-4f45-9708-019B960494DF}">
-                  <a14:hiddenLine xmlns="" xmlns:a14="http://schemas.microsoft.com/office/drawing/2010/main" w="9525">
+                  <a14:hiddenLine xmlns:a14="http://schemas.microsoft.com/office/drawing/2010/main" xmlns="" w="9525">
                     <a:solidFill>
                       <a:srgbClr val="000000"/>
                     </a:solidFill>
@@ -10525,7 +10529,7 @@
               </a:ln>
               <a:extLst>
                 <a:ext uri="{91240B29-F687-4f45-9708-019B960494DF}">
-                  <a14:hiddenLine xmlns="" xmlns:a14="http://schemas.microsoft.com/office/drawing/2010/main" w="9525">
+                  <a14:hiddenLine xmlns:a14="http://schemas.microsoft.com/office/drawing/2010/main" xmlns="" w="9525">
                     <a:solidFill>
                       <a:srgbClr val="000000"/>
                     </a:solidFill>
@@ -10615,7 +10619,7 @@
               </a:ln>
               <a:extLst>
                 <a:ext uri="{91240B29-F687-4f45-9708-019B960494DF}">
-                  <a14:hiddenLine xmlns="" xmlns:a14="http://schemas.microsoft.com/office/drawing/2010/main" w="9525">
+                  <a14:hiddenLine xmlns:a14="http://schemas.microsoft.com/office/drawing/2010/main" xmlns="" w="9525">
                     <a:solidFill>
                       <a:srgbClr val="000000"/>
                     </a:solidFill>
@@ -10677,7 +10681,7 @@
               </a:ln>
               <a:extLst>
                 <a:ext uri="{91240B29-F687-4f45-9708-019B960494DF}">
-                  <a14:hiddenLine xmlns="" xmlns:a14="http://schemas.microsoft.com/office/drawing/2010/main" w="9525">
+                  <a14:hiddenLine xmlns:a14="http://schemas.microsoft.com/office/drawing/2010/main" xmlns="" w="9525">
                     <a:solidFill>
                       <a:srgbClr val="000000"/>
                     </a:solidFill>
@@ -10739,7 +10743,7 @@
               </a:ln>
               <a:extLst>
                 <a:ext uri="{91240B29-F687-4f45-9708-019B960494DF}">
-                  <a14:hiddenLine xmlns="" xmlns:a14="http://schemas.microsoft.com/office/drawing/2010/main" w="9525">
+                  <a14:hiddenLine xmlns:a14="http://schemas.microsoft.com/office/drawing/2010/main" xmlns="" w="9525">
                     <a:solidFill>
                       <a:srgbClr val="000000"/>
                     </a:solidFill>
@@ -10829,7 +10833,7 @@
               </a:ln>
               <a:extLst>
                 <a:ext uri="{91240B29-F687-4f45-9708-019B960494DF}">
-                  <a14:hiddenLine xmlns="" xmlns:a14="http://schemas.microsoft.com/office/drawing/2010/main" w="9525">
+                  <a14:hiddenLine xmlns:a14="http://schemas.microsoft.com/office/drawing/2010/main" xmlns="" w="9525">
                     <a:solidFill>
                       <a:srgbClr val="000000"/>
                     </a:solidFill>
@@ -10919,7 +10923,7 @@
               </a:ln>
               <a:extLst>
                 <a:ext uri="{91240B29-F687-4f45-9708-019B960494DF}">
-                  <a14:hiddenLine xmlns="" xmlns:a14="http://schemas.microsoft.com/office/drawing/2010/main" w="9525">
+                  <a14:hiddenLine xmlns:a14="http://schemas.microsoft.com/office/drawing/2010/main" xmlns="" w="9525">
                     <a:solidFill>
                       <a:srgbClr val="000000"/>
                     </a:solidFill>
@@ -10981,7 +10985,7 @@
               </a:ln>
               <a:extLst>
                 <a:ext uri="{91240B29-F687-4f45-9708-019B960494DF}">
-                  <a14:hiddenLine xmlns="" xmlns:a14="http://schemas.microsoft.com/office/drawing/2010/main" w="9525">
+                  <a14:hiddenLine xmlns:a14="http://schemas.microsoft.com/office/drawing/2010/main" xmlns="" w="9525">
                     <a:solidFill>
                       <a:srgbClr val="000000"/>
                     </a:solidFill>
@@ -11091,7 +11095,7 @@
               </a:ln>
               <a:extLst>
                 <a:ext uri="{91240B29-F687-4f45-9708-019B960494DF}">
-                  <a14:hiddenLine xmlns="" xmlns:a14="http://schemas.microsoft.com/office/drawing/2010/main" w="9525">
+                  <a14:hiddenLine xmlns:a14="http://schemas.microsoft.com/office/drawing/2010/main" xmlns="" w="9525">
                     <a:solidFill>
                       <a:srgbClr val="000000"/>
                     </a:solidFill>
@@ -11175,7 +11179,7 @@
               </a:ln>
               <a:extLst>
                 <a:ext uri="{91240B29-F687-4f45-9708-019B960494DF}">
-                  <a14:hiddenLine xmlns="" xmlns:a14="http://schemas.microsoft.com/office/drawing/2010/main" w="9525">
+                  <a14:hiddenLine xmlns:a14="http://schemas.microsoft.com/office/drawing/2010/main" xmlns="" w="9525">
                     <a:solidFill>
                       <a:srgbClr val="000000"/>
                     </a:solidFill>
@@ -11237,7 +11241,7 @@
               </a:ln>
               <a:extLst>
                 <a:ext uri="{91240B29-F687-4f45-9708-019B960494DF}">
-                  <a14:hiddenLine xmlns="" xmlns:a14="http://schemas.microsoft.com/office/drawing/2010/main" w="9525">
+                  <a14:hiddenLine xmlns:a14="http://schemas.microsoft.com/office/drawing/2010/main" xmlns="" w="9525">
                     <a:solidFill>
                       <a:srgbClr val="000000"/>
                     </a:solidFill>
@@ -11299,7 +11303,7 @@
               </a:ln>
               <a:extLst>
                 <a:ext uri="{91240B29-F687-4f45-9708-019B960494DF}">
-                  <a14:hiddenLine xmlns="" xmlns:a14="http://schemas.microsoft.com/office/drawing/2010/main" w="9525">
+                  <a14:hiddenLine xmlns:a14="http://schemas.microsoft.com/office/drawing/2010/main" xmlns="" w="9525">
                     <a:solidFill>
                       <a:srgbClr val="000000"/>
                     </a:solidFill>
@@ -11389,7 +11393,7 @@
               </a:ln>
               <a:extLst>
                 <a:ext uri="{91240B29-F687-4f45-9708-019B960494DF}">
-                  <a14:hiddenLine xmlns="" xmlns:a14="http://schemas.microsoft.com/office/drawing/2010/main" w="9525">
+                  <a14:hiddenLine xmlns:a14="http://schemas.microsoft.com/office/drawing/2010/main" xmlns="" w="9525">
                     <a:solidFill>
                       <a:srgbClr val="000000"/>
                     </a:solidFill>
@@ -11423,7 +11427,7 @@
               </a:ln>
               <a:extLst>
                 <a:ext uri="{91240B29-F687-4f45-9708-019B960494DF}">
-                  <a14:hiddenLine xmlns="" xmlns:a14="http://schemas.microsoft.com/office/drawing/2010/main" w="9525">
+                  <a14:hiddenLine xmlns:a14="http://schemas.microsoft.com/office/drawing/2010/main" xmlns="" w="9525">
                     <a:solidFill>
                       <a:srgbClr val="000000"/>
                     </a:solidFill>
@@ -11488,7 +11492,7 @@
               </a:ln>
               <a:extLst>
                 <a:ext uri="{91240B29-F687-4f45-9708-019B960494DF}">
-                  <a14:hiddenLine xmlns="" xmlns:a14="http://schemas.microsoft.com/office/drawing/2010/main" w="9525">
+                  <a14:hiddenLine xmlns:a14="http://schemas.microsoft.com/office/drawing/2010/main" xmlns="" w="9525">
                     <a:solidFill>
                       <a:srgbClr val="000000"/>
                     </a:solidFill>
@@ -11578,7 +11582,7 @@
               </a:ln>
               <a:extLst>
                 <a:ext uri="{91240B29-F687-4f45-9708-019B960494DF}">
-                  <a14:hiddenLine xmlns="" xmlns:a14="http://schemas.microsoft.com/office/drawing/2010/main" w="9525">
+                  <a14:hiddenLine xmlns:a14="http://schemas.microsoft.com/office/drawing/2010/main" xmlns="" w="9525">
                     <a:solidFill>
                       <a:srgbClr val="000000"/>
                     </a:solidFill>
@@ -11640,7 +11644,7 @@
               </a:ln>
               <a:extLst>
                 <a:ext uri="{91240B29-F687-4f45-9708-019B960494DF}">
-                  <a14:hiddenLine xmlns="" xmlns:a14="http://schemas.microsoft.com/office/drawing/2010/main" w="9525">
+                  <a14:hiddenLine xmlns:a14="http://schemas.microsoft.com/office/drawing/2010/main" xmlns="" w="9525">
                     <a:solidFill>
                       <a:srgbClr val="000000"/>
                     </a:solidFill>
@@ -11730,7 +11734,7 @@
               </a:ln>
               <a:extLst>
                 <a:ext uri="{91240B29-F687-4f45-9708-019B960494DF}">
-                  <a14:hiddenLine xmlns="" xmlns:a14="http://schemas.microsoft.com/office/drawing/2010/main" w="9525">
+                  <a14:hiddenLine xmlns:a14="http://schemas.microsoft.com/office/drawing/2010/main" xmlns="" w="9525">
                     <a:solidFill>
                       <a:srgbClr val="000000"/>
                     </a:solidFill>
@@ -11795,7 +11799,7 @@
               </a:ln>
               <a:extLst>
                 <a:ext uri="{91240B29-F687-4f45-9708-019B960494DF}">
-                  <a14:hiddenLine xmlns="" xmlns:a14="http://schemas.microsoft.com/office/drawing/2010/main" w="9525">
+                  <a14:hiddenLine xmlns:a14="http://schemas.microsoft.com/office/drawing/2010/main" xmlns="" w="9525">
                     <a:solidFill>
                       <a:srgbClr val="000000"/>
                     </a:solidFill>
@@ -11857,7 +11861,7 @@
               </a:ln>
               <a:extLst>
                 <a:ext uri="{91240B29-F687-4f45-9708-019B960494DF}">
-                  <a14:hiddenLine xmlns="" xmlns:a14="http://schemas.microsoft.com/office/drawing/2010/main" w="9525">
+                  <a14:hiddenLine xmlns:a14="http://schemas.microsoft.com/office/drawing/2010/main" xmlns="" w="9525">
                     <a:solidFill>
                       <a:srgbClr val="000000"/>
                     </a:solidFill>
@@ -11947,7 +11951,7 @@
               </a:ln>
               <a:extLst>
                 <a:ext uri="{91240B29-F687-4f45-9708-019B960494DF}">
-                  <a14:hiddenLine xmlns="" xmlns:a14="http://schemas.microsoft.com/office/drawing/2010/main" w="9525">
+                  <a14:hiddenLine xmlns:a14="http://schemas.microsoft.com/office/drawing/2010/main" xmlns="" w="9525">
                     <a:solidFill>
                       <a:srgbClr val="000000"/>
                     </a:solidFill>
@@ -12037,7 +12041,7 @@
               </a:ln>
               <a:extLst>
                 <a:ext uri="{91240B29-F687-4f45-9708-019B960494DF}">
-                  <a14:hiddenLine xmlns="" xmlns:a14="http://schemas.microsoft.com/office/drawing/2010/main" w="9525">
+                  <a14:hiddenLine xmlns:a14="http://schemas.microsoft.com/office/drawing/2010/main" xmlns="" w="9525">
                     <a:solidFill>
                       <a:srgbClr val="000000"/>
                     </a:solidFill>
@@ -12102,7 +12106,7 @@
               </a:ln>
               <a:extLst>
                 <a:ext uri="{91240B29-F687-4f45-9708-019B960494DF}">
-                  <a14:hiddenLine xmlns="" xmlns:a14="http://schemas.microsoft.com/office/drawing/2010/main" w="9525">
+                  <a14:hiddenLine xmlns:a14="http://schemas.microsoft.com/office/drawing/2010/main" xmlns="" w="9525">
                     <a:solidFill>
                       <a:srgbClr val="000000"/>
                     </a:solidFill>
@@ -12222,7 +12226,7 @@
               </a:ln>
               <a:extLst>
                 <a:ext uri="{91240B29-F687-4f45-9708-019B960494DF}">
-                  <a14:hiddenLine xmlns="" xmlns:a14="http://schemas.microsoft.com/office/drawing/2010/main" w="9525">
+                  <a14:hiddenLine xmlns:a14="http://schemas.microsoft.com/office/drawing/2010/main" xmlns="" w="9525">
                     <a:solidFill>
                       <a:srgbClr val="000000"/>
                     </a:solidFill>
@@ -12320,7 +12324,7 @@
               </a:ln>
               <a:extLst>
                 <a:ext uri="{91240B29-F687-4f45-9708-019B960494DF}">
-                  <a14:hiddenLine xmlns="" xmlns:a14="http://schemas.microsoft.com/office/drawing/2010/main" w="9525">
+                  <a14:hiddenLine xmlns:a14="http://schemas.microsoft.com/office/drawing/2010/main" xmlns="" w="9525">
                     <a:solidFill>
                       <a:srgbClr val="000000"/>
                     </a:solidFill>
@@ -12435,7 +12439,7 @@
               </a:ln>
               <a:extLst>
                 <a:ext uri="{91240B29-F687-4f45-9708-019B960494DF}">
-                  <a14:hiddenLine xmlns="" xmlns:a14="http://schemas.microsoft.com/office/drawing/2010/main" w="9525">
+                  <a14:hiddenLine xmlns:a14="http://schemas.microsoft.com/office/drawing/2010/main" xmlns="" w="9525">
                     <a:solidFill>
                       <a:srgbClr val="000000"/>
                     </a:solidFill>
@@ -12525,7 +12529,7 @@
               </a:ln>
               <a:extLst>
                 <a:ext uri="{91240B29-F687-4f45-9708-019B960494DF}">
-                  <a14:hiddenLine xmlns="" xmlns:a14="http://schemas.microsoft.com/office/drawing/2010/main" w="9525">
+                  <a14:hiddenLine xmlns:a14="http://schemas.microsoft.com/office/drawing/2010/main" xmlns="" w="9525">
                     <a:solidFill>
                       <a:srgbClr val="000000"/>
                     </a:solidFill>
@@ -12590,7 +12594,7 @@
               </a:ln>
               <a:extLst>
                 <a:ext uri="{91240B29-F687-4f45-9708-019B960494DF}">
-                  <a14:hiddenLine xmlns="" xmlns:a14="http://schemas.microsoft.com/office/drawing/2010/main" w="9525">
+                  <a14:hiddenLine xmlns:a14="http://schemas.microsoft.com/office/drawing/2010/main" xmlns="" w="9525">
                     <a:solidFill>
                       <a:srgbClr val="000000"/>
                     </a:solidFill>
@@ -12680,7 +12684,7 @@
               </a:ln>
               <a:extLst>
                 <a:ext uri="{91240B29-F687-4f45-9708-019B960494DF}">
-                  <a14:hiddenLine xmlns="" xmlns:a14="http://schemas.microsoft.com/office/drawing/2010/main" w="9525">
+                  <a14:hiddenLine xmlns:a14="http://schemas.microsoft.com/office/drawing/2010/main" xmlns="" w="9525">
                     <a:solidFill>
                       <a:srgbClr val="000000"/>
                     </a:solidFill>
@@ -12748,7 +12752,7 @@
               </a:ln>
               <a:extLst>
                 <a:ext uri="{91240B29-F687-4f45-9708-019B960494DF}">
-                  <a14:hiddenLine xmlns="" xmlns:a14="http://schemas.microsoft.com/office/drawing/2010/main" w="9525">
+                  <a14:hiddenLine xmlns:a14="http://schemas.microsoft.com/office/drawing/2010/main" xmlns="" w="9525">
                     <a:solidFill>
                       <a:srgbClr val="000000"/>
                     </a:solidFill>
@@ -12838,7 +12842,7 @@
               </a:ln>
               <a:extLst>
                 <a:ext uri="{91240B29-F687-4f45-9708-019B960494DF}">
-                  <a14:hiddenLine xmlns="" xmlns:a14="http://schemas.microsoft.com/office/drawing/2010/main" w="9525">
+                  <a14:hiddenLine xmlns:a14="http://schemas.microsoft.com/office/drawing/2010/main" xmlns="" w="9525">
                     <a:solidFill>
                       <a:srgbClr val="000000"/>
                     </a:solidFill>
@@ -12906,7 +12910,7 @@
               </a:ln>
               <a:extLst>
                 <a:ext uri="{91240B29-F687-4f45-9708-019B960494DF}">
-                  <a14:hiddenLine xmlns="" xmlns:a14="http://schemas.microsoft.com/office/drawing/2010/main" w="9525">
+                  <a14:hiddenLine xmlns:a14="http://schemas.microsoft.com/office/drawing/2010/main" xmlns="" w="9525">
                     <a:solidFill>
                       <a:srgbClr val="000000"/>
                     </a:solidFill>
@@ -12996,7 +13000,7 @@
               </a:ln>
               <a:extLst>
                 <a:ext uri="{91240B29-F687-4f45-9708-019B960494DF}">
-                  <a14:hiddenLine xmlns="" xmlns:a14="http://schemas.microsoft.com/office/drawing/2010/main" w="9525">
+                  <a14:hiddenLine xmlns:a14="http://schemas.microsoft.com/office/drawing/2010/main" xmlns="" w="9525">
                     <a:solidFill>
                       <a:srgbClr val="000000"/>
                     </a:solidFill>
@@ -13030,7 +13034,7 @@
               </a:ln>
               <a:extLst>
                 <a:ext uri="{91240B29-F687-4f45-9708-019B960494DF}">
-                  <a14:hiddenLine xmlns="" xmlns:a14="http://schemas.microsoft.com/office/drawing/2010/main" w="9525">
+                  <a14:hiddenLine xmlns:a14="http://schemas.microsoft.com/office/drawing/2010/main" xmlns="" w="9525">
                     <a:solidFill>
                       <a:srgbClr val="000000"/>
                     </a:solidFill>
@@ -13663,6 +13667,89 @@
 </p:sld>
 </file>
 
+<file path=ppt/slides/slide10.xml><?xml version="1.0" encoding="utf-8"?>
+<p:sld xmlns:a="http://schemas.openxmlformats.org/drawingml/2006/main" xmlns:r="http://schemas.openxmlformats.org/officeDocument/2006/relationships" xmlns:p="http://schemas.openxmlformats.org/presentationml/2006/main">
+  <p:cSld>
+    <p:spTree>
+      <p:nvGrpSpPr>
+        <p:cNvPr id="1" name=""/>
+        <p:cNvGrpSpPr/>
+        <p:nvPr/>
+      </p:nvGrpSpPr>
+      <p:grpSpPr>
+        <a:xfrm>
+          <a:off x="0" y="0"/>
+          <a:ext cx="0" cy="0"/>
+          <a:chOff x="0" y="0"/>
+          <a:chExt cx="0" cy="0"/>
+        </a:xfrm>
+      </p:grpSpPr>
+      <p:sp>
+        <p:nvSpPr>
+          <p:cNvPr id="2" name="Title 1">
+            <a:extLst>
+              <a:ext uri="{FF2B5EF4-FFF2-40B4-BE49-F238E27FC236}">
+                <a16:creationId xmlns:a16="http://schemas.microsoft.com/office/drawing/2014/main" id="{A1FDBB2E-6496-97C0-B99C-AD2B20A9A13B}"/>
+              </a:ext>
+            </a:extLst>
+          </p:cNvPr>
+          <p:cNvSpPr>
+            <a:spLocks noGrp="1"/>
+          </p:cNvSpPr>
+          <p:nvPr>
+            <p:ph type="title"/>
+          </p:nvPr>
+        </p:nvSpPr>
+        <p:spPr/>
+        <p:txBody>
+          <a:bodyPr/>
+          <a:lstStyle/>
+          <a:p>
+            <a:r>
+              <a:rPr lang="en-US" dirty="0"/>
+              <a:t>Future Plans!</a:t>
+            </a:r>
+          </a:p>
+        </p:txBody>
+      </p:sp>
+      <p:sp>
+        <p:nvSpPr>
+          <p:cNvPr id="3" name="Content Placeholder 2">
+            <a:extLst>
+              <a:ext uri="{FF2B5EF4-FFF2-40B4-BE49-F238E27FC236}">
+                <a16:creationId xmlns:a16="http://schemas.microsoft.com/office/drawing/2014/main" id="{A8C78C33-059F-5657-C4C1-C8262AD3DE42}"/>
+              </a:ext>
+            </a:extLst>
+          </p:cNvPr>
+          <p:cNvSpPr>
+            <a:spLocks noGrp="1"/>
+          </p:cNvSpPr>
+          <p:nvPr>
+            <p:ph idx="1"/>
+          </p:nvPr>
+        </p:nvSpPr>
+        <p:spPr/>
+        <p:txBody>
+          <a:bodyPr/>
+          <a:lstStyle/>
+          <a:p>
+            <a:endParaRPr lang="en-US"/>
+          </a:p>
+        </p:txBody>
+      </p:sp>
+    </p:spTree>
+    <p:extLst>
+      <p:ext uri="{BB962C8B-B14F-4D97-AF65-F5344CB8AC3E}">
+        <p14:creationId xmlns:p14="http://schemas.microsoft.com/office/powerpoint/2010/main" val="1714005908"/>
+      </p:ext>
+    </p:extLst>
+  </p:cSld>
+  <p:clrMapOvr>
+    <a:masterClrMapping/>
+  </p:clrMapOvr>
+</p:sld>
+</file>
+
 <file path=ppt/slides/slide2.xml><?xml version="1.0" encoding="utf-8"?>
 <p:sld xmlns:a="http://schemas.openxmlformats.org/drawingml/2006/main" xmlns:r="http://schemas.openxmlformats.org/officeDocument/2006/relationships" xmlns:p="http://schemas.openxmlformats.org/presentationml/2006/main">
   <p:cSld>
@@ -13789,6 +13876,350 @@
           <p:cNvPr id="2" name="Title 1">
             <a:extLst>
               <a:ext uri="{FF2B5EF4-FFF2-40B4-BE49-F238E27FC236}">
+                <a16:creationId xmlns:a16="http://schemas.microsoft.com/office/drawing/2014/main" id="{FF2CA2E2-3148-7BFE-2E5F-E17499814ADD}"/>
+              </a:ext>
+            </a:extLst>
+          </p:cNvPr>
+          <p:cNvSpPr>
+            <a:spLocks noGrp="1"/>
+          </p:cNvSpPr>
+          <p:nvPr>
+            <p:ph type="title"/>
+          </p:nvPr>
+        </p:nvSpPr>
+        <p:spPr>
+          <a:xfrm>
+            <a:off x="1141413" y="609600"/>
+            <a:ext cx="5934508" cy="550333"/>
+          </a:xfrm>
+        </p:spPr>
+        <p:txBody>
+          <a:bodyPr/>
+          <a:lstStyle/>
+          <a:p>
+            <a:r>
+              <a:rPr lang="en-US" dirty="0"/>
+              <a:t>Code Snippets!</a:t>
+            </a:r>
+          </a:p>
+        </p:txBody>
+      </p:sp>
+      <p:sp>
+        <p:nvSpPr>
+          <p:cNvPr id="4" name="Text Placeholder 3">
+            <a:extLst>
+              <a:ext uri="{FF2B5EF4-FFF2-40B4-BE49-F238E27FC236}">
+                <a16:creationId xmlns:a16="http://schemas.microsoft.com/office/drawing/2014/main" id="{A9329B80-7C22-F9EB-45D9-584C1BB18759}"/>
+              </a:ext>
+            </a:extLst>
+          </p:cNvPr>
+          <p:cNvSpPr>
+            <a:spLocks noGrp="1"/>
+          </p:cNvSpPr>
+          <p:nvPr>
+            <p:ph type="body" sz="half" idx="2"/>
+          </p:nvPr>
+        </p:nvSpPr>
+        <p:spPr>
+          <a:xfrm>
+            <a:off x="1141410" y="1159933"/>
+            <a:ext cx="4057123" cy="4631267"/>
+          </a:xfrm>
+        </p:spPr>
+        <p:txBody>
+          <a:bodyPr>
+            <a:normAutofit lnSpcReduction="10000"/>
+          </a:bodyPr>
+          <a:lstStyle/>
+          <a:p>
+            <a:pPr marL="285750" indent="-285750">
+              <a:buFont typeface="Arial" panose="020B0604020202020204" pitchFamily="34" charset="0"/>
+              <a:buChar char="•"/>
+            </a:pPr>
+            <a:r>
+              <a:rPr lang="en-US" sz="2000" dirty="0"/>
+              <a:t>Code to the right shows two different methods</a:t>
+            </a:r>
+          </a:p>
+          <a:p>
+            <a:pPr marL="285750" indent="-285750">
+              <a:buFont typeface="Arial" panose="020B0604020202020204" pitchFamily="34" charset="0"/>
+              <a:buChar char="•"/>
+            </a:pPr>
+            <a:r>
+              <a:rPr lang="en-US" sz="2000" dirty="0"/>
+              <a:t>Theses methods do the same thing:</a:t>
+            </a:r>
+          </a:p>
+          <a:p>
+            <a:pPr marL="742950" lvl="1" indent="-285750">
+              <a:buFont typeface="Arial" panose="020B0604020202020204" pitchFamily="34" charset="0"/>
+              <a:buChar char="•"/>
+            </a:pPr>
+            <a:r>
+              <a:rPr lang="en-US" sz="1800" dirty="0"/>
+              <a:t>Pass a Prefab as a parameter.</a:t>
+            </a:r>
+          </a:p>
+          <a:p>
+            <a:pPr marL="742950" lvl="1" indent="-285750">
+              <a:buFont typeface="Arial" panose="020B0604020202020204" pitchFamily="34" charset="0"/>
+              <a:buChar char="•"/>
+            </a:pPr>
+            <a:r>
+              <a:rPr lang="en-US" sz="1800" dirty="0"/>
+              <a:t>Spawn the Prefab it the Boolean is false. It will then instantiate that object.</a:t>
+            </a:r>
+          </a:p>
+          <a:p>
+            <a:pPr marL="742950" lvl="1" indent="-285750">
+              <a:buFont typeface="Arial" panose="020B0604020202020204" pitchFamily="34" charset="0"/>
+              <a:buChar char="•"/>
+            </a:pPr>
+            <a:r>
+              <a:rPr lang="en-US" sz="1800" dirty="0"/>
+              <a:t>Then it will play an audio sound when the button is pressed.</a:t>
+            </a:r>
+          </a:p>
+          <a:p>
+            <a:pPr marL="285750" indent="-285750">
+              <a:buFont typeface="Arial" panose="020B0604020202020204" pitchFamily="34" charset="0"/>
+              <a:buChar char="•"/>
+            </a:pPr>
+            <a:r>
+              <a:rPr lang="en-US" sz="2000" dirty="0"/>
+              <a:t>If the Boolean is true nothing will happen as the object is already in the scene.</a:t>
+            </a:r>
+          </a:p>
+        </p:txBody>
+      </p:sp>
+      <p:pic>
+        <p:nvPicPr>
+          <p:cNvPr id="7" name="Picture 6">
+            <a:extLst>
+              <a:ext uri="{FF2B5EF4-FFF2-40B4-BE49-F238E27FC236}">
+                <a16:creationId xmlns:a16="http://schemas.microsoft.com/office/drawing/2014/main" id="{E82B12C8-7CB1-AB4F-5954-C4AEA2072659}"/>
+              </a:ext>
+            </a:extLst>
+          </p:cNvPr>
+          <p:cNvPicPr>
+            <a:picLocks noChangeAspect="1"/>
+          </p:cNvPicPr>
+          <p:nvPr/>
+        </p:nvPicPr>
+        <p:blipFill>
+          <a:blip r:embed="rId2"/>
+          <a:stretch>
+            <a:fillRect/>
+          </a:stretch>
+        </p:blipFill>
+        <p:spPr>
+          <a:xfrm>
+            <a:off x="5326056" y="609600"/>
+            <a:ext cx="6677235" cy="5181600"/>
+          </a:xfrm>
+          <a:prstGeom prst="rect">
+            <a:avLst/>
+          </a:prstGeom>
+        </p:spPr>
+      </p:pic>
+    </p:spTree>
+    <p:extLst>
+      <p:ext uri="{BB962C8B-B14F-4D97-AF65-F5344CB8AC3E}">
+        <p14:creationId xmlns:p14="http://schemas.microsoft.com/office/powerpoint/2010/main" val="2737887765"/>
+      </p:ext>
+    </p:extLst>
+  </p:cSld>
+  <p:clrMapOvr>
+    <a:masterClrMapping/>
+  </p:clrMapOvr>
+</p:sld>
+</file>
+
+<file path=ppt/slides/slide4.xml><?xml version="1.0" encoding="utf-8"?>
+<p:sld xmlns:a="http://schemas.openxmlformats.org/drawingml/2006/main" xmlns:r="http://schemas.openxmlformats.org/officeDocument/2006/relationships" xmlns:p="http://schemas.openxmlformats.org/presentationml/2006/main">
+  <p:cSld>
+    <p:spTree>
+      <p:nvGrpSpPr>
+        <p:cNvPr id="1" name=""/>
+        <p:cNvGrpSpPr/>
+        <p:nvPr/>
+      </p:nvGrpSpPr>
+      <p:grpSpPr>
+        <a:xfrm>
+          <a:off x="0" y="0"/>
+          <a:ext cx="0" cy="0"/>
+          <a:chOff x="0" y="0"/>
+          <a:chExt cx="0" cy="0"/>
+        </a:xfrm>
+      </p:grpSpPr>
+      <p:sp>
+        <p:nvSpPr>
+          <p:cNvPr id="2" name="Title 1">
+            <a:extLst>
+              <a:ext uri="{FF2B5EF4-FFF2-40B4-BE49-F238E27FC236}">
+                <a16:creationId xmlns:a16="http://schemas.microsoft.com/office/drawing/2014/main" id="{FF2CA2E2-3148-7BFE-2E5F-E17499814ADD}"/>
+              </a:ext>
+            </a:extLst>
+          </p:cNvPr>
+          <p:cNvSpPr>
+            <a:spLocks noGrp="1"/>
+          </p:cNvSpPr>
+          <p:nvPr>
+            <p:ph type="title"/>
+          </p:nvPr>
+        </p:nvSpPr>
+        <p:spPr>
+          <a:xfrm>
+            <a:off x="1141413" y="609600"/>
+            <a:ext cx="5934508" cy="550333"/>
+          </a:xfrm>
+        </p:spPr>
+        <p:txBody>
+          <a:bodyPr/>
+          <a:lstStyle/>
+          <a:p>
+            <a:r>
+              <a:rPr lang="en-US" dirty="0"/>
+              <a:t>Code Snippets!</a:t>
+            </a:r>
+          </a:p>
+        </p:txBody>
+      </p:sp>
+      <p:sp>
+        <p:nvSpPr>
+          <p:cNvPr id="4" name="Text Placeholder 3">
+            <a:extLst>
+              <a:ext uri="{FF2B5EF4-FFF2-40B4-BE49-F238E27FC236}">
+                <a16:creationId xmlns:a16="http://schemas.microsoft.com/office/drawing/2014/main" id="{A9329B80-7C22-F9EB-45D9-584C1BB18759}"/>
+              </a:ext>
+            </a:extLst>
+          </p:cNvPr>
+          <p:cNvSpPr>
+            <a:spLocks noGrp="1"/>
+          </p:cNvSpPr>
+          <p:nvPr>
+            <p:ph type="body" sz="half" idx="2"/>
+          </p:nvPr>
+        </p:nvSpPr>
+        <p:spPr>
+          <a:xfrm>
+            <a:off x="1141410" y="1159933"/>
+            <a:ext cx="4057123" cy="4631267"/>
+          </a:xfrm>
+        </p:spPr>
+        <p:txBody>
+          <a:bodyPr>
+            <a:normAutofit/>
+          </a:bodyPr>
+          <a:lstStyle/>
+          <a:p>
+            <a:pPr marL="285750" indent="-285750">
+              <a:buFont typeface="Arial" panose="020B0604020202020204" pitchFamily="34" charset="0"/>
+              <a:buChar char="•"/>
+            </a:pPr>
+            <a:r>
+              <a:rPr lang="en-US" sz="2000" dirty="0"/>
+              <a:t>Code to the right is used to keep the teleport tablet in a specific location.</a:t>
+            </a:r>
+          </a:p>
+          <a:p>
+            <a:pPr marL="285750" indent="-285750">
+              <a:buFont typeface="Arial" panose="020B0604020202020204" pitchFamily="34" charset="0"/>
+              <a:buChar char="•"/>
+            </a:pPr>
+            <a:r>
+              <a:rPr lang="en-US" sz="2000" dirty="0"/>
+              <a:t>This is need so the player does not lose the ability to travel between the main room and the build site.</a:t>
+            </a:r>
+          </a:p>
+          <a:p>
+            <a:pPr marL="285750" indent="-285750">
+              <a:buFont typeface="Arial" panose="020B0604020202020204" pitchFamily="34" charset="0"/>
+              <a:buChar char="•"/>
+            </a:pPr>
+            <a:r>
+              <a:rPr lang="en-US" sz="2000" dirty="0"/>
+              <a:t>All this script does is check to see if the Boolean isInSocket is false.</a:t>
+            </a:r>
+          </a:p>
+          <a:p>
+            <a:pPr marL="742950" lvl="1" indent="-285750">
+              <a:buFont typeface="Arial" panose="020B0604020202020204" pitchFamily="34" charset="0"/>
+              <a:buChar char="•"/>
+            </a:pPr>
+            <a:r>
+              <a:rPr lang="en-US" sz="1800" dirty="0"/>
+              <a:t>If the Boolean is false the tablet will teleport back to the socket it is attached to.</a:t>
+            </a:r>
+          </a:p>
+        </p:txBody>
+      </p:sp>
+      <p:pic>
+        <p:nvPicPr>
+          <p:cNvPr id="5" name="Picture 4">
+            <a:extLst>
+              <a:ext uri="{FF2B5EF4-FFF2-40B4-BE49-F238E27FC236}">
+                <a16:creationId xmlns:a16="http://schemas.microsoft.com/office/drawing/2014/main" id="{D60B5719-2C04-F4EE-2006-70B72CDE71F4}"/>
+              </a:ext>
+            </a:extLst>
+          </p:cNvPr>
+          <p:cNvPicPr>
+            <a:picLocks noChangeAspect="1"/>
+          </p:cNvPicPr>
+          <p:nvPr/>
+        </p:nvPicPr>
+        <p:blipFill>
+          <a:blip r:embed="rId2"/>
+          <a:stretch>
+            <a:fillRect/>
+          </a:stretch>
+        </p:blipFill>
+        <p:spPr>
+          <a:xfrm>
+            <a:off x="5746604" y="408824"/>
+            <a:ext cx="4829849" cy="5382376"/>
+          </a:xfrm>
+          <a:prstGeom prst="rect">
+            <a:avLst/>
+          </a:prstGeom>
+        </p:spPr>
+      </p:pic>
+    </p:spTree>
+    <p:extLst>
+      <p:ext uri="{BB962C8B-B14F-4D97-AF65-F5344CB8AC3E}">
+        <p14:creationId xmlns:p14="http://schemas.microsoft.com/office/powerpoint/2010/main" val="3916450128"/>
+      </p:ext>
+    </p:extLst>
+  </p:cSld>
+  <p:clrMapOvr>
+    <a:masterClrMapping/>
+  </p:clrMapOvr>
+</p:sld>
+</file>
+
+<file path=ppt/slides/slide5.xml><?xml version="1.0" encoding="utf-8"?>
+<p:sld xmlns:a="http://schemas.openxmlformats.org/drawingml/2006/main" xmlns:r="http://schemas.openxmlformats.org/officeDocument/2006/relationships" xmlns:p="http://schemas.openxmlformats.org/presentationml/2006/main">
+  <p:cSld>
+    <p:spTree>
+      <p:nvGrpSpPr>
+        <p:cNvPr id="1" name=""/>
+        <p:cNvGrpSpPr/>
+        <p:nvPr/>
+      </p:nvGrpSpPr>
+      <p:grpSpPr>
+        <a:xfrm>
+          <a:off x="0" y="0"/>
+          <a:ext cx="0" cy="0"/>
+          <a:chOff x="0" y="0"/>
+          <a:chExt cx="0" cy="0"/>
+        </a:xfrm>
+      </p:grpSpPr>
+      <p:sp>
+        <p:nvSpPr>
+          <p:cNvPr id="2" name="Title 1">
+            <a:extLst>
+              <a:ext uri="{FF2B5EF4-FFF2-40B4-BE49-F238E27FC236}">
                 <a16:creationId xmlns:a16="http://schemas.microsoft.com/office/drawing/2014/main" id="{8AEF906F-2E67-5EF8-0655-86EA8B317B23}"/>
               </a:ext>
             </a:extLst>
@@ -13814,10 +14245,10 @@
       </p:sp>
       <p:sp>
         <p:nvSpPr>
-          <p:cNvPr id="3" name="Content Placeholder 2">
+          <p:cNvPr id="7" name="Content Placeholder 6">
             <a:extLst>
               <a:ext uri="{FF2B5EF4-FFF2-40B4-BE49-F238E27FC236}">
-                <a16:creationId xmlns:a16="http://schemas.microsoft.com/office/drawing/2014/main" id="{E6574758-E285-F9E5-6646-C25DCC98C2AA}"/>
+                <a16:creationId xmlns:a16="http://schemas.microsoft.com/office/drawing/2014/main" id="{ACF5DBB0-63B4-5EA6-9D16-50CD1B2FB572}"/>
               </a:ext>
             </a:extLst>
           </p:cNvPr>
@@ -13830,10 +14261,42 @@
         </p:nvSpPr>
         <p:spPr/>
         <p:txBody>
-          <a:bodyPr/>
+          <a:bodyPr>
+            <a:normAutofit fontScale="92500" lnSpcReduction="10000"/>
+          </a:bodyPr>
           <a:lstStyle/>
           <a:p>
-            <a:endParaRPr lang="en-US"/>
+            <a:r>
+              <a:rPr lang="en-US" dirty="0">
+                <a:hlinkClick r:id="rId2" action="ppaction://hlinkfile"/>
+              </a:rPr>
+              <a:t>Building System</a:t>
+            </a:r>
+            <a:endParaRPr lang="en-US" dirty="0"/>
+          </a:p>
+          <a:p>
+            <a:r>
+              <a:rPr lang="en-US" dirty="0"/>
+              <a:t>This code is going to be used so players can place furniture or even models themselves. </a:t>
+            </a:r>
+          </a:p>
+          <a:p>
+            <a:r>
+              <a:rPr lang="en-US" dirty="0"/>
+              <a:t>I created this script in a normal 3D space because I wanted to mess around with it before I important it to VR.</a:t>
+            </a:r>
+          </a:p>
+          <a:p>
+            <a:r>
+              <a:rPr lang="en-US" dirty="0"/>
+              <a:t>I currently do not have it working for my VR game mainly because I do not know how I am going to go about implementing it.</a:t>
+            </a:r>
+          </a:p>
+          <a:p>
+            <a:r>
+              <a:rPr lang="en-US" dirty="0"/>
+              <a:t>Most likely, will have to do a little more research or even start it from scratch</a:t>
+            </a:r>
           </a:p>
         </p:txBody>
       </p:sp>
@@ -13850,7 +14313,221 @@
 </p:sld>
 </file>
 
-<file path=ppt/slides/slide4.xml><?xml version="1.0" encoding="utf-8"?>
+<file path=ppt/slides/slide6.xml><?xml version="1.0" encoding="utf-8"?>
+<p:sld xmlns:a="http://schemas.openxmlformats.org/drawingml/2006/main" xmlns:r="http://schemas.openxmlformats.org/officeDocument/2006/relationships" xmlns:p="http://schemas.openxmlformats.org/presentationml/2006/main">
+  <p:cSld>
+    <p:spTree>
+      <p:nvGrpSpPr>
+        <p:cNvPr id="1" name=""/>
+        <p:cNvGrpSpPr/>
+        <p:nvPr/>
+      </p:nvGrpSpPr>
+      <p:grpSpPr>
+        <a:xfrm>
+          <a:off x="0" y="0"/>
+          <a:ext cx="0" cy="0"/>
+          <a:chOff x="0" y="0"/>
+          <a:chExt cx="0" cy="0"/>
+        </a:xfrm>
+      </p:grpSpPr>
+      <p:sp>
+        <p:nvSpPr>
+          <p:cNvPr id="2" name="Title 1">
+            <a:extLst>
+              <a:ext uri="{FF2B5EF4-FFF2-40B4-BE49-F238E27FC236}">
+                <a16:creationId xmlns:a16="http://schemas.microsoft.com/office/drawing/2014/main" id="{BE926DC3-4513-C5CC-DAFA-FC9252096B2B}"/>
+              </a:ext>
+            </a:extLst>
+          </p:cNvPr>
+          <p:cNvSpPr>
+            <a:spLocks noGrp="1"/>
+          </p:cNvSpPr>
+          <p:nvPr>
+            <p:ph type="title"/>
+          </p:nvPr>
+        </p:nvSpPr>
+        <p:spPr>
+          <a:xfrm>
+            <a:off x="1141413" y="609600"/>
+            <a:ext cx="5934508" cy="558800"/>
+          </a:xfrm>
+        </p:spPr>
+        <p:txBody>
+          <a:bodyPr/>
+          <a:lstStyle/>
+          <a:p>
+            <a:r>
+              <a:rPr lang="en-US" dirty="0"/>
+              <a:t>Asset Creation!</a:t>
+            </a:r>
+          </a:p>
+        </p:txBody>
+      </p:sp>
+      <p:sp>
+        <p:nvSpPr>
+          <p:cNvPr id="4" name="Text Placeholder 3">
+            <a:extLst>
+              <a:ext uri="{FF2B5EF4-FFF2-40B4-BE49-F238E27FC236}">
+                <a16:creationId xmlns:a16="http://schemas.microsoft.com/office/drawing/2014/main" id="{E57BCE8C-B38A-D67D-7626-CD5C786FE045}"/>
+              </a:ext>
+            </a:extLst>
+          </p:cNvPr>
+          <p:cNvSpPr>
+            <a:spLocks noGrp="1"/>
+          </p:cNvSpPr>
+          <p:nvPr>
+            <p:ph type="body" sz="half" idx="2"/>
+          </p:nvPr>
+        </p:nvSpPr>
+        <p:spPr>
+          <a:xfrm>
+            <a:off x="1141410" y="1270000"/>
+            <a:ext cx="4632857" cy="3725333"/>
+          </a:xfrm>
+        </p:spPr>
+        <p:txBody>
+          <a:bodyPr>
+            <a:normAutofit lnSpcReduction="10000"/>
+          </a:bodyPr>
+          <a:lstStyle/>
+          <a:p>
+            <a:r>
+              <a:rPr lang="en-US" sz="2000" dirty="0"/>
+              <a:t>I created a total of three assets total this semester. These include:</a:t>
+            </a:r>
+          </a:p>
+          <a:p>
+            <a:pPr marL="800100" lvl="1" indent="-342900">
+              <a:buFont typeface="Arial" panose="020B0604020202020204" pitchFamily="34" charset="0"/>
+              <a:buChar char="•"/>
+            </a:pPr>
+            <a:r>
+              <a:rPr lang="en-US" sz="1800" dirty="0"/>
+              <a:t>The main hub where players will be interacting with models.</a:t>
+            </a:r>
+          </a:p>
+          <a:p>
+            <a:pPr marL="800100" lvl="1" indent="-342900">
+              <a:buFont typeface="Arial" panose="020B0604020202020204" pitchFamily="34" charset="0"/>
+              <a:buChar char="•"/>
+            </a:pPr>
+            <a:r>
+              <a:rPr lang="en-US" sz="1800" dirty="0"/>
+              <a:t>Two different single story house which will be used to place and walk through.</a:t>
+            </a:r>
+          </a:p>
+          <a:p>
+            <a:r>
+              <a:rPr lang="en-US" sz="2000" dirty="0"/>
+              <a:t>Each of the single story houses  have rooms that were modeled individually then combined into one Maya file to be textured.</a:t>
+            </a:r>
+          </a:p>
+        </p:txBody>
+      </p:sp>
+      <p:pic>
+        <p:nvPicPr>
+          <p:cNvPr id="8" name="Picture 7">
+            <a:extLst>
+              <a:ext uri="{FF2B5EF4-FFF2-40B4-BE49-F238E27FC236}">
+                <a16:creationId xmlns:a16="http://schemas.microsoft.com/office/drawing/2014/main" id="{20A06379-9203-37EC-F5C4-A96919101EFB}"/>
+              </a:ext>
+            </a:extLst>
+          </p:cNvPr>
+          <p:cNvPicPr>
+            <a:picLocks noChangeAspect="1"/>
+          </p:cNvPicPr>
+          <p:nvPr/>
+        </p:nvPicPr>
+        <p:blipFill>
+          <a:blip r:embed="rId2"/>
+          <a:stretch>
+            <a:fillRect/>
+          </a:stretch>
+        </p:blipFill>
+        <p:spPr>
+          <a:xfrm>
+            <a:off x="6194461" y="101600"/>
+            <a:ext cx="4632857" cy="3112053"/>
+          </a:xfrm>
+          <a:prstGeom prst="rect">
+            <a:avLst/>
+          </a:prstGeom>
+        </p:spPr>
+      </p:pic>
+      <p:pic>
+        <p:nvPicPr>
+          <p:cNvPr id="10" name="Picture 9">
+            <a:extLst>
+              <a:ext uri="{FF2B5EF4-FFF2-40B4-BE49-F238E27FC236}">
+                <a16:creationId xmlns:a16="http://schemas.microsoft.com/office/drawing/2014/main" id="{38D23665-8D1C-B40E-CB41-77606CFD197C}"/>
+              </a:ext>
+            </a:extLst>
+          </p:cNvPr>
+          <p:cNvPicPr>
+            <a:picLocks noChangeAspect="1"/>
+          </p:cNvPicPr>
+          <p:nvPr/>
+        </p:nvPicPr>
+        <p:blipFill>
+          <a:blip r:embed="rId3"/>
+          <a:stretch>
+            <a:fillRect/>
+          </a:stretch>
+        </p:blipFill>
+        <p:spPr>
+          <a:xfrm>
+            <a:off x="6194461" y="3297739"/>
+            <a:ext cx="4632858" cy="3259117"/>
+          </a:xfrm>
+          <a:prstGeom prst="rect">
+            <a:avLst/>
+          </a:prstGeom>
+        </p:spPr>
+      </p:pic>
+      <p:pic>
+        <p:nvPicPr>
+          <p:cNvPr id="12" name="Picture 11">
+            <a:extLst>
+              <a:ext uri="{FF2B5EF4-FFF2-40B4-BE49-F238E27FC236}">
+                <a16:creationId xmlns:a16="http://schemas.microsoft.com/office/drawing/2014/main" id="{42DF760D-86E3-3301-F381-1ABDB5964B5B}"/>
+              </a:ext>
+            </a:extLst>
+          </p:cNvPr>
+          <p:cNvPicPr>
+            <a:picLocks noChangeAspect="1"/>
+          </p:cNvPicPr>
+          <p:nvPr/>
+        </p:nvPicPr>
+        <p:blipFill>
+          <a:blip r:embed="rId4"/>
+          <a:stretch>
+            <a:fillRect/>
+          </a:stretch>
+        </p:blipFill>
+        <p:spPr>
+          <a:xfrm>
+            <a:off x="2737590" y="4584123"/>
+            <a:ext cx="2926610" cy="1972733"/>
+          </a:xfrm>
+          <a:prstGeom prst="rect">
+            <a:avLst/>
+          </a:prstGeom>
+        </p:spPr>
+      </p:pic>
+    </p:spTree>
+    <p:extLst>
+      <p:ext uri="{BB962C8B-B14F-4D97-AF65-F5344CB8AC3E}">
+        <p14:creationId xmlns:p14="http://schemas.microsoft.com/office/powerpoint/2010/main" val="2220145573"/>
+      </p:ext>
+    </p:extLst>
+  </p:cSld>
+  <p:clrMapOvr>
+    <a:masterClrMapping/>
+  </p:clrMapOvr>
+</p:sld>
+</file>
+
+<file path=ppt/slides/slide7.xml><?xml version="1.0" encoding="utf-8"?>
 <p:sld xmlns:a="http://schemas.openxmlformats.org/drawingml/2006/main" xmlns:r="http://schemas.openxmlformats.org/officeDocument/2006/relationships" xmlns:p="http://schemas.openxmlformats.org/presentationml/2006/main">
   <p:cSld>
     <p:spTree>
@@ -14008,7 +14685,7 @@
 </p:sld>
 </file>
 
-<file path=ppt/slides/slide5.xml><?xml version="1.0" encoding="utf-8"?>
+<file path=ppt/slides/slide8.xml><?xml version="1.0" encoding="utf-8"?>
 <p:sld xmlns:a="http://schemas.openxmlformats.org/drawingml/2006/main" xmlns:r="http://schemas.openxmlformats.org/officeDocument/2006/relationships" xmlns:p="http://schemas.openxmlformats.org/presentationml/2006/main">
   <p:cSld>
     <p:spTree>
@@ -14317,7 +14994,7 @@
 </p:sld>
 </file>
 
-<file path=ppt/slides/slide6.xml><?xml version="1.0" encoding="utf-8"?>
+<file path=ppt/slides/slide9.xml><?xml version="1.0" encoding="utf-8"?>
 <p:sld xmlns:a="http://schemas.openxmlformats.org/drawingml/2006/main" xmlns:r="http://schemas.openxmlformats.org/officeDocument/2006/relationships" xmlns:p="http://schemas.openxmlformats.org/presentationml/2006/main">
   <p:cSld>
     <p:spTree>
@@ -14357,7 +15034,7 @@
           <a:p>
             <a:r>
               <a:rPr lang="en-US" dirty="0"/>
-              <a:t>Walk through!</a:t>
+              <a:t>Game Demo!</a:t>
             </a:r>
           </a:p>
         </p:txBody>

--- a/VR Presentation.pptx
+++ b/VR Presentation.pptx
@@ -1405,7 +1405,7 @@
           <a:noFill/>
           <a:extLst>
             <a:ext uri="{909E8E84-426E-40dd-AFC4-6F175D3DCCD1}">
-              <a14:hiddenFill xmlns:a14="http://schemas.microsoft.com/office/drawing/2010/main" xmlns="">
+              <a14:hiddenFill xmlns="" xmlns:a14="http://schemas.microsoft.com/office/drawing/2010/main">
                 <a:solidFill>
                   <a:srgbClr val="FFFFFF"/>
                 </a:solidFill>
@@ -1465,7 +1465,7 @@
             </a:ln>
             <a:extLst>
               <a:ext uri="{91240B29-F687-4f45-9708-019B960494DF}">
-                <a14:hiddenLine xmlns:a14="http://schemas.microsoft.com/office/drawing/2010/main" xmlns="" w="9525">
+                <a14:hiddenLine xmlns="" xmlns:a14="http://schemas.microsoft.com/office/drawing/2010/main" w="9525">
                   <a:solidFill>
                     <a:srgbClr val="000000"/>
                   </a:solidFill>
@@ -1555,7 +1555,7 @@
             </a:ln>
             <a:extLst>
               <a:ext uri="{91240B29-F687-4f45-9708-019B960494DF}">
-                <a14:hiddenLine xmlns:a14="http://schemas.microsoft.com/office/drawing/2010/main" xmlns="" w="9525">
+                <a14:hiddenLine xmlns="" xmlns:a14="http://schemas.microsoft.com/office/drawing/2010/main" w="9525">
                   <a:solidFill>
                     <a:srgbClr val="000000"/>
                   </a:solidFill>
@@ -1645,7 +1645,7 @@
             </a:ln>
             <a:extLst>
               <a:ext uri="{91240B29-F687-4f45-9708-019B960494DF}">
-                <a14:hiddenLine xmlns:a14="http://schemas.microsoft.com/office/drawing/2010/main" xmlns="" w="9525">
+                <a14:hiddenLine xmlns="" xmlns:a14="http://schemas.microsoft.com/office/drawing/2010/main" w="9525">
                   <a:solidFill>
                     <a:srgbClr val="000000"/>
                   </a:solidFill>
@@ -1679,7 +1679,7 @@
             </a:ln>
             <a:extLst>
               <a:ext uri="{91240B29-F687-4f45-9708-019B960494DF}">
-                <a14:hiddenLine xmlns:a14="http://schemas.microsoft.com/office/drawing/2010/main" xmlns="" w="9525">
+                <a14:hiddenLine xmlns="" xmlns:a14="http://schemas.microsoft.com/office/drawing/2010/main" w="9525">
                   <a:solidFill>
                     <a:srgbClr val="000000"/>
                   </a:solidFill>
@@ -1769,7 +1769,7 @@
             </a:ln>
             <a:extLst>
               <a:ext uri="{91240B29-F687-4f45-9708-019B960494DF}">
-                <a14:hiddenLine xmlns:a14="http://schemas.microsoft.com/office/drawing/2010/main" xmlns="" w="9525">
+                <a14:hiddenLine xmlns="" xmlns:a14="http://schemas.microsoft.com/office/drawing/2010/main" w="9525">
                   <a:solidFill>
                     <a:srgbClr val="000000"/>
                   </a:solidFill>
@@ -1831,7 +1831,7 @@
             </a:ln>
             <a:extLst>
               <a:ext uri="{91240B29-F687-4f45-9708-019B960494DF}">
-                <a14:hiddenLine xmlns:a14="http://schemas.microsoft.com/office/drawing/2010/main" xmlns="" w="9525">
+                <a14:hiddenLine xmlns="" xmlns:a14="http://schemas.microsoft.com/office/drawing/2010/main" w="9525">
                   <a:solidFill>
                     <a:srgbClr val="000000"/>
                   </a:solidFill>
@@ -1893,7 +1893,7 @@
             </a:ln>
             <a:extLst>
               <a:ext uri="{91240B29-F687-4f45-9708-019B960494DF}">
-                <a14:hiddenLine xmlns:a14="http://schemas.microsoft.com/office/drawing/2010/main" xmlns="" w="9525">
+                <a14:hiddenLine xmlns="" xmlns:a14="http://schemas.microsoft.com/office/drawing/2010/main" w="9525">
                   <a:solidFill>
                     <a:srgbClr val="000000"/>
                   </a:solidFill>
@@ -1983,7 +1983,7 @@
             </a:ln>
             <a:extLst>
               <a:ext uri="{91240B29-F687-4f45-9708-019B960494DF}">
-                <a14:hiddenLine xmlns:a14="http://schemas.microsoft.com/office/drawing/2010/main" xmlns="" w="9525">
+                <a14:hiddenLine xmlns="" xmlns:a14="http://schemas.microsoft.com/office/drawing/2010/main" w="9525">
                   <a:solidFill>
                     <a:srgbClr val="000000"/>
                   </a:solidFill>
@@ -2045,7 +2045,7 @@
             </a:ln>
             <a:extLst>
               <a:ext uri="{91240B29-F687-4f45-9708-019B960494DF}">
-                <a14:hiddenLine xmlns:a14="http://schemas.microsoft.com/office/drawing/2010/main" xmlns="" w="9525">
+                <a14:hiddenLine xmlns="" xmlns:a14="http://schemas.microsoft.com/office/drawing/2010/main" w="9525">
                   <a:solidFill>
                     <a:srgbClr val="000000"/>
                   </a:solidFill>
@@ -2107,7 +2107,7 @@
             </a:ln>
             <a:extLst>
               <a:ext uri="{91240B29-F687-4f45-9708-019B960494DF}">
-                <a14:hiddenLine xmlns:a14="http://schemas.microsoft.com/office/drawing/2010/main" xmlns="" w="9525">
+                <a14:hiddenLine xmlns="" xmlns:a14="http://schemas.microsoft.com/office/drawing/2010/main" w="9525">
                   <a:solidFill>
                     <a:srgbClr val="000000"/>
                   </a:solidFill>
@@ -2197,7 +2197,7 @@
             </a:ln>
             <a:extLst>
               <a:ext uri="{91240B29-F687-4f45-9708-019B960494DF}">
-                <a14:hiddenLine xmlns:a14="http://schemas.microsoft.com/office/drawing/2010/main" xmlns="" w="9525">
+                <a14:hiddenLine xmlns="" xmlns:a14="http://schemas.microsoft.com/office/drawing/2010/main" w="9525">
                   <a:solidFill>
                     <a:srgbClr val="000000"/>
                   </a:solidFill>
@@ -2287,7 +2287,7 @@
             </a:ln>
             <a:extLst>
               <a:ext uri="{91240B29-F687-4f45-9708-019B960494DF}">
-                <a14:hiddenLine xmlns:a14="http://schemas.microsoft.com/office/drawing/2010/main" xmlns="" w="9525">
+                <a14:hiddenLine xmlns="" xmlns:a14="http://schemas.microsoft.com/office/drawing/2010/main" w="9525">
                   <a:solidFill>
                     <a:srgbClr val="000000"/>
                   </a:solidFill>
@@ -2349,7 +2349,7 @@
             </a:ln>
             <a:extLst>
               <a:ext uri="{91240B29-F687-4f45-9708-019B960494DF}">
-                <a14:hiddenLine xmlns:a14="http://schemas.microsoft.com/office/drawing/2010/main" xmlns="" w="9525">
+                <a14:hiddenLine xmlns="" xmlns:a14="http://schemas.microsoft.com/office/drawing/2010/main" w="9525">
                   <a:solidFill>
                     <a:srgbClr val="000000"/>
                   </a:solidFill>
@@ -2459,7 +2459,7 @@
             </a:ln>
             <a:extLst>
               <a:ext uri="{91240B29-F687-4f45-9708-019B960494DF}">
-                <a14:hiddenLine xmlns:a14="http://schemas.microsoft.com/office/drawing/2010/main" xmlns="" w="9525">
+                <a14:hiddenLine xmlns="" xmlns:a14="http://schemas.microsoft.com/office/drawing/2010/main" w="9525">
                   <a:solidFill>
                     <a:srgbClr val="000000"/>
                   </a:solidFill>
@@ -2521,7 +2521,7 @@
             </a:ln>
             <a:extLst>
               <a:ext uri="{91240B29-F687-4f45-9708-019B960494DF}">
-                <a14:hiddenLine xmlns:a14="http://schemas.microsoft.com/office/drawing/2010/main" xmlns="" w="9525">
+                <a14:hiddenLine xmlns="" xmlns:a14="http://schemas.microsoft.com/office/drawing/2010/main" w="9525">
                   <a:solidFill>
                     <a:srgbClr val="000000"/>
                   </a:solidFill>
@@ -2611,7 +2611,7 @@
             </a:ln>
             <a:extLst>
               <a:ext uri="{91240B29-F687-4f45-9708-019B960494DF}">
-                <a14:hiddenLine xmlns:a14="http://schemas.microsoft.com/office/drawing/2010/main" xmlns="" w="9525">
+                <a14:hiddenLine xmlns="" xmlns:a14="http://schemas.microsoft.com/office/drawing/2010/main" w="9525">
                   <a:solidFill>
                     <a:srgbClr val="000000"/>
                   </a:solidFill>
@@ -2701,7 +2701,7 @@
             </a:ln>
             <a:extLst>
               <a:ext uri="{91240B29-F687-4f45-9708-019B960494DF}">
-                <a14:hiddenLine xmlns:a14="http://schemas.microsoft.com/office/drawing/2010/main" xmlns="" w="9525">
+                <a14:hiddenLine xmlns="" xmlns:a14="http://schemas.microsoft.com/office/drawing/2010/main" w="9525">
                   <a:solidFill>
                     <a:srgbClr val="000000"/>
                   </a:solidFill>
@@ -2763,7 +2763,7 @@
             </a:ln>
             <a:extLst>
               <a:ext uri="{91240B29-F687-4f45-9708-019B960494DF}">
-                <a14:hiddenLine xmlns:a14="http://schemas.microsoft.com/office/drawing/2010/main" xmlns="" w="9525">
+                <a14:hiddenLine xmlns="" xmlns:a14="http://schemas.microsoft.com/office/drawing/2010/main" w="9525">
                   <a:solidFill>
                     <a:srgbClr val="000000"/>
                   </a:solidFill>
@@ -2853,7 +2853,7 @@
             </a:ln>
             <a:extLst>
               <a:ext uri="{91240B29-F687-4f45-9708-019B960494DF}">
-                <a14:hiddenLine xmlns:a14="http://schemas.microsoft.com/office/drawing/2010/main" xmlns="" w="9525">
+                <a14:hiddenLine xmlns="" xmlns:a14="http://schemas.microsoft.com/office/drawing/2010/main" w="9525">
                   <a:solidFill>
                     <a:srgbClr val="000000"/>
                   </a:solidFill>
@@ -2943,7 +2943,7 @@
             </a:ln>
             <a:extLst>
               <a:ext uri="{91240B29-F687-4f45-9708-019B960494DF}">
-                <a14:hiddenLine xmlns:a14="http://schemas.microsoft.com/office/drawing/2010/main" xmlns="" w="9525">
+                <a14:hiddenLine xmlns="" xmlns:a14="http://schemas.microsoft.com/office/drawing/2010/main" w="9525">
                   <a:solidFill>
                     <a:srgbClr val="000000"/>
                   </a:solidFill>
@@ -2999,7 +2999,7 @@
             </a:ln>
             <a:extLst>
               <a:ext uri="{91240B29-F687-4f45-9708-019B960494DF}">
-                <a14:hiddenLine xmlns:a14="http://schemas.microsoft.com/office/drawing/2010/main" xmlns="" w="9525">
+                <a14:hiddenLine xmlns="" xmlns:a14="http://schemas.microsoft.com/office/drawing/2010/main" w="9525">
                   <a:solidFill>
                     <a:srgbClr val="000000"/>
                   </a:solidFill>
@@ -3089,7 +3089,7 @@
             </a:ln>
             <a:extLst>
               <a:ext uri="{91240B29-F687-4f45-9708-019B960494DF}">
-                <a14:hiddenLine xmlns:a14="http://schemas.microsoft.com/office/drawing/2010/main" xmlns="" w="9525">
+                <a14:hiddenLine xmlns="" xmlns:a14="http://schemas.microsoft.com/office/drawing/2010/main" w="9525">
                   <a:solidFill>
                     <a:srgbClr val="000000"/>
                   </a:solidFill>
@@ -3145,7 +3145,7 @@
             </a:ln>
             <a:extLst>
               <a:ext uri="{91240B29-F687-4f45-9708-019B960494DF}">
-                <a14:hiddenLine xmlns:a14="http://schemas.microsoft.com/office/drawing/2010/main" xmlns="" w="9525">
+                <a14:hiddenLine xmlns="" xmlns:a14="http://schemas.microsoft.com/office/drawing/2010/main" w="9525">
                   <a:solidFill>
                     <a:srgbClr val="000000"/>
                   </a:solidFill>
@@ -3235,7 +3235,7 @@
             </a:ln>
             <a:extLst>
               <a:ext uri="{91240B29-F687-4f45-9708-019B960494DF}">
-                <a14:hiddenLine xmlns:a14="http://schemas.microsoft.com/office/drawing/2010/main" xmlns="" w="9525">
+                <a14:hiddenLine xmlns="" xmlns:a14="http://schemas.microsoft.com/office/drawing/2010/main" w="9525">
                   <a:solidFill>
                     <a:srgbClr val="000000"/>
                   </a:solidFill>
@@ -3303,7 +3303,7 @@
             </a:ln>
             <a:extLst>
               <a:ext uri="{91240B29-F687-4f45-9708-019B960494DF}">
-                <a14:hiddenLine xmlns:a14="http://schemas.microsoft.com/office/drawing/2010/main" xmlns="" w="9525">
+                <a14:hiddenLine xmlns="" xmlns:a14="http://schemas.microsoft.com/office/drawing/2010/main" w="9525">
                   <a:solidFill>
                     <a:srgbClr val="000000"/>
                   </a:solidFill>
@@ -3393,7 +3393,7 @@
             </a:ln>
             <a:extLst>
               <a:ext uri="{91240B29-F687-4f45-9708-019B960494DF}">
-                <a14:hiddenLine xmlns:a14="http://schemas.microsoft.com/office/drawing/2010/main" xmlns="" w="9525">
+                <a14:hiddenLine xmlns="" xmlns:a14="http://schemas.microsoft.com/office/drawing/2010/main" w="9525">
                   <a:solidFill>
                     <a:srgbClr val="000000"/>
                   </a:solidFill>
@@ -3461,7 +3461,7 @@
             </a:ln>
             <a:extLst>
               <a:ext uri="{91240B29-F687-4f45-9708-019B960494DF}">
-                <a14:hiddenLine xmlns:a14="http://schemas.microsoft.com/office/drawing/2010/main" xmlns="" w="9525">
+                <a14:hiddenLine xmlns="" xmlns:a14="http://schemas.microsoft.com/office/drawing/2010/main" w="9525">
                   <a:solidFill>
                     <a:srgbClr val="000000"/>
                   </a:solidFill>
@@ -3551,7 +3551,7 @@
             </a:ln>
             <a:extLst>
               <a:ext uri="{91240B29-F687-4f45-9708-019B960494DF}">
-                <a14:hiddenLine xmlns:a14="http://schemas.microsoft.com/office/drawing/2010/main" xmlns="" w="9525">
+                <a14:hiddenLine xmlns="" xmlns:a14="http://schemas.microsoft.com/office/drawing/2010/main" w="9525">
                   <a:solidFill>
                     <a:srgbClr val="000000"/>
                   </a:solidFill>
@@ -3585,7 +3585,7 @@
             </a:ln>
             <a:extLst>
               <a:ext uri="{91240B29-F687-4f45-9708-019B960494DF}">
-                <a14:hiddenLine xmlns:a14="http://schemas.microsoft.com/office/drawing/2010/main" xmlns="" w="9525">
+                <a14:hiddenLine xmlns="" xmlns:a14="http://schemas.microsoft.com/office/drawing/2010/main" w="9525">
                   <a:solidFill>
                     <a:srgbClr val="000000"/>
                   </a:solidFill>
@@ -3675,7 +3675,7 @@
             </a:ln>
             <a:extLst>
               <a:ext uri="{91240B29-F687-4f45-9708-019B960494DF}">
-                <a14:hiddenLine xmlns:a14="http://schemas.microsoft.com/office/drawing/2010/main" xmlns="" w="9525">
+                <a14:hiddenLine xmlns="" xmlns:a14="http://schemas.microsoft.com/office/drawing/2010/main" w="9525">
                   <a:solidFill>
                     <a:srgbClr val="000000"/>
                   </a:solidFill>
@@ -3737,7 +3737,7 @@
             </a:ln>
             <a:extLst>
               <a:ext uri="{91240B29-F687-4f45-9708-019B960494DF}">
-                <a14:hiddenLine xmlns:a14="http://schemas.microsoft.com/office/drawing/2010/main" xmlns="" w="9525">
+                <a14:hiddenLine xmlns="" xmlns:a14="http://schemas.microsoft.com/office/drawing/2010/main" w="9525">
                   <a:solidFill>
                     <a:srgbClr val="000000"/>
                   </a:solidFill>
@@ -3799,7 +3799,7 @@
             </a:ln>
             <a:extLst>
               <a:ext uri="{91240B29-F687-4f45-9708-019B960494DF}">
-                <a14:hiddenLine xmlns:a14="http://schemas.microsoft.com/office/drawing/2010/main" xmlns="" w="9525">
+                <a14:hiddenLine xmlns="" xmlns:a14="http://schemas.microsoft.com/office/drawing/2010/main" w="9525">
                   <a:solidFill>
                     <a:srgbClr val="000000"/>
                   </a:solidFill>
@@ -3889,7 +3889,7 @@
             </a:ln>
             <a:extLst>
               <a:ext uri="{91240B29-F687-4f45-9708-019B960494DF}">
-                <a14:hiddenLine xmlns:a14="http://schemas.microsoft.com/office/drawing/2010/main" xmlns="" w="9525">
+                <a14:hiddenLine xmlns="" xmlns:a14="http://schemas.microsoft.com/office/drawing/2010/main" w="9525">
                   <a:solidFill>
                     <a:srgbClr val="000000"/>
                   </a:solidFill>
@@ -3957,7 +3957,7 @@
             </a:ln>
             <a:extLst>
               <a:ext uri="{91240B29-F687-4f45-9708-019B960494DF}">
-                <a14:hiddenLine xmlns:a14="http://schemas.microsoft.com/office/drawing/2010/main" xmlns="" w="9525">
+                <a14:hiddenLine xmlns="" xmlns:a14="http://schemas.microsoft.com/office/drawing/2010/main" w="9525">
                   <a:solidFill>
                     <a:srgbClr val="000000"/>
                   </a:solidFill>
@@ -4019,7 +4019,7 @@
             </a:ln>
             <a:extLst>
               <a:ext uri="{91240B29-F687-4f45-9708-019B960494DF}">
-                <a14:hiddenLine xmlns:a14="http://schemas.microsoft.com/office/drawing/2010/main" xmlns="" w="9525">
+                <a14:hiddenLine xmlns="" xmlns:a14="http://schemas.microsoft.com/office/drawing/2010/main" w="9525">
                   <a:solidFill>
                     <a:srgbClr val="000000"/>
                   </a:solidFill>
@@ -4109,7 +4109,7 @@
             </a:ln>
             <a:extLst>
               <a:ext uri="{91240B29-F687-4f45-9708-019B960494DF}">
-                <a14:hiddenLine xmlns:a14="http://schemas.microsoft.com/office/drawing/2010/main" xmlns="" w="9525">
+                <a14:hiddenLine xmlns="" xmlns:a14="http://schemas.microsoft.com/office/drawing/2010/main" w="9525">
                   <a:solidFill>
                     <a:srgbClr val="000000"/>
                   </a:solidFill>
@@ -4171,7 +4171,7 @@
             </a:ln>
             <a:extLst>
               <a:ext uri="{91240B29-F687-4f45-9708-019B960494DF}">
-                <a14:hiddenLine xmlns:a14="http://schemas.microsoft.com/office/drawing/2010/main" xmlns="" w="9525">
+                <a14:hiddenLine xmlns="" xmlns:a14="http://schemas.microsoft.com/office/drawing/2010/main" w="9525">
                   <a:solidFill>
                     <a:srgbClr val="000000"/>
                   </a:solidFill>
@@ -4261,7 +4261,7 @@
             </a:ln>
             <a:extLst>
               <a:ext uri="{91240B29-F687-4f45-9708-019B960494DF}">
-                <a14:hiddenLine xmlns:a14="http://schemas.microsoft.com/office/drawing/2010/main" xmlns="" w="9525">
+                <a14:hiddenLine xmlns="" xmlns:a14="http://schemas.microsoft.com/office/drawing/2010/main" w="9525">
                   <a:solidFill>
                     <a:srgbClr val="000000"/>
                   </a:solidFill>
@@ -4323,7 +4323,7 @@
             </a:ln>
             <a:extLst>
               <a:ext uri="{91240B29-F687-4f45-9708-019B960494DF}">
-                <a14:hiddenLine xmlns:a14="http://schemas.microsoft.com/office/drawing/2010/main" xmlns="" w="9525">
+                <a14:hiddenLine xmlns="" xmlns:a14="http://schemas.microsoft.com/office/drawing/2010/main" w="9525">
                   <a:solidFill>
                     <a:srgbClr val="000000"/>
                   </a:solidFill>
@@ -4413,7 +4413,7 @@
             </a:ln>
             <a:extLst>
               <a:ext uri="{91240B29-F687-4f45-9708-019B960494DF}">
-                <a14:hiddenLine xmlns:a14="http://schemas.microsoft.com/office/drawing/2010/main" xmlns="" w="9525">
+                <a14:hiddenLine xmlns="" xmlns:a14="http://schemas.microsoft.com/office/drawing/2010/main" w="9525">
                   <a:solidFill>
                     <a:srgbClr val="000000"/>
                   </a:solidFill>
@@ -4447,7 +4447,7 @@
             </a:ln>
             <a:extLst>
               <a:ext uri="{91240B29-F687-4f45-9708-019B960494DF}">
-                <a14:hiddenLine xmlns:a14="http://schemas.microsoft.com/office/drawing/2010/main" xmlns="" w="9525">
+                <a14:hiddenLine xmlns="" xmlns:a14="http://schemas.microsoft.com/office/drawing/2010/main" w="9525">
                   <a:solidFill>
                     <a:srgbClr val="000000"/>
                   </a:solidFill>
@@ -4512,7 +4512,7 @@
             </a:ln>
             <a:extLst>
               <a:ext uri="{91240B29-F687-4f45-9708-019B960494DF}">
-                <a14:hiddenLine xmlns:a14="http://schemas.microsoft.com/office/drawing/2010/main" xmlns="" w="9525">
+                <a14:hiddenLine xmlns="" xmlns:a14="http://schemas.microsoft.com/office/drawing/2010/main" w="9525">
                   <a:solidFill>
                     <a:srgbClr val="000000"/>
                   </a:solidFill>
@@ -4602,7 +4602,7 @@
             </a:ln>
             <a:extLst>
               <a:ext uri="{91240B29-F687-4f45-9708-019B960494DF}">
-                <a14:hiddenLine xmlns:a14="http://schemas.microsoft.com/office/drawing/2010/main" xmlns="" w="9525">
+                <a14:hiddenLine xmlns="" xmlns:a14="http://schemas.microsoft.com/office/drawing/2010/main" w="9525">
                   <a:solidFill>
                     <a:srgbClr val="000000"/>
                   </a:solidFill>
@@ -4664,7 +4664,7 @@
             </a:ln>
             <a:extLst>
               <a:ext uri="{91240B29-F687-4f45-9708-019B960494DF}">
-                <a14:hiddenLine xmlns:a14="http://schemas.microsoft.com/office/drawing/2010/main" xmlns="" w="9525">
+                <a14:hiddenLine xmlns="" xmlns:a14="http://schemas.microsoft.com/office/drawing/2010/main" w="9525">
                   <a:solidFill>
                     <a:srgbClr val="000000"/>
                   </a:solidFill>
@@ -4754,7 +4754,7 @@
             </a:ln>
             <a:extLst>
               <a:ext uri="{91240B29-F687-4f45-9708-019B960494DF}">
-                <a14:hiddenLine xmlns:a14="http://schemas.microsoft.com/office/drawing/2010/main" xmlns="" w="9525">
+                <a14:hiddenLine xmlns="" xmlns:a14="http://schemas.microsoft.com/office/drawing/2010/main" w="9525">
                   <a:solidFill>
                     <a:srgbClr val="000000"/>
                   </a:solidFill>
@@ -4844,7 +4844,7 @@
             </a:ln>
             <a:extLst>
               <a:ext uri="{91240B29-F687-4f45-9708-019B960494DF}">
-                <a14:hiddenLine xmlns:a14="http://schemas.microsoft.com/office/drawing/2010/main" xmlns="" w="9525">
+                <a14:hiddenLine xmlns="" xmlns:a14="http://schemas.microsoft.com/office/drawing/2010/main" w="9525">
                   <a:solidFill>
                     <a:srgbClr val="000000"/>
                   </a:solidFill>
@@ -4909,7 +4909,7 @@
             </a:ln>
             <a:extLst>
               <a:ext uri="{91240B29-F687-4f45-9708-019B960494DF}">
-                <a14:hiddenLine xmlns:a14="http://schemas.microsoft.com/office/drawing/2010/main" xmlns="" w="9525">
+                <a14:hiddenLine xmlns="" xmlns:a14="http://schemas.microsoft.com/office/drawing/2010/main" w="9525">
                   <a:solidFill>
                     <a:srgbClr val="000000"/>
                   </a:solidFill>
@@ -4971,7 +4971,7 @@
             </a:ln>
             <a:extLst>
               <a:ext uri="{91240B29-F687-4f45-9708-019B960494DF}">
-                <a14:hiddenLine xmlns:a14="http://schemas.microsoft.com/office/drawing/2010/main" xmlns="" w="9525">
+                <a14:hiddenLine xmlns="" xmlns:a14="http://schemas.microsoft.com/office/drawing/2010/main" w="9525">
                   <a:solidFill>
                     <a:srgbClr val="000000"/>
                   </a:solidFill>
@@ -5061,7 +5061,7 @@
             </a:ln>
             <a:extLst>
               <a:ext uri="{91240B29-F687-4f45-9708-019B960494DF}">
-                <a14:hiddenLine xmlns:a14="http://schemas.microsoft.com/office/drawing/2010/main" xmlns="" w="9525">
+                <a14:hiddenLine xmlns="" xmlns:a14="http://schemas.microsoft.com/office/drawing/2010/main" w="9525">
                   <a:solidFill>
                     <a:srgbClr val="000000"/>
                   </a:solidFill>
@@ -5151,7 +5151,7 @@
             </a:ln>
             <a:extLst>
               <a:ext uri="{91240B29-F687-4f45-9708-019B960494DF}">
-                <a14:hiddenLine xmlns:a14="http://schemas.microsoft.com/office/drawing/2010/main" xmlns="" w="9525">
+                <a14:hiddenLine xmlns="" xmlns:a14="http://schemas.microsoft.com/office/drawing/2010/main" w="9525">
                   <a:solidFill>
                     <a:srgbClr val="000000"/>
                   </a:solidFill>
@@ -5213,7 +5213,7 @@
             </a:ln>
             <a:extLst>
               <a:ext uri="{91240B29-F687-4f45-9708-019B960494DF}">
-                <a14:hiddenLine xmlns:a14="http://schemas.microsoft.com/office/drawing/2010/main" xmlns="" w="9525">
+                <a14:hiddenLine xmlns="" xmlns:a14="http://schemas.microsoft.com/office/drawing/2010/main" w="9525">
                   <a:solidFill>
                     <a:srgbClr val="000000"/>
                   </a:solidFill>
@@ -5333,7 +5333,7 @@
             </a:ln>
             <a:extLst>
               <a:ext uri="{91240B29-F687-4f45-9708-019B960494DF}">
-                <a14:hiddenLine xmlns:a14="http://schemas.microsoft.com/office/drawing/2010/main" xmlns="" w="9525">
+                <a14:hiddenLine xmlns="" xmlns:a14="http://schemas.microsoft.com/office/drawing/2010/main" w="9525">
                   <a:solidFill>
                     <a:srgbClr val="000000"/>
                   </a:solidFill>
@@ -5401,7 +5401,7 @@
             </a:ln>
             <a:extLst>
               <a:ext uri="{91240B29-F687-4f45-9708-019B960494DF}">
-                <a14:hiddenLine xmlns:a14="http://schemas.microsoft.com/office/drawing/2010/main" xmlns="" w="9525">
+                <a14:hiddenLine xmlns="" xmlns:a14="http://schemas.microsoft.com/office/drawing/2010/main" w="9525">
                   <a:solidFill>
                     <a:srgbClr val="000000"/>
                   </a:solidFill>
@@ -5491,7 +5491,7 @@
             </a:ln>
             <a:extLst>
               <a:ext uri="{91240B29-F687-4f45-9708-019B960494DF}">
-                <a14:hiddenLine xmlns:a14="http://schemas.microsoft.com/office/drawing/2010/main" xmlns="" w="9525">
+                <a14:hiddenLine xmlns="" xmlns:a14="http://schemas.microsoft.com/office/drawing/2010/main" w="9525">
                   <a:solidFill>
                     <a:srgbClr val="000000"/>
                   </a:solidFill>
@@ -5631,7 +5631,7 @@
           <a:p>
             <a:fld id="{48A87A34-81AB-432B-8DAE-1953F412C126}" type="datetimeFigureOut">
               <a:rPr lang="en-US" dirty="0"/>
-              <a:t>4/20/2023</a:t>
+              <a:t>4/21/2023</a:t>
             </a:fld>
             <a:endParaRPr lang="en-US" dirty="0"/>
           </a:p>
@@ -5893,7 +5893,7 @@
           <a:p>
             <a:fld id="{48A87A34-81AB-432B-8DAE-1953F412C126}" type="datetimeFigureOut">
               <a:rPr lang="en-US" dirty="0"/>
-              <a:t>4/20/2023</a:t>
+              <a:t>4/21/2023</a:t>
             </a:fld>
             <a:endParaRPr lang="en-US" dirty="0"/>
           </a:p>
@@ -6084,7 +6084,7 @@
           <a:p>
             <a:fld id="{48A87A34-81AB-432B-8DAE-1953F412C126}" type="datetimeFigureOut">
               <a:rPr lang="en-US" dirty="0"/>
-              <a:t>4/20/2023</a:t>
+              <a:t>4/21/2023</a:t>
             </a:fld>
             <a:endParaRPr lang="en-US" dirty="0"/>
           </a:p>
@@ -6342,7 +6342,7 @@
           <a:p>
             <a:fld id="{48A87A34-81AB-432B-8DAE-1953F412C126}" type="datetimeFigureOut">
               <a:rPr lang="en-US" dirty="0"/>
-              <a:t>4/20/2023</a:t>
+              <a:t>4/21/2023</a:t>
             </a:fld>
             <a:endParaRPr lang="en-US" dirty="0"/>
           </a:p>
@@ -6771,7 +6771,7 @@
           <a:p>
             <a:fld id="{48A87A34-81AB-432B-8DAE-1953F412C126}" type="datetimeFigureOut">
               <a:rPr lang="en-US" dirty="0"/>
-              <a:t>4/20/2023</a:t>
+              <a:t>4/21/2023</a:t>
             </a:fld>
             <a:endParaRPr lang="en-US" dirty="0"/>
           </a:p>
@@ -7312,7 +7312,7 @@
           <a:p>
             <a:fld id="{48A87A34-81AB-432B-8DAE-1953F412C126}" type="datetimeFigureOut">
               <a:rPr lang="en-US" dirty="0"/>
-              <a:t>4/20/2023</a:t>
+              <a:t>4/21/2023</a:t>
             </a:fld>
             <a:endParaRPr lang="en-US" dirty="0"/>
           </a:p>
@@ -8027,7 +8027,7 @@
           <a:p>
             <a:fld id="{48A87A34-81AB-432B-8DAE-1953F412C126}" type="datetimeFigureOut">
               <a:rPr lang="en-US" dirty="0"/>
-              <a:t>4/20/2023</a:t>
+              <a:t>4/21/2023</a:t>
             </a:fld>
             <a:endParaRPr lang="en-US" dirty="0"/>
           </a:p>
@@ -8192,7 +8192,7 @@
           <a:p>
             <a:fld id="{48A87A34-81AB-432B-8DAE-1953F412C126}" type="datetimeFigureOut">
               <a:rPr lang="en-US" dirty="0"/>
-              <a:t>4/20/2023</a:t>
+              <a:t>4/21/2023</a:t>
             </a:fld>
             <a:endParaRPr lang="en-US" dirty="0"/>
           </a:p>
@@ -8367,7 +8367,7 @@
           <a:p>
             <a:fld id="{48A87A34-81AB-432B-8DAE-1953F412C126}" type="datetimeFigureOut">
               <a:rPr lang="en-US" dirty="0"/>
-              <a:t>4/20/2023</a:t>
+              <a:t>4/21/2023</a:t>
             </a:fld>
             <a:endParaRPr lang="en-US" dirty="0"/>
           </a:p>
@@ -8532,7 +8532,7 @@
           <a:p>
             <a:fld id="{48A87A34-81AB-432B-8DAE-1953F412C126}" type="datetimeFigureOut">
               <a:rPr lang="en-US" dirty="0"/>
-              <a:t>4/20/2023</a:t>
+              <a:t>4/21/2023</a:t>
             </a:fld>
             <a:endParaRPr lang="en-US" dirty="0"/>
           </a:p>
@@ -8777,7 +8777,7 @@
           <a:p>
             <a:fld id="{48A87A34-81AB-432B-8DAE-1953F412C126}" type="datetimeFigureOut">
               <a:rPr lang="en-US" dirty="0"/>
-              <a:t>4/20/2023</a:t>
+              <a:t>4/21/2023</a:t>
             </a:fld>
             <a:endParaRPr lang="en-US" dirty="0"/>
           </a:p>
@@ -9004,7 +9004,7 @@
           <a:p>
             <a:fld id="{48A87A34-81AB-432B-8DAE-1953F412C126}" type="datetimeFigureOut">
               <a:rPr lang="en-US" dirty="0"/>
-              <a:t>4/20/2023</a:t>
+              <a:t>4/21/2023</a:t>
             </a:fld>
             <a:endParaRPr lang="en-US" dirty="0"/>
           </a:p>
@@ -9380,7 +9380,7 @@
           <a:p>
             <a:fld id="{48A87A34-81AB-432B-8DAE-1953F412C126}" type="datetimeFigureOut">
               <a:rPr lang="en-US" dirty="0"/>
-              <a:t>4/20/2023</a:t>
+              <a:t>4/21/2023</a:t>
             </a:fld>
             <a:endParaRPr lang="en-US" dirty="0"/>
           </a:p>
@@ -9493,7 +9493,7 @@
           <a:p>
             <a:fld id="{48A87A34-81AB-432B-8DAE-1953F412C126}" type="datetimeFigureOut">
               <a:rPr lang="en-US" dirty="0"/>
-              <a:t>4/20/2023</a:t>
+              <a:t>4/21/2023</a:t>
             </a:fld>
             <a:endParaRPr lang="en-US" dirty="0"/>
           </a:p>
@@ -9583,7 +9583,7 @@
           <a:p>
             <a:fld id="{48A87A34-81AB-432B-8DAE-1953F412C126}" type="datetimeFigureOut">
               <a:rPr lang="en-US" dirty="0"/>
-              <a:t>4/20/2023</a:t>
+              <a:t>4/21/2023</a:t>
             </a:fld>
             <a:endParaRPr lang="en-US" dirty="0"/>
           </a:p>
@@ -9827,7 +9827,7 @@
           <a:p>
             <a:fld id="{48A87A34-81AB-432B-8DAE-1953F412C126}" type="datetimeFigureOut">
               <a:rPr lang="en-US" dirty="0"/>
-              <a:t>4/20/2023</a:t>
+              <a:t>4/21/2023</a:t>
             </a:fld>
             <a:endParaRPr lang="en-US" dirty="0"/>
           </a:p>
@@ -10102,7 +10102,7 @@
           <a:p>
             <a:fld id="{48A87A34-81AB-432B-8DAE-1953F412C126}" type="datetimeFigureOut">
               <a:rPr lang="en-US" dirty="0"/>
-              <a:t>4/20/2023</a:t>
+              <a:t>4/21/2023</a:t>
             </a:fld>
             <a:endParaRPr lang="en-US" dirty="0"/>
           </a:p>
@@ -10213,7 +10213,7 @@
           <a:noFill/>
           <a:extLst>
             <a:ext uri="{909E8E84-426E-40dd-AFC4-6F175D3DCCD1}">
-              <a14:hiddenFill xmlns:a14="http://schemas.microsoft.com/office/drawing/2010/main" xmlns="">
+              <a14:hiddenFill xmlns="" xmlns:a14="http://schemas.microsoft.com/office/drawing/2010/main">
                 <a:solidFill>
                   <a:srgbClr val="FFFFFF"/>
                 </a:solidFill>
@@ -10287,7 +10287,7 @@
               </a:ln>
               <a:extLst>
                 <a:ext uri="{91240B29-F687-4f45-9708-019B960494DF}">
-                  <a14:hiddenLine xmlns:a14="http://schemas.microsoft.com/office/drawing/2010/main" xmlns="" w="9525">
+                  <a14:hiddenLine xmlns="" xmlns:a14="http://schemas.microsoft.com/office/drawing/2010/main" w="9525">
                     <a:solidFill>
                       <a:srgbClr val="000000"/>
                     </a:solidFill>
@@ -10377,7 +10377,7 @@
               </a:ln>
               <a:extLst>
                 <a:ext uri="{91240B29-F687-4f45-9708-019B960494DF}">
-                  <a14:hiddenLine xmlns:a14="http://schemas.microsoft.com/office/drawing/2010/main" xmlns="" w="9525">
+                  <a14:hiddenLine xmlns="" xmlns:a14="http://schemas.microsoft.com/office/drawing/2010/main" w="9525">
                     <a:solidFill>
                       <a:srgbClr val="000000"/>
                     </a:solidFill>
@@ -10467,7 +10467,7 @@
               </a:ln>
               <a:extLst>
                 <a:ext uri="{91240B29-F687-4f45-9708-019B960494DF}">
-                  <a14:hiddenLine xmlns:a14="http://schemas.microsoft.com/office/drawing/2010/main" xmlns="" w="9525">
+                  <a14:hiddenLine xmlns="" xmlns:a14="http://schemas.microsoft.com/office/drawing/2010/main" w="9525">
                     <a:solidFill>
                       <a:srgbClr val="000000"/>
                     </a:solidFill>
@@ -10529,7 +10529,7 @@
               </a:ln>
               <a:extLst>
                 <a:ext uri="{91240B29-F687-4f45-9708-019B960494DF}">
-                  <a14:hiddenLine xmlns:a14="http://schemas.microsoft.com/office/drawing/2010/main" xmlns="" w="9525">
+                  <a14:hiddenLine xmlns="" xmlns:a14="http://schemas.microsoft.com/office/drawing/2010/main" w="9525">
                     <a:solidFill>
                       <a:srgbClr val="000000"/>
                     </a:solidFill>
@@ -10619,7 +10619,7 @@
               </a:ln>
               <a:extLst>
                 <a:ext uri="{91240B29-F687-4f45-9708-019B960494DF}">
-                  <a14:hiddenLine xmlns:a14="http://schemas.microsoft.com/office/drawing/2010/main" xmlns="" w="9525">
+                  <a14:hiddenLine xmlns="" xmlns:a14="http://schemas.microsoft.com/office/drawing/2010/main" w="9525">
                     <a:solidFill>
                       <a:srgbClr val="000000"/>
                     </a:solidFill>
@@ -10681,7 +10681,7 @@
               </a:ln>
               <a:extLst>
                 <a:ext uri="{91240B29-F687-4f45-9708-019B960494DF}">
-                  <a14:hiddenLine xmlns:a14="http://schemas.microsoft.com/office/drawing/2010/main" xmlns="" w="9525">
+                  <a14:hiddenLine xmlns="" xmlns:a14="http://schemas.microsoft.com/office/drawing/2010/main" w="9525">
                     <a:solidFill>
                       <a:srgbClr val="000000"/>
                     </a:solidFill>
@@ -10743,7 +10743,7 @@
               </a:ln>
               <a:extLst>
                 <a:ext uri="{91240B29-F687-4f45-9708-019B960494DF}">
-                  <a14:hiddenLine xmlns:a14="http://schemas.microsoft.com/office/drawing/2010/main" xmlns="" w="9525">
+                  <a14:hiddenLine xmlns="" xmlns:a14="http://schemas.microsoft.com/office/drawing/2010/main" w="9525">
                     <a:solidFill>
                       <a:srgbClr val="000000"/>
                     </a:solidFill>
@@ -10833,7 +10833,7 @@
               </a:ln>
               <a:extLst>
                 <a:ext uri="{91240B29-F687-4f45-9708-019B960494DF}">
-                  <a14:hiddenLine xmlns:a14="http://schemas.microsoft.com/office/drawing/2010/main" xmlns="" w="9525">
+                  <a14:hiddenLine xmlns="" xmlns:a14="http://schemas.microsoft.com/office/drawing/2010/main" w="9525">
                     <a:solidFill>
                       <a:srgbClr val="000000"/>
                     </a:solidFill>
@@ -10923,7 +10923,7 @@
               </a:ln>
               <a:extLst>
                 <a:ext uri="{91240B29-F687-4f45-9708-019B960494DF}">
-                  <a14:hiddenLine xmlns:a14="http://schemas.microsoft.com/office/drawing/2010/main" xmlns="" w="9525">
+                  <a14:hiddenLine xmlns="" xmlns:a14="http://schemas.microsoft.com/office/drawing/2010/main" w="9525">
                     <a:solidFill>
                       <a:srgbClr val="000000"/>
                     </a:solidFill>
@@ -10985,7 +10985,7 @@
               </a:ln>
               <a:extLst>
                 <a:ext uri="{91240B29-F687-4f45-9708-019B960494DF}">
-                  <a14:hiddenLine xmlns:a14="http://schemas.microsoft.com/office/drawing/2010/main" xmlns="" w="9525">
+                  <a14:hiddenLine xmlns="" xmlns:a14="http://schemas.microsoft.com/office/drawing/2010/main" w="9525">
                     <a:solidFill>
                       <a:srgbClr val="000000"/>
                     </a:solidFill>
@@ -11095,7 +11095,7 @@
               </a:ln>
               <a:extLst>
                 <a:ext uri="{91240B29-F687-4f45-9708-019B960494DF}">
-                  <a14:hiddenLine xmlns:a14="http://schemas.microsoft.com/office/drawing/2010/main" xmlns="" w="9525">
+                  <a14:hiddenLine xmlns="" xmlns:a14="http://schemas.microsoft.com/office/drawing/2010/main" w="9525">
                     <a:solidFill>
                       <a:srgbClr val="000000"/>
                     </a:solidFill>
@@ -11179,7 +11179,7 @@
               </a:ln>
               <a:extLst>
                 <a:ext uri="{91240B29-F687-4f45-9708-019B960494DF}">
-                  <a14:hiddenLine xmlns:a14="http://schemas.microsoft.com/office/drawing/2010/main" xmlns="" w="9525">
+                  <a14:hiddenLine xmlns="" xmlns:a14="http://schemas.microsoft.com/office/drawing/2010/main" w="9525">
                     <a:solidFill>
                       <a:srgbClr val="000000"/>
                     </a:solidFill>
@@ -11241,7 +11241,7 @@
               </a:ln>
               <a:extLst>
                 <a:ext uri="{91240B29-F687-4f45-9708-019B960494DF}">
-                  <a14:hiddenLine xmlns:a14="http://schemas.microsoft.com/office/drawing/2010/main" xmlns="" w="9525">
+                  <a14:hiddenLine xmlns="" xmlns:a14="http://schemas.microsoft.com/office/drawing/2010/main" w="9525">
                     <a:solidFill>
                       <a:srgbClr val="000000"/>
                     </a:solidFill>
@@ -11303,7 +11303,7 @@
               </a:ln>
               <a:extLst>
                 <a:ext uri="{91240B29-F687-4f45-9708-019B960494DF}">
-                  <a14:hiddenLine xmlns:a14="http://schemas.microsoft.com/office/drawing/2010/main" xmlns="" w="9525">
+                  <a14:hiddenLine xmlns="" xmlns:a14="http://schemas.microsoft.com/office/drawing/2010/main" w="9525">
                     <a:solidFill>
                       <a:srgbClr val="000000"/>
                     </a:solidFill>
@@ -11393,7 +11393,7 @@
               </a:ln>
               <a:extLst>
                 <a:ext uri="{91240B29-F687-4f45-9708-019B960494DF}">
-                  <a14:hiddenLine xmlns:a14="http://schemas.microsoft.com/office/drawing/2010/main" xmlns="" w="9525">
+                  <a14:hiddenLine xmlns="" xmlns:a14="http://schemas.microsoft.com/office/drawing/2010/main" w="9525">
                     <a:solidFill>
                       <a:srgbClr val="000000"/>
                     </a:solidFill>
@@ -11427,7 +11427,7 @@
               </a:ln>
               <a:extLst>
                 <a:ext uri="{91240B29-F687-4f45-9708-019B960494DF}">
-                  <a14:hiddenLine xmlns:a14="http://schemas.microsoft.com/office/drawing/2010/main" xmlns="" w="9525">
+                  <a14:hiddenLine xmlns="" xmlns:a14="http://schemas.microsoft.com/office/drawing/2010/main" w="9525">
                     <a:solidFill>
                       <a:srgbClr val="000000"/>
                     </a:solidFill>
@@ -11492,7 +11492,7 @@
               </a:ln>
               <a:extLst>
                 <a:ext uri="{91240B29-F687-4f45-9708-019B960494DF}">
-                  <a14:hiddenLine xmlns:a14="http://schemas.microsoft.com/office/drawing/2010/main" xmlns="" w="9525">
+                  <a14:hiddenLine xmlns="" xmlns:a14="http://schemas.microsoft.com/office/drawing/2010/main" w="9525">
                     <a:solidFill>
                       <a:srgbClr val="000000"/>
                     </a:solidFill>
@@ -11582,7 +11582,7 @@
               </a:ln>
               <a:extLst>
                 <a:ext uri="{91240B29-F687-4f45-9708-019B960494DF}">
-                  <a14:hiddenLine xmlns:a14="http://schemas.microsoft.com/office/drawing/2010/main" xmlns="" w="9525">
+                  <a14:hiddenLine xmlns="" xmlns:a14="http://schemas.microsoft.com/office/drawing/2010/main" w="9525">
                     <a:solidFill>
                       <a:srgbClr val="000000"/>
                     </a:solidFill>
@@ -11644,7 +11644,7 @@
               </a:ln>
               <a:extLst>
                 <a:ext uri="{91240B29-F687-4f45-9708-019B960494DF}">
-                  <a14:hiddenLine xmlns:a14="http://schemas.microsoft.com/office/drawing/2010/main" xmlns="" w="9525">
+                  <a14:hiddenLine xmlns="" xmlns:a14="http://schemas.microsoft.com/office/drawing/2010/main" w="9525">
                     <a:solidFill>
                       <a:srgbClr val="000000"/>
                     </a:solidFill>
@@ -11734,7 +11734,7 @@
               </a:ln>
               <a:extLst>
                 <a:ext uri="{91240B29-F687-4f45-9708-019B960494DF}">
-                  <a14:hiddenLine xmlns:a14="http://schemas.microsoft.com/office/drawing/2010/main" xmlns="" w="9525">
+                  <a14:hiddenLine xmlns="" xmlns:a14="http://schemas.microsoft.com/office/drawing/2010/main" w="9525">
                     <a:solidFill>
                       <a:srgbClr val="000000"/>
                     </a:solidFill>
@@ -11799,7 +11799,7 @@
               </a:ln>
               <a:extLst>
                 <a:ext uri="{91240B29-F687-4f45-9708-019B960494DF}">
-                  <a14:hiddenLine xmlns:a14="http://schemas.microsoft.com/office/drawing/2010/main" xmlns="" w="9525">
+                  <a14:hiddenLine xmlns="" xmlns:a14="http://schemas.microsoft.com/office/drawing/2010/main" w="9525">
                     <a:solidFill>
                       <a:srgbClr val="000000"/>
                     </a:solidFill>
@@ -11861,7 +11861,7 @@
               </a:ln>
               <a:extLst>
                 <a:ext uri="{91240B29-F687-4f45-9708-019B960494DF}">
-                  <a14:hiddenLine xmlns:a14="http://schemas.microsoft.com/office/drawing/2010/main" xmlns="" w="9525">
+                  <a14:hiddenLine xmlns="" xmlns:a14="http://schemas.microsoft.com/office/drawing/2010/main" w="9525">
                     <a:solidFill>
                       <a:srgbClr val="000000"/>
                     </a:solidFill>
@@ -11951,7 +11951,7 @@
               </a:ln>
               <a:extLst>
                 <a:ext uri="{91240B29-F687-4f45-9708-019B960494DF}">
-                  <a14:hiddenLine xmlns:a14="http://schemas.microsoft.com/office/drawing/2010/main" xmlns="" w="9525">
+                  <a14:hiddenLine xmlns="" xmlns:a14="http://schemas.microsoft.com/office/drawing/2010/main" w="9525">
                     <a:solidFill>
                       <a:srgbClr val="000000"/>
                     </a:solidFill>
@@ -12041,7 +12041,7 @@
               </a:ln>
               <a:extLst>
                 <a:ext uri="{91240B29-F687-4f45-9708-019B960494DF}">
-                  <a14:hiddenLine xmlns:a14="http://schemas.microsoft.com/office/drawing/2010/main" xmlns="" w="9525">
+                  <a14:hiddenLine xmlns="" xmlns:a14="http://schemas.microsoft.com/office/drawing/2010/main" w="9525">
                     <a:solidFill>
                       <a:srgbClr val="000000"/>
                     </a:solidFill>
@@ -12106,7 +12106,7 @@
               </a:ln>
               <a:extLst>
                 <a:ext uri="{91240B29-F687-4f45-9708-019B960494DF}">
-                  <a14:hiddenLine xmlns:a14="http://schemas.microsoft.com/office/drawing/2010/main" xmlns="" w="9525">
+                  <a14:hiddenLine xmlns="" xmlns:a14="http://schemas.microsoft.com/office/drawing/2010/main" w="9525">
                     <a:solidFill>
                       <a:srgbClr val="000000"/>
                     </a:solidFill>
@@ -12226,7 +12226,7 @@
               </a:ln>
               <a:extLst>
                 <a:ext uri="{91240B29-F687-4f45-9708-019B960494DF}">
-                  <a14:hiddenLine xmlns:a14="http://schemas.microsoft.com/office/drawing/2010/main" xmlns="" w="9525">
+                  <a14:hiddenLine xmlns="" xmlns:a14="http://schemas.microsoft.com/office/drawing/2010/main" w="9525">
                     <a:solidFill>
                       <a:srgbClr val="000000"/>
                     </a:solidFill>
@@ -12324,7 +12324,7 @@
               </a:ln>
               <a:extLst>
                 <a:ext uri="{91240B29-F687-4f45-9708-019B960494DF}">
-                  <a14:hiddenLine xmlns:a14="http://schemas.microsoft.com/office/drawing/2010/main" xmlns="" w="9525">
+                  <a14:hiddenLine xmlns="" xmlns:a14="http://schemas.microsoft.com/office/drawing/2010/main" w="9525">
                     <a:solidFill>
                       <a:srgbClr val="000000"/>
                     </a:solidFill>
@@ -12439,7 +12439,7 @@
               </a:ln>
               <a:extLst>
                 <a:ext uri="{91240B29-F687-4f45-9708-019B960494DF}">
-                  <a14:hiddenLine xmlns:a14="http://schemas.microsoft.com/office/drawing/2010/main" xmlns="" w="9525">
+                  <a14:hiddenLine xmlns="" xmlns:a14="http://schemas.microsoft.com/office/drawing/2010/main" w="9525">
                     <a:solidFill>
                       <a:srgbClr val="000000"/>
                     </a:solidFill>
@@ -12529,7 +12529,7 @@
               </a:ln>
               <a:extLst>
                 <a:ext uri="{91240B29-F687-4f45-9708-019B960494DF}">
-                  <a14:hiddenLine xmlns:a14="http://schemas.microsoft.com/office/drawing/2010/main" xmlns="" w="9525">
+                  <a14:hiddenLine xmlns="" xmlns:a14="http://schemas.microsoft.com/office/drawing/2010/main" w="9525">
                     <a:solidFill>
                       <a:srgbClr val="000000"/>
                     </a:solidFill>
@@ -12594,7 +12594,7 @@
               </a:ln>
               <a:extLst>
                 <a:ext uri="{91240B29-F687-4f45-9708-019B960494DF}">
-                  <a14:hiddenLine xmlns:a14="http://schemas.microsoft.com/office/drawing/2010/main" xmlns="" w="9525">
+                  <a14:hiddenLine xmlns="" xmlns:a14="http://schemas.microsoft.com/office/drawing/2010/main" w="9525">
                     <a:solidFill>
                       <a:srgbClr val="000000"/>
                     </a:solidFill>
@@ -12684,7 +12684,7 @@
               </a:ln>
               <a:extLst>
                 <a:ext uri="{91240B29-F687-4f45-9708-019B960494DF}">
-                  <a14:hiddenLine xmlns:a14="http://schemas.microsoft.com/office/drawing/2010/main" xmlns="" w="9525">
+                  <a14:hiddenLine xmlns="" xmlns:a14="http://schemas.microsoft.com/office/drawing/2010/main" w="9525">
                     <a:solidFill>
                       <a:srgbClr val="000000"/>
                     </a:solidFill>
@@ -12752,7 +12752,7 @@
               </a:ln>
               <a:extLst>
                 <a:ext uri="{91240B29-F687-4f45-9708-019B960494DF}">
-                  <a14:hiddenLine xmlns:a14="http://schemas.microsoft.com/office/drawing/2010/main" xmlns="" w="9525">
+                  <a14:hiddenLine xmlns="" xmlns:a14="http://schemas.microsoft.com/office/drawing/2010/main" w="9525">
                     <a:solidFill>
                       <a:srgbClr val="000000"/>
                     </a:solidFill>
@@ -12842,7 +12842,7 @@
               </a:ln>
               <a:extLst>
                 <a:ext uri="{91240B29-F687-4f45-9708-019B960494DF}">
-                  <a14:hiddenLine xmlns:a14="http://schemas.microsoft.com/office/drawing/2010/main" xmlns="" w="9525">
+                  <a14:hiddenLine xmlns="" xmlns:a14="http://schemas.microsoft.com/office/drawing/2010/main" w="9525">
                     <a:solidFill>
                       <a:srgbClr val="000000"/>
                     </a:solidFill>
@@ -12910,7 +12910,7 @@
               </a:ln>
               <a:extLst>
                 <a:ext uri="{91240B29-F687-4f45-9708-019B960494DF}">
-                  <a14:hiddenLine xmlns:a14="http://schemas.microsoft.com/office/drawing/2010/main" xmlns="" w="9525">
+                  <a14:hiddenLine xmlns="" xmlns:a14="http://schemas.microsoft.com/office/drawing/2010/main" w="9525">
                     <a:solidFill>
                       <a:srgbClr val="000000"/>
                     </a:solidFill>
@@ -13000,7 +13000,7 @@
               </a:ln>
               <a:extLst>
                 <a:ext uri="{91240B29-F687-4f45-9708-019B960494DF}">
-                  <a14:hiddenLine xmlns:a14="http://schemas.microsoft.com/office/drawing/2010/main" xmlns="" w="9525">
+                  <a14:hiddenLine xmlns="" xmlns:a14="http://schemas.microsoft.com/office/drawing/2010/main" w="9525">
                     <a:solidFill>
                       <a:srgbClr val="000000"/>
                     </a:solidFill>
@@ -13034,7 +13034,7 @@
               </a:ln>
               <a:extLst>
                 <a:ext uri="{91240B29-F687-4f45-9708-019B960494DF}">
-                  <a14:hiddenLine xmlns:a14="http://schemas.microsoft.com/office/drawing/2010/main" xmlns="" w="9525">
+                  <a14:hiddenLine xmlns="" xmlns:a14="http://schemas.microsoft.com/office/drawing/2010/main" w="9525">
                     <a:solidFill>
                       <a:srgbClr val="000000"/>
                     </a:solidFill>
@@ -13175,7 +13175,7 @@
             <a:fld id="{48A87A34-81AB-432B-8DAE-1953F412C126}" type="datetimeFigureOut">
               <a:rPr lang="en-US" dirty="0"/>
               <a:pPr/>
-              <a:t>4/20/2023</a:t>
+              <a:t>4/21/2023</a:t>
             </a:fld>
             <a:endParaRPr lang="en-US" dirty="0"/>
           </a:p>

--- a/VR Presentation.pptx
+++ b/VR Presentation.pptx
@@ -9,12 +9,12 @@
     <p:sldId id="257" r:id="rId3"/>
     <p:sldId id="263" r:id="rId4"/>
     <p:sldId id="264" r:id="rId5"/>
-    <p:sldId id="259" r:id="rId6"/>
-    <p:sldId id="265" r:id="rId7"/>
-    <p:sldId id="260" r:id="rId8"/>
-    <p:sldId id="262" r:id="rId9"/>
-    <p:sldId id="258" r:id="rId10"/>
-    <p:sldId id="266" r:id="rId11"/>
+    <p:sldId id="265" r:id="rId6"/>
+    <p:sldId id="260" r:id="rId7"/>
+    <p:sldId id="262" r:id="rId8"/>
+    <p:sldId id="258" r:id="rId9"/>
+    <p:sldId id="266" r:id="rId10"/>
+    <p:sldId id="267" r:id="rId11"/>
   </p:sldIdLst>
   <p:sldSz cx="12192000" cy="6858000"/>
   <p:notesSz cx="6858000" cy="9144000"/>
@@ -1405,7 +1405,7 @@
           <a:noFill/>
           <a:extLst>
             <a:ext uri="{909E8E84-426E-40dd-AFC4-6F175D3DCCD1}">
-              <a14:hiddenFill xmlns="" xmlns:a14="http://schemas.microsoft.com/office/drawing/2010/main">
+              <a14:hiddenFill xmlns:a14="http://schemas.microsoft.com/office/drawing/2010/main" xmlns="">
                 <a:solidFill>
                   <a:srgbClr val="FFFFFF"/>
                 </a:solidFill>
@@ -1465,7 +1465,7 @@
             </a:ln>
             <a:extLst>
               <a:ext uri="{91240B29-F687-4f45-9708-019B960494DF}">
-                <a14:hiddenLine xmlns="" xmlns:a14="http://schemas.microsoft.com/office/drawing/2010/main" w="9525">
+                <a14:hiddenLine xmlns:a14="http://schemas.microsoft.com/office/drawing/2010/main" xmlns="" w="9525">
                   <a:solidFill>
                     <a:srgbClr val="000000"/>
                   </a:solidFill>
@@ -1555,7 +1555,7 @@
             </a:ln>
             <a:extLst>
               <a:ext uri="{91240B29-F687-4f45-9708-019B960494DF}">
-                <a14:hiddenLine xmlns="" xmlns:a14="http://schemas.microsoft.com/office/drawing/2010/main" w="9525">
+                <a14:hiddenLine xmlns:a14="http://schemas.microsoft.com/office/drawing/2010/main" xmlns="" w="9525">
                   <a:solidFill>
                     <a:srgbClr val="000000"/>
                   </a:solidFill>
@@ -1645,7 +1645,7 @@
             </a:ln>
             <a:extLst>
               <a:ext uri="{91240B29-F687-4f45-9708-019B960494DF}">
-                <a14:hiddenLine xmlns="" xmlns:a14="http://schemas.microsoft.com/office/drawing/2010/main" w="9525">
+                <a14:hiddenLine xmlns:a14="http://schemas.microsoft.com/office/drawing/2010/main" xmlns="" w="9525">
                   <a:solidFill>
                     <a:srgbClr val="000000"/>
                   </a:solidFill>
@@ -1679,7 +1679,7 @@
             </a:ln>
             <a:extLst>
               <a:ext uri="{91240B29-F687-4f45-9708-019B960494DF}">
-                <a14:hiddenLine xmlns="" xmlns:a14="http://schemas.microsoft.com/office/drawing/2010/main" w="9525">
+                <a14:hiddenLine xmlns:a14="http://schemas.microsoft.com/office/drawing/2010/main" xmlns="" w="9525">
                   <a:solidFill>
                     <a:srgbClr val="000000"/>
                   </a:solidFill>
@@ -1769,7 +1769,7 @@
             </a:ln>
             <a:extLst>
               <a:ext uri="{91240B29-F687-4f45-9708-019B960494DF}">
-                <a14:hiddenLine xmlns="" xmlns:a14="http://schemas.microsoft.com/office/drawing/2010/main" w="9525">
+                <a14:hiddenLine xmlns:a14="http://schemas.microsoft.com/office/drawing/2010/main" xmlns="" w="9525">
                   <a:solidFill>
                     <a:srgbClr val="000000"/>
                   </a:solidFill>
@@ -1831,7 +1831,7 @@
             </a:ln>
             <a:extLst>
               <a:ext uri="{91240B29-F687-4f45-9708-019B960494DF}">
-                <a14:hiddenLine xmlns="" xmlns:a14="http://schemas.microsoft.com/office/drawing/2010/main" w="9525">
+                <a14:hiddenLine xmlns:a14="http://schemas.microsoft.com/office/drawing/2010/main" xmlns="" w="9525">
                   <a:solidFill>
                     <a:srgbClr val="000000"/>
                   </a:solidFill>
@@ -1893,7 +1893,7 @@
             </a:ln>
             <a:extLst>
               <a:ext uri="{91240B29-F687-4f45-9708-019B960494DF}">
-                <a14:hiddenLine xmlns="" xmlns:a14="http://schemas.microsoft.com/office/drawing/2010/main" w="9525">
+                <a14:hiddenLine xmlns:a14="http://schemas.microsoft.com/office/drawing/2010/main" xmlns="" w="9525">
                   <a:solidFill>
                     <a:srgbClr val="000000"/>
                   </a:solidFill>
@@ -1983,7 +1983,7 @@
             </a:ln>
             <a:extLst>
               <a:ext uri="{91240B29-F687-4f45-9708-019B960494DF}">
-                <a14:hiddenLine xmlns="" xmlns:a14="http://schemas.microsoft.com/office/drawing/2010/main" w="9525">
+                <a14:hiddenLine xmlns:a14="http://schemas.microsoft.com/office/drawing/2010/main" xmlns="" w="9525">
                   <a:solidFill>
                     <a:srgbClr val="000000"/>
                   </a:solidFill>
@@ -2045,7 +2045,7 @@
             </a:ln>
             <a:extLst>
               <a:ext uri="{91240B29-F687-4f45-9708-019B960494DF}">
-                <a14:hiddenLine xmlns="" xmlns:a14="http://schemas.microsoft.com/office/drawing/2010/main" w="9525">
+                <a14:hiddenLine xmlns:a14="http://schemas.microsoft.com/office/drawing/2010/main" xmlns="" w="9525">
                   <a:solidFill>
                     <a:srgbClr val="000000"/>
                   </a:solidFill>
@@ -2107,7 +2107,7 @@
             </a:ln>
             <a:extLst>
               <a:ext uri="{91240B29-F687-4f45-9708-019B960494DF}">
-                <a14:hiddenLine xmlns="" xmlns:a14="http://schemas.microsoft.com/office/drawing/2010/main" w="9525">
+                <a14:hiddenLine xmlns:a14="http://schemas.microsoft.com/office/drawing/2010/main" xmlns="" w="9525">
                   <a:solidFill>
                     <a:srgbClr val="000000"/>
                   </a:solidFill>
@@ -2197,7 +2197,7 @@
             </a:ln>
             <a:extLst>
               <a:ext uri="{91240B29-F687-4f45-9708-019B960494DF}">
-                <a14:hiddenLine xmlns="" xmlns:a14="http://schemas.microsoft.com/office/drawing/2010/main" w="9525">
+                <a14:hiddenLine xmlns:a14="http://schemas.microsoft.com/office/drawing/2010/main" xmlns="" w="9525">
                   <a:solidFill>
                     <a:srgbClr val="000000"/>
                   </a:solidFill>
@@ -2287,7 +2287,7 @@
             </a:ln>
             <a:extLst>
               <a:ext uri="{91240B29-F687-4f45-9708-019B960494DF}">
-                <a14:hiddenLine xmlns="" xmlns:a14="http://schemas.microsoft.com/office/drawing/2010/main" w="9525">
+                <a14:hiddenLine xmlns:a14="http://schemas.microsoft.com/office/drawing/2010/main" xmlns="" w="9525">
                   <a:solidFill>
                     <a:srgbClr val="000000"/>
                   </a:solidFill>
@@ -2349,7 +2349,7 @@
             </a:ln>
             <a:extLst>
               <a:ext uri="{91240B29-F687-4f45-9708-019B960494DF}">
-                <a14:hiddenLine xmlns="" xmlns:a14="http://schemas.microsoft.com/office/drawing/2010/main" w="9525">
+                <a14:hiddenLine xmlns:a14="http://schemas.microsoft.com/office/drawing/2010/main" xmlns="" w="9525">
                   <a:solidFill>
                     <a:srgbClr val="000000"/>
                   </a:solidFill>
@@ -2459,7 +2459,7 @@
             </a:ln>
             <a:extLst>
               <a:ext uri="{91240B29-F687-4f45-9708-019B960494DF}">
-                <a14:hiddenLine xmlns="" xmlns:a14="http://schemas.microsoft.com/office/drawing/2010/main" w="9525">
+                <a14:hiddenLine xmlns:a14="http://schemas.microsoft.com/office/drawing/2010/main" xmlns="" w="9525">
                   <a:solidFill>
                     <a:srgbClr val="000000"/>
                   </a:solidFill>
@@ -2521,7 +2521,7 @@
             </a:ln>
             <a:extLst>
               <a:ext uri="{91240B29-F687-4f45-9708-019B960494DF}">
-                <a14:hiddenLine xmlns="" xmlns:a14="http://schemas.microsoft.com/office/drawing/2010/main" w="9525">
+                <a14:hiddenLine xmlns:a14="http://schemas.microsoft.com/office/drawing/2010/main" xmlns="" w="9525">
                   <a:solidFill>
                     <a:srgbClr val="000000"/>
                   </a:solidFill>
@@ -2611,7 +2611,7 @@
             </a:ln>
             <a:extLst>
               <a:ext uri="{91240B29-F687-4f45-9708-019B960494DF}">
-                <a14:hiddenLine xmlns="" xmlns:a14="http://schemas.microsoft.com/office/drawing/2010/main" w="9525">
+                <a14:hiddenLine xmlns:a14="http://schemas.microsoft.com/office/drawing/2010/main" xmlns="" w="9525">
                   <a:solidFill>
                     <a:srgbClr val="000000"/>
                   </a:solidFill>
@@ -2701,7 +2701,7 @@
             </a:ln>
             <a:extLst>
               <a:ext uri="{91240B29-F687-4f45-9708-019B960494DF}">
-                <a14:hiddenLine xmlns="" xmlns:a14="http://schemas.microsoft.com/office/drawing/2010/main" w="9525">
+                <a14:hiddenLine xmlns:a14="http://schemas.microsoft.com/office/drawing/2010/main" xmlns="" w="9525">
                   <a:solidFill>
                     <a:srgbClr val="000000"/>
                   </a:solidFill>
@@ -2763,7 +2763,7 @@
             </a:ln>
             <a:extLst>
               <a:ext uri="{91240B29-F687-4f45-9708-019B960494DF}">
-                <a14:hiddenLine xmlns="" xmlns:a14="http://schemas.microsoft.com/office/drawing/2010/main" w="9525">
+                <a14:hiddenLine xmlns:a14="http://schemas.microsoft.com/office/drawing/2010/main" xmlns="" w="9525">
                   <a:solidFill>
                     <a:srgbClr val="000000"/>
                   </a:solidFill>
@@ -2853,7 +2853,7 @@
             </a:ln>
             <a:extLst>
               <a:ext uri="{91240B29-F687-4f45-9708-019B960494DF}">
-                <a14:hiddenLine xmlns="" xmlns:a14="http://schemas.microsoft.com/office/drawing/2010/main" w="9525">
+                <a14:hiddenLine xmlns:a14="http://schemas.microsoft.com/office/drawing/2010/main" xmlns="" w="9525">
                   <a:solidFill>
                     <a:srgbClr val="000000"/>
                   </a:solidFill>
@@ -2943,7 +2943,7 @@
             </a:ln>
             <a:extLst>
               <a:ext uri="{91240B29-F687-4f45-9708-019B960494DF}">
-                <a14:hiddenLine xmlns="" xmlns:a14="http://schemas.microsoft.com/office/drawing/2010/main" w="9525">
+                <a14:hiddenLine xmlns:a14="http://schemas.microsoft.com/office/drawing/2010/main" xmlns="" w="9525">
                   <a:solidFill>
                     <a:srgbClr val="000000"/>
                   </a:solidFill>
@@ -2999,7 +2999,7 @@
             </a:ln>
             <a:extLst>
               <a:ext uri="{91240B29-F687-4f45-9708-019B960494DF}">
-                <a14:hiddenLine xmlns="" xmlns:a14="http://schemas.microsoft.com/office/drawing/2010/main" w="9525">
+                <a14:hiddenLine xmlns:a14="http://schemas.microsoft.com/office/drawing/2010/main" xmlns="" w="9525">
                   <a:solidFill>
                     <a:srgbClr val="000000"/>
                   </a:solidFill>
@@ -3089,7 +3089,7 @@
             </a:ln>
             <a:extLst>
               <a:ext uri="{91240B29-F687-4f45-9708-019B960494DF}">
-                <a14:hiddenLine xmlns="" xmlns:a14="http://schemas.microsoft.com/office/drawing/2010/main" w="9525">
+                <a14:hiddenLine xmlns:a14="http://schemas.microsoft.com/office/drawing/2010/main" xmlns="" w="9525">
                   <a:solidFill>
                     <a:srgbClr val="000000"/>
                   </a:solidFill>
@@ -3145,7 +3145,7 @@
             </a:ln>
             <a:extLst>
               <a:ext uri="{91240B29-F687-4f45-9708-019B960494DF}">
-                <a14:hiddenLine xmlns="" xmlns:a14="http://schemas.microsoft.com/office/drawing/2010/main" w="9525">
+                <a14:hiddenLine xmlns:a14="http://schemas.microsoft.com/office/drawing/2010/main" xmlns="" w="9525">
                   <a:solidFill>
                     <a:srgbClr val="000000"/>
                   </a:solidFill>
@@ -3235,7 +3235,7 @@
             </a:ln>
             <a:extLst>
               <a:ext uri="{91240B29-F687-4f45-9708-019B960494DF}">
-                <a14:hiddenLine xmlns="" xmlns:a14="http://schemas.microsoft.com/office/drawing/2010/main" w="9525">
+                <a14:hiddenLine xmlns:a14="http://schemas.microsoft.com/office/drawing/2010/main" xmlns="" w="9525">
                   <a:solidFill>
                     <a:srgbClr val="000000"/>
                   </a:solidFill>
@@ -3303,7 +3303,7 @@
             </a:ln>
             <a:extLst>
               <a:ext uri="{91240B29-F687-4f45-9708-019B960494DF}">
-                <a14:hiddenLine xmlns="" xmlns:a14="http://schemas.microsoft.com/office/drawing/2010/main" w="9525">
+                <a14:hiddenLine xmlns:a14="http://schemas.microsoft.com/office/drawing/2010/main" xmlns="" w="9525">
                   <a:solidFill>
                     <a:srgbClr val="000000"/>
                   </a:solidFill>
@@ -3393,7 +3393,7 @@
             </a:ln>
             <a:extLst>
               <a:ext uri="{91240B29-F687-4f45-9708-019B960494DF}">
-                <a14:hiddenLine xmlns="" xmlns:a14="http://schemas.microsoft.com/office/drawing/2010/main" w="9525">
+                <a14:hiddenLine xmlns:a14="http://schemas.microsoft.com/office/drawing/2010/main" xmlns="" w="9525">
                   <a:solidFill>
                     <a:srgbClr val="000000"/>
                   </a:solidFill>
@@ -3461,7 +3461,7 @@
             </a:ln>
             <a:extLst>
               <a:ext uri="{91240B29-F687-4f45-9708-019B960494DF}">
-                <a14:hiddenLine xmlns="" xmlns:a14="http://schemas.microsoft.com/office/drawing/2010/main" w="9525">
+                <a14:hiddenLine xmlns:a14="http://schemas.microsoft.com/office/drawing/2010/main" xmlns="" w="9525">
                   <a:solidFill>
                     <a:srgbClr val="000000"/>
                   </a:solidFill>
@@ -3551,7 +3551,7 @@
             </a:ln>
             <a:extLst>
               <a:ext uri="{91240B29-F687-4f45-9708-019B960494DF}">
-                <a14:hiddenLine xmlns="" xmlns:a14="http://schemas.microsoft.com/office/drawing/2010/main" w="9525">
+                <a14:hiddenLine xmlns:a14="http://schemas.microsoft.com/office/drawing/2010/main" xmlns="" w="9525">
                   <a:solidFill>
                     <a:srgbClr val="000000"/>
                   </a:solidFill>
@@ -3585,7 +3585,7 @@
             </a:ln>
             <a:extLst>
               <a:ext uri="{91240B29-F687-4f45-9708-019B960494DF}">
-                <a14:hiddenLine xmlns="" xmlns:a14="http://schemas.microsoft.com/office/drawing/2010/main" w="9525">
+                <a14:hiddenLine xmlns:a14="http://schemas.microsoft.com/office/drawing/2010/main" xmlns="" w="9525">
                   <a:solidFill>
                     <a:srgbClr val="000000"/>
                   </a:solidFill>
@@ -3675,7 +3675,7 @@
             </a:ln>
             <a:extLst>
               <a:ext uri="{91240B29-F687-4f45-9708-019B960494DF}">
-                <a14:hiddenLine xmlns="" xmlns:a14="http://schemas.microsoft.com/office/drawing/2010/main" w="9525">
+                <a14:hiddenLine xmlns:a14="http://schemas.microsoft.com/office/drawing/2010/main" xmlns="" w="9525">
                   <a:solidFill>
                     <a:srgbClr val="000000"/>
                   </a:solidFill>
@@ -3737,7 +3737,7 @@
             </a:ln>
             <a:extLst>
               <a:ext uri="{91240B29-F687-4f45-9708-019B960494DF}">
-                <a14:hiddenLine xmlns="" xmlns:a14="http://schemas.microsoft.com/office/drawing/2010/main" w="9525">
+                <a14:hiddenLine xmlns:a14="http://schemas.microsoft.com/office/drawing/2010/main" xmlns="" w="9525">
                   <a:solidFill>
                     <a:srgbClr val="000000"/>
                   </a:solidFill>
@@ -3799,7 +3799,7 @@
             </a:ln>
             <a:extLst>
               <a:ext uri="{91240B29-F687-4f45-9708-019B960494DF}">
-                <a14:hiddenLine xmlns="" xmlns:a14="http://schemas.microsoft.com/office/drawing/2010/main" w="9525">
+                <a14:hiddenLine xmlns:a14="http://schemas.microsoft.com/office/drawing/2010/main" xmlns="" w="9525">
                   <a:solidFill>
                     <a:srgbClr val="000000"/>
                   </a:solidFill>
@@ -3889,7 +3889,7 @@
             </a:ln>
             <a:extLst>
               <a:ext uri="{91240B29-F687-4f45-9708-019B960494DF}">
-                <a14:hiddenLine xmlns="" xmlns:a14="http://schemas.microsoft.com/office/drawing/2010/main" w="9525">
+                <a14:hiddenLine xmlns:a14="http://schemas.microsoft.com/office/drawing/2010/main" xmlns="" w="9525">
                   <a:solidFill>
                     <a:srgbClr val="000000"/>
                   </a:solidFill>
@@ -3957,7 +3957,7 @@
             </a:ln>
             <a:extLst>
               <a:ext uri="{91240B29-F687-4f45-9708-019B960494DF}">
-                <a14:hiddenLine xmlns="" xmlns:a14="http://schemas.microsoft.com/office/drawing/2010/main" w="9525">
+                <a14:hiddenLine xmlns:a14="http://schemas.microsoft.com/office/drawing/2010/main" xmlns="" w="9525">
                   <a:solidFill>
                     <a:srgbClr val="000000"/>
                   </a:solidFill>
@@ -4019,7 +4019,7 @@
             </a:ln>
             <a:extLst>
               <a:ext uri="{91240B29-F687-4f45-9708-019B960494DF}">
-                <a14:hiddenLine xmlns="" xmlns:a14="http://schemas.microsoft.com/office/drawing/2010/main" w="9525">
+                <a14:hiddenLine xmlns:a14="http://schemas.microsoft.com/office/drawing/2010/main" xmlns="" w="9525">
                   <a:solidFill>
                     <a:srgbClr val="000000"/>
                   </a:solidFill>
@@ -4109,7 +4109,7 @@
             </a:ln>
             <a:extLst>
               <a:ext uri="{91240B29-F687-4f45-9708-019B960494DF}">
-                <a14:hiddenLine xmlns="" xmlns:a14="http://schemas.microsoft.com/office/drawing/2010/main" w="9525">
+                <a14:hiddenLine xmlns:a14="http://schemas.microsoft.com/office/drawing/2010/main" xmlns="" w="9525">
                   <a:solidFill>
                     <a:srgbClr val="000000"/>
                   </a:solidFill>
@@ -4171,7 +4171,7 @@
             </a:ln>
             <a:extLst>
               <a:ext uri="{91240B29-F687-4f45-9708-019B960494DF}">
-                <a14:hiddenLine xmlns="" xmlns:a14="http://schemas.microsoft.com/office/drawing/2010/main" w="9525">
+                <a14:hiddenLine xmlns:a14="http://schemas.microsoft.com/office/drawing/2010/main" xmlns="" w="9525">
                   <a:solidFill>
                     <a:srgbClr val="000000"/>
                   </a:solidFill>
@@ -4261,7 +4261,7 @@
             </a:ln>
             <a:extLst>
               <a:ext uri="{91240B29-F687-4f45-9708-019B960494DF}">
-                <a14:hiddenLine xmlns="" xmlns:a14="http://schemas.microsoft.com/office/drawing/2010/main" w="9525">
+                <a14:hiddenLine xmlns:a14="http://schemas.microsoft.com/office/drawing/2010/main" xmlns="" w="9525">
                   <a:solidFill>
                     <a:srgbClr val="000000"/>
                   </a:solidFill>
@@ -4323,7 +4323,7 @@
             </a:ln>
             <a:extLst>
               <a:ext uri="{91240B29-F687-4f45-9708-019B960494DF}">
-                <a14:hiddenLine xmlns="" xmlns:a14="http://schemas.microsoft.com/office/drawing/2010/main" w="9525">
+                <a14:hiddenLine xmlns:a14="http://schemas.microsoft.com/office/drawing/2010/main" xmlns="" w="9525">
                   <a:solidFill>
                     <a:srgbClr val="000000"/>
                   </a:solidFill>
@@ -4413,7 +4413,7 @@
             </a:ln>
             <a:extLst>
               <a:ext uri="{91240B29-F687-4f45-9708-019B960494DF}">
-                <a14:hiddenLine xmlns="" xmlns:a14="http://schemas.microsoft.com/office/drawing/2010/main" w="9525">
+                <a14:hiddenLine xmlns:a14="http://schemas.microsoft.com/office/drawing/2010/main" xmlns="" w="9525">
                   <a:solidFill>
                     <a:srgbClr val="000000"/>
                   </a:solidFill>
@@ -4447,7 +4447,7 @@
             </a:ln>
             <a:extLst>
               <a:ext uri="{91240B29-F687-4f45-9708-019B960494DF}">
-                <a14:hiddenLine xmlns="" xmlns:a14="http://schemas.microsoft.com/office/drawing/2010/main" w="9525">
+                <a14:hiddenLine xmlns:a14="http://schemas.microsoft.com/office/drawing/2010/main" xmlns="" w="9525">
                   <a:solidFill>
                     <a:srgbClr val="000000"/>
                   </a:solidFill>
@@ -4512,7 +4512,7 @@
             </a:ln>
             <a:extLst>
               <a:ext uri="{91240B29-F687-4f45-9708-019B960494DF}">
-                <a14:hiddenLine xmlns="" xmlns:a14="http://schemas.microsoft.com/office/drawing/2010/main" w="9525">
+                <a14:hiddenLine xmlns:a14="http://schemas.microsoft.com/office/drawing/2010/main" xmlns="" w="9525">
                   <a:solidFill>
                     <a:srgbClr val="000000"/>
                   </a:solidFill>
@@ -4602,7 +4602,7 @@
             </a:ln>
             <a:extLst>
               <a:ext uri="{91240B29-F687-4f45-9708-019B960494DF}">
-                <a14:hiddenLine xmlns="" xmlns:a14="http://schemas.microsoft.com/office/drawing/2010/main" w="9525">
+                <a14:hiddenLine xmlns:a14="http://schemas.microsoft.com/office/drawing/2010/main" xmlns="" w="9525">
                   <a:solidFill>
                     <a:srgbClr val="000000"/>
                   </a:solidFill>
@@ -4664,7 +4664,7 @@
             </a:ln>
             <a:extLst>
               <a:ext uri="{91240B29-F687-4f45-9708-019B960494DF}">
-                <a14:hiddenLine xmlns="" xmlns:a14="http://schemas.microsoft.com/office/drawing/2010/main" w="9525">
+                <a14:hiddenLine xmlns:a14="http://schemas.microsoft.com/office/drawing/2010/main" xmlns="" w="9525">
                   <a:solidFill>
                     <a:srgbClr val="000000"/>
                   </a:solidFill>
@@ -4754,7 +4754,7 @@
             </a:ln>
             <a:extLst>
               <a:ext uri="{91240B29-F687-4f45-9708-019B960494DF}">
-                <a14:hiddenLine xmlns="" xmlns:a14="http://schemas.microsoft.com/office/drawing/2010/main" w="9525">
+                <a14:hiddenLine xmlns:a14="http://schemas.microsoft.com/office/drawing/2010/main" xmlns="" w="9525">
                   <a:solidFill>
                     <a:srgbClr val="000000"/>
                   </a:solidFill>
@@ -4844,7 +4844,7 @@
             </a:ln>
             <a:extLst>
               <a:ext uri="{91240B29-F687-4f45-9708-019B960494DF}">
-                <a14:hiddenLine xmlns="" xmlns:a14="http://schemas.microsoft.com/office/drawing/2010/main" w="9525">
+                <a14:hiddenLine xmlns:a14="http://schemas.microsoft.com/office/drawing/2010/main" xmlns="" w="9525">
                   <a:solidFill>
                     <a:srgbClr val="000000"/>
                   </a:solidFill>
@@ -4909,7 +4909,7 @@
             </a:ln>
             <a:extLst>
               <a:ext uri="{91240B29-F687-4f45-9708-019B960494DF}">
-                <a14:hiddenLine xmlns="" xmlns:a14="http://schemas.microsoft.com/office/drawing/2010/main" w="9525">
+                <a14:hiddenLine xmlns:a14="http://schemas.microsoft.com/office/drawing/2010/main" xmlns="" w="9525">
                   <a:solidFill>
                     <a:srgbClr val="000000"/>
                   </a:solidFill>
@@ -4971,7 +4971,7 @@
             </a:ln>
             <a:extLst>
               <a:ext uri="{91240B29-F687-4f45-9708-019B960494DF}">
-                <a14:hiddenLine xmlns="" xmlns:a14="http://schemas.microsoft.com/office/drawing/2010/main" w="9525">
+                <a14:hiddenLine xmlns:a14="http://schemas.microsoft.com/office/drawing/2010/main" xmlns="" w="9525">
                   <a:solidFill>
                     <a:srgbClr val="000000"/>
                   </a:solidFill>
@@ -5061,7 +5061,7 @@
             </a:ln>
             <a:extLst>
               <a:ext uri="{91240B29-F687-4f45-9708-019B960494DF}">
-                <a14:hiddenLine xmlns="" xmlns:a14="http://schemas.microsoft.com/office/drawing/2010/main" w="9525">
+                <a14:hiddenLine xmlns:a14="http://schemas.microsoft.com/office/drawing/2010/main" xmlns="" w="9525">
                   <a:solidFill>
                     <a:srgbClr val="000000"/>
                   </a:solidFill>
@@ -5151,7 +5151,7 @@
             </a:ln>
             <a:extLst>
               <a:ext uri="{91240B29-F687-4f45-9708-019B960494DF}">
-                <a14:hiddenLine xmlns="" xmlns:a14="http://schemas.microsoft.com/office/drawing/2010/main" w="9525">
+                <a14:hiddenLine xmlns:a14="http://schemas.microsoft.com/office/drawing/2010/main" xmlns="" w="9525">
                   <a:solidFill>
                     <a:srgbClr val="000000"/>
                   </a:solidFill>
@@ -5213,7 +5213,7 @@
             </a:ln>
             <a:extLst>
               <a:ext uri="{91240B29-F687-4f45-9708-019B960494DF}">
-                <a14:hiddenLine xmlns="" xmlns:a14="http://schemas.microsoft.com/office/drawing/2010/main" w="9525">
+                <a14:hiddenLine xmlns:a14="http://schemas.microsoft.com/office/drawing/2010/main" xmlns="" w="9525">
                   <a:solidFill>
                     <a:srgbClr val="000000"/>
                   </a:solidFill>
@@ -5333,7 +5333,7 @@
             </a:ln>
             <a:extLst>
               <a:ext uri="{91240B29-F687-4f45-9708-019B960494DF}">
-                <a14:hiddenLine xmlns="" xmlns:a14="http://schemas.microsoft.com/office/drawing/2010/main" w="9525">
+                <a14:hiddenLine xmlns:a14="http://schemas.microsoft.com/office/drawing/2010/main" xmlns="" w="9525">
                   <a:solidFill>
                     <a:srgbClr val="000000"/>
                   </a:solidFill>
@@ -5401,7 +5401,7 @@
             </a:ln>
             <a:extLst>
               <a:ext uri="{91240B29-F687-4f45-9708-019B960494DF}">
-                <a14:hiddenLine xmlns="" xmlns:a14="http://schemas.microsoft.com/office/drawing/2010/main" w="9525">
+                <a14:hiddenLine xmlns:a14="http://schemas.microsoft.com/office/drawing/2010/main" xmlns="" w="9525">
                   <a:solidFill>
                     <a:srgbClr val="000000"/>
                   </a:solidFill>
@@ -5491,7 +5491,7 @@
             </a:ln>
             <a:extLst>
               <a:ext uri="{91240B29-F687-4f45-9708-019B960494DF}">
-                <a14:hiddenLine xmlns="" xmlns:a14="http://schemas.microsoft.com/office/drawing/2010/main" w="9525">
+                <a14:hiddenLine xmlns:a14="http://schemas.microsoft.com/office/drawing/2010/main" xmlns="" w="9525">
                   <a:solidFill>
                     <a:srgbClr val="000000"/>
                   </a:solidFill>
@@ -5631,7 +5631,7 @@
           <a:p>
             <a:fld id="{48A87A34-81AB-432B-8DAE-1953F412C126}" type="datetimeFigureOut">
               <a:rPr lang="en-US" dirty="0"/>
-              <a:t>4/21/2023</a:t>
+              <a:t>4/25/2023</a:t>
             </a:fld>
             <a:endParaRPr lang="en-US" dirty="0"/>
           </a:p>
@@ -5893,7 +5893,7 @@
           <a:p>
             <a:fld id="{48A87A34-81AB-432B-8DAE-1953F412C126}" type="datetimeFigureOut">
               <a:rPr lang="en-US" dirty="0"/>
-              <a:t>4/21/2023</a:t>
+              <a:t>4/25/2023</a:t>
             </a:fld>
             <a:endParaRPr lang="en-US" dirty="0"/>
           </a:p>
@@ -6084,7 +6084,7 @@
           <a:p>
             <a:fld id="{48A87A34-81AB-432B-8DAE-1953F412C126}" type="datetimeFigureOut">
               <a:rPr lang="en-US" dirty="0"/>
-              <a:t>4/21/2023</a:t>
+              <a:t>4/25/2023</a:t>
             </a:fld>
             <a:endParaRPr lang="en-US" dirty="0"/>
           </a:p>
@@ -6342,7 +6342,7 @@
           <a:p>
             <a:fld id="{48A87A34-81AB-432B-8DAE-1953F412C126}" type="datetimeFigureOut">
               <a:rPr lang="en-US" dirty="0"/>
-              <a:t>4/21/2023</a:t>
+              <a:t>4/25/2023</a:t>
             </a:fld>
             <a:endParaRPr lang="en-US" dirty="0"/>
           </a:p>
@@ -6771,7 +6771,7 @@
           <a:p>
             <a:fld id="{48A87A34-81AB-432B-8DAE-1953F412C126}" type="datetimeFigureOut">
               <a:rPr lang="en-US" dirty="0"/>
-              <a:t>4/21/2023</a:t>
+              <a:t>4/25/2023</a:t>
             </a:fld>
             <a:endParaRPr lang="en-US" dirty="0"/>
           </a:p>
@@ -7312,7 +7312,7 @@
           <a:p>
             <a:fld id="{48A87A34-81AB-432B-8DAE-1953F412C126}" type="datetimeFigureOut">
               <a:rPr lang="en-US" dirty="0"/>
-              <a:t>4/21/2023</a:t>
+              <a:t>4/25/2023</a:t>
             </a:fld>
             <a:endParaRPr lang="en-US" dirty="0"/>
           </a:p>
@@ -8027,7 +8027,7 @@
           <a:p>
             <a:fld id="{48A87A34-81AB-432B-8DAE-1953F412C126}" type="datetimeFigureOut">
               <a:rPr lang="en-US" dirty="0"/>
-              <a:t>4/21/2023</a:t>
+              <a:t>4/25/2023</a:t>
             </a:fld>
             <a:endParaRPr lang="en-US" dirty="0"/>
           </a:p>
@@ -8192,7 +8192,7 @@
           <a:p>
             <a:fld id="{48A87A34-81AB-432B-8DAE-1953F412C126}" type="datetimeFigureOut">
               <a:rPr lang="en-US" dirty="0"/>
-              <a:t>4/21/2023</a:t>
+              <a:t>4/25/2023</a:t>
             </a:fld>
             <a:endParaRPr lang="en-US" dirty="0"/>
           </a:p>
@@ -8367,7 +8367,7 @@
           <a:p>
             <a:fld id="{48A87A34-81AB-432B-8DAE-1953F412C126}" type="datetimeFigureOut">
               <a:rPr lang="en-US" dirty="0"/>
-              <a:t>4/21/2023</a:t>
+              <a:t>4/25/2023</a:t>
             </a:fld>
             <a:endParaRPr lang="en-US" dirty="0"/>
           </a:p>
@@ -8532,7 +8532,7 @@
           <a:p>
             <a:fld id="{48A87A34-81AB-432B-8DAE-1953F412C126}" type="datetimeFigureOut">
               <a:rPr lang="en-US" dirty="0"/>
-              <a:t>4/21/2023</a:t>
+              <a:t>4/25/2023</a:t>
             </a:fld>
             <a:endParaRPr lang="en-US" dirty="0"/>
           </a:p>
@@ -8777,7 +8777,7 @@
           <a:p>
             <a:fld id="{48A87A34-81AB-432B-8DAE-1953F412C126}" type="datetimeFigureOut">
               <a:rPr lang="en-US" dirty="0"/>
-              <a:t>4/21/2023</a:t>
+              <a:t>4/25/2023</a:t>
             </a:fld>
             <a:endParaRPr lang="en-US" dirty="0"/>
           </a:p>
@@ -9004,7 +9004,7 @@
           <a:p>
             <a:fld id="{48A87A34-81AB-432B-8DAE-1953F412C126}" type="datetimeFigureOut">
               <a:rPr lang="en-US" dirty="0"/>
-              <a:t>4/21/2023</a:t>
+              <a:t>4/25/2023</a:t>
             </a:fld>
             <a:endParaRPr lang="en-US" dirty="0"/>
           </a:p>
@@ -9380,7 +9380,7 @@
           <a:p>
             <a:fld id="{48A87A34-81AB-432B-8DAE-1953F412C126}" type="datetimeFigureOut">
               <a:rPr lang="en-US" dirty="0"/>
-              <a:t>4/21/2023</a:t>
+              <a:t>4/25/2023</a:t>
             </a:fld>
             <a:endParaRPr lang="en-US" dirty="0"/>
           </a:p>
@@ -9493,7 +9493,7 @@
           <a:p>
             <a:fld id="{48A87A34-81AB-432B-8DAE-1953F412C126}" type="datetimeFigureOut">
               <a:rPr lang="en-US" dirty="0"/>
-              <a:t>4/21/2023</a:t>
+              <a:t>4/25/2023</a:t>
             </a:fld>
             <a:endParaRPr lang="en-US" dirty="0"/>
           </a:p>
@@ -9583,7 +9583,7 @@
           <a:p>
             <a:fld id="{48A87A34-81AB-432B-8DAE-1953F412C126}" type="datetimeFigureOut">
               <a:rPr lang="en-US" dirty="0"/>
-              <a:t>4/21/2023</a:t>
+              <a:t>4/25/2023</a:t>
             </a:fld>
             <a:endParaRPr lang="en-US" dirty="0"/>
           </a:p>
@@ -9827,7 +9827,7 @@
           <a:p>
             <a:fld id="{48A87A34-81AB-432B-8DAE-1953F412C126}" type="datetimeFigureOut">
               <a:rPr lang="en-US" dirty="0"/>
-              <a:t>4/21/2023</a:t>
+              <a:t>4/25/2023</a:t>
             </a:fld>
             <a:endParaRPr lang="en-US" dirty="0"/>
           </a:p>
@@ -10102,7 +10102,7 @@
           <a:p>
             <a:fld id="{48A87A34-81AB-432B-8DAE-1953F412C126}" type="datetimeFigureOut">
               <a:rPr lang="en-US" dirty="0"/>
-              <a:t>4/21/2023</a:t>
+              <a:t>4/25/2023</a:t>
             </a:fld>
             <a:endParaRPr lang="en-US" dirty="0"/>
           </a:p>
@@ -10213,7 +10213,7 @@
           <a:noFill/>
           <a:extLst>
             <a:ext uri="{909E8E84-426E-40dd-AFC4-6F175D3DCCD1}">
-              <a14:hiddenFill xmlns="" xmlns:a14="http://schemas.microsoft.com/office/drawing/2010/main">
+              <a14:hiddenFill xmlns:a14="http://schemas.microsoft.com/office/drawing/2010/main" xmlns="">
                 <a:solidFill>
                   <a:srgbClr val="FFFFFF"/>
                 </a:solidFill>
@@ -10287,7 +10287,7 @@
               </a:ln>
               <a:extLst>
                 <a:ext uri="{91240B29-F687-4f45-9708-019B960494DF}">
-                  <a14:hiddenLine xmlns="" xmlns:a14="http://schemas.microsoft.com/office/drawing/2010/main" w="9525">
+                  <a14:hiddenLine xmlns:a14="http://schemas.microsoft.com/office/drawing/2010/main" xmlns="" w="9525">
                     <a:solidFill>
                       <a:srgbClr val="000000"/>
                     </a:solidFill>
@@ -10377,7 +10377,7 @@
               </a:ln>
               <a:extLst>
                 <a:ext uri="{91240B29-F687-4f45-9708-019B960494DF}">
-                  <a14:hiddenLine xmlns="" xmlns:a14="http://schemas.microsoft.com/office/drawing/2010/main" w="9525">
+                  <a14:hiddenLine xmlns:a14="http://schemas.microsoft.com/office/drawing/2010/main" xmlns="" w="9525">
                     <a:solidFill>
                       <a:srgbClr val="000000"/>
                     </a:solidFill>
@@ -10467,7 +10467,7 @@
               </a:ln>
               <a:extLst>
                 <a:ext uri="{91240B29-F687-4f45-9708-019B960494DF}">
-                  <a14:hiddenLine xmlns="" xmlns:a14="http://schemas.microsoft.com/office/drawing/2010/main" w="9525">
+                  <a14:hiddenLine xmlns:a14="http://schemas.microsoft.com/office/drawing/2010/main" xmlns="" w="9525">
                     <a:solidFill>
                       <a:srgbClr val="000000"/>
                     </a:solidFill>
@@ -10529,7 +10529,7 @@
               </a:ln>
               <a:extLst>
                 <a:ext uri="{91240B29-F687-4f45-9708-019B960494DF}">
-                  <a14:hiddenLine xmlns="" xmlns:a14="http://schemas.microsoft.com/office/drawing/2010/main" w="9525">
+                  <a14:hiddenLine xmlns:a14="http://schemas.microsoft.com/office/drawing/2010/main" xmlns="" w="9525">
                     <a:solidFill>
                       <a:srgbClr val="000000"/>
                     </a:solidFill>
@@ -10619,7 +10619,7 @@
               </a:ln>
               <a:extLst>
                 <a:ext uri="{91240B29-F687-4f45-9708-019B960494DF}">
-                  <a14:hiddenLine xmlns="" xmlns:a14="http://schemas.microsoft.com/office/drawing/2010/main" w="9525">
+                  <a14:hiddenLine xmlns:a14="http://schemas.microsoft.com/office/drawing/2010/main" xmlns="" w="9525">
                     <a:solidFill>
                       <a:srgbClr val="000000"/>
                     </a:solidFill>
@@ -10681,7 +10681,7 @@
               </a:ln>
               <a:extLst>
                 <a:ext uri="{91240B29-F687-4f45-9708-019B960494DF}">
-                  <a14:hiddenLine xmlns="" xmlns:a14="http://schemas.microsoft.com/office/drawing/2010/main" w="9525">
+                  <a14:hiddenLine xmlns:a14="http://schemas.microsoft.com/office/drawing/2010/main" xmlns="" w="9525">
                     <a:solidFill>
                       <a:srgbClr val="000000"/>
                     </a:solidFill>
@@ -10743,7 +10743,7 @@
               </a:ln>
               <a:extLst>
                 <a:ext uri="{91240B29-F687-4f45-9708-019B960494DF}">
-                  <a14:hiddenLine xmlns="" xmlns:a14="http://schemas.microsoft.com/office/drawing/2010/main" w="9525">
+                  <a14:hiddenLine xmlns:a14="http://schemas.microsoft.com/office/drawing/2010/main" xmlns="" w="9525">
                     <a:solidFill>
                       <a:srgbClr val="000000"/>
                     </a:solidFill>
@@ -10833,7 +10833,7 @@
               </a:ln>
               <a:extLst>
                 <a:ext uri="{91240B29-F687-4f45-9708-019B960494DF}">
-                  <a14:hiddenLine xmlns="" xmlns:a14="http://schemas.microsoft.com/office/drawing/2010/main" w="9525">
+                  <a14:hiddenLine xmlns:a14="http://schemas.microsoft.com/office/drawing/2010/main" xmlns="" w="9525">
                     <a:solidFill>
                       <a:srgbClr val="000000"/>
                     </a:solidFill>
@@ -10923,7 +10923,7 @@
               </a:ln>
               <a:extLst>
                 <a:ext uri="{91240B29-F687-4f45-9708-019B960494DF}">
-                  <a14:hiddenLine xmlns="" xmlns:a14="http://schemas.microsoft.com/office/drawing/2010/main" w="9525">
+                  <a14:hiddenLine xmlns:a14="http://schemas.microsoft.com/office/drawing/2010/main" xmlns="" w="9525">
                     <a:solidFill>
                       <a:srgbClr val="000000"/>
                     </a:solidFill>
@@ -10985,7 +10985,7 @@
               </a:ln>
               <a:extLst>
                 <a:ext uri="{91240B29-F687-4f45-9708-019B960494DF}">
-                  <a14:hiddenLine xmlns="" xmlns:a14="http://schemas.microsoft.com/office/drawing/2010/main" w="9525">
+                  <a14:hiddenLine xmlns:a14="http://schemas.microsoft.com/office/drawing/2010/main" xmlns="" w="9525">
                     <a:solidFill>
                       <a:srgbClr val="000000"/>
                     </a:solidFill>
@@ -11095,7 +11095,7 @@
               </a:ln>
               <a:extLst>
                 <a:ext uri="{91240B29-F687-4f45-9708-019B960494DF}">
-                  <a14:hiddenLine xmlns="" xmlns:a14="http://schemas.microsoft.com/office/drawing/2010/main" w="9525">
+                  <a14:hiddenLine xmlns:a14="http://schemas.microsoft.com/office/drawing/2010/main" xmlns="" w="9525">
                     <a:solidFill>
                       <a:srgbClr val="000000"/>
                     </a:solidFill>
@@ -11179,7 +11179,7 @@
               </a:ln>
               <a:extLst>
                 <a:ext uri="{91240B29-F687-4f45-9708-019B960494DF}">
-                  <a14:hiddenLine xmlns="" xmlns:a14="http://schemas.microsoft.com/office/drawing/2010/main" w="9525">
+                  <a14:hiddenLine xmlns:a14="http://schemas.microsoft.com/office/drawing/2010/main" xmlns="" w="9525">
                     <a:solidFill>
                       <a:srgbClr val="000000"/>
                     </a:solidFill>
@@ -11241,7 +11241,7 @@
               </a:ln>
               <a:extLst>
                 <a:ext uri="{91240B29-F687-4f45-9708-019B960494DF}">
-                  <a14:hiddenLine xmlns="" xmlns:a14="http://schemas.microsoft.com/office/drawing/2010/main" w="9525">
+                  <a14:hiddenLine xmlns:a14="http://schemas.microsoft.com/office/drawing/2010/main" xmlns="" w="9525">
                     <a:solidFill>
                       <a:srgbClr val="000000"/>
                     </a:solidFill>
@@ -11303,7 +11303,7 @@
               </a:ln>
               <a:extLst>
                 <a:ext uri="{91240B29-F687-4f45-9708-019B960494DF}">
-                  <a14:hiddenLine xmlns="" xmlns:a14="http://schemas.microsoft.com/office/drawing/2010/main" w="9525">
+                  <a14:hiddenLine xmlns:a14="http://schemas.microsoft.com/office/drawing/2010/main" xmlns="" w="9525">
                     <a:solidFill>
                       <a:srgbClr val="000000"/>
                     </a:solidFill>
@@ -11393,7 +11393,7 @@
               </a:ln>
               <a:extLst>
                 <a:ext uri="{91240B29-F687-4f45-9708-019B960494DF}">
-                  <a14:hiddenLine xmlns="" xmlns:a14="http://schemas.microsoft.com/office/drawing/2010/main" w="9525">
+                  <a14:hiddenLine xmlns:a14="http://schemas.microsoft.com/office/drawing/2010/main" xmlns="" w="9525">
                     <a:solidFill>
                       <a:srgbClr val="000000"/>
                     </a:solidFill>
@@ -11427,7 +11427,7 @@
               </a:ln>
               <a:extLst>
                 <a:ext uri="{91240B29-F687-4f45-9708-019B960494DF}">
-                  <a14:hiddenLine xmlns="" xmlns:a14="http://schemas.microsoft.com/office/drawing/2010/main" w="9525">
+                  <a14:hiddenLine xmlns:a14="http://schemas.microsoft.com/office/drawing/2010/main" xmlns="" w="9525">
                     <a:solidFill>
                       <a:srgbClr val="000000"/>
                     </a:solidFill>
@@ -11492,7 +11492,7 @@
               </a:ln>
               <a:extLst>
                 <a:ext uri="{91240B29-F687-4f45-9708-019B960494DF}">
-                  <a14:hiddenLine xmlns="" xmlns:a14="http://schemas.microsoft.com/office/drawing/2010/main" w="9525">
+                  <a14:hiddenLine xmlns:a14="http://schemas.microsoft.com/office/drawing/2010/main" xmlns="" w="9525">
                     <a:solidFill>
                       <a:srgbClr val="000000"/>
                     </a:solidFill>
@@ -11582,7 +11582,7 @@
               </a:ln>
               <a:extLst>
                 <a:ext uri="{91240B29-F687-4f45-9708-019B960494DF}">
-                  <a14:hiddenLine xmlns="" xmlns:a14="http://schemas.microsoft.com/office/drawing/2010/main" w="9525">
+                  <a14:hiddenLine xmlns:a14="http://schemas.microsoft.com/office/drawing/2010/main" xmlns="" w="9525">
                     <a:solidFill>
                       <a:srgbClr val="000000"/>
                     </a:solidFill>
@@ -11644,7 +11644,7 @@
               </a:ln>
               <a:extLst>
                 <a:ext uri="{91240B29-F687-4f45-9708-019B960494DF}">
-                  <a14:hiddenLine xmlns="" xmlns:a14="http://schemas.microsoft.com/office/drawing/2010/main" w="9525">
+                  <a14:hiddenLine xmlns:a14="http://schemas.microsoft.com/office/drawing/2010/main" xmlns="" w="9525">
                     <a:solidFill>
                       <a:srgbClr val="000000"/>
                     </a:solidFill>
@@ -11734,7 +11734,7 @@
               </a:ln>
               <a:extLst>
                 <a:ext uri="{91240B29-F687-4f45-9708-019B960494DF}">
-                  <a14:hiddenLine xmlns="" xmlns:a14="http://schemas.microsoft.com/office/drawing/2010/main" w="9525">
+                  <a14:hiddenLine xmlns:a14="http://schemas.microsoft.com/office/drawing/2010/main" xmlns="" w="9525">
                     <a:solidFill>
                       <a:srgbClr val="000000"/>
                     </a:solidFill>
@@ -11799,7 +11799,7 @@
               </a:ln>
               <a:extLst>
                 <a:ext uri="{91240B29-F687-4f45-9708-019B960494DF}">
-                  <a14:hiddenLine xmlns="" xmlns:a14="http://schemas.microsoft.com/office/drawing/2010/main" w="9525">
+                  <a14:hiddenLine xmlns:a14="http://schemas.microsoft.com/office/drawing/2010/main" xmlns="" w="9525">
                     <a:solidFill>
                       <a:srgbClr val="000000"/>
                     </a:solidFill>
@@ -11861,7 +11861,7 @@
               </a:ln>
               <a:extLst>
                 <a:ext uri="{91240B29-F687-4f45-9708-019B960494DF}">
-                  <a14:hiddenLine xmlns="" xmlns:a14="http://schemas.microsoft.com/office/drawing/2010/main" w="9525">
+                  <a14:hiddenLine xmlns:a14="http://schemas.microsoft.com/office/drawing/2010/main" xmlns="" w="9525">
                     <a:solidFill>
                       <a:srgbClr val="000000"/>
                     </a:solidFill>
@@ -11951,7 +11951,7 @@
               </a:ln>
               <a:extLst>
                 <a:ext uri="{91240B29-F687-4f45-9708-019B960494DF}">
-                  <a14:hiddenLine xmlns="" xmlns:a14="http://schemas.microsoft.com/office/drawing/2010/main" w="9525">
+                  <a14:hiddenLine xmlns:a14="http://schemas.microsoft.com/office/drawing/2010/main" xmlns="" w="9525">
                     <a:solidFill>
                       <a:srgbClr val="000000"/>
                     </a:solidFill>
@@ -12041,7 +12041,7 @@
               </a:ln>
               <a:extLst>
                 <a:ext uri="{91240B29-F687-4f45-9708-019B960494DF}">
-                  <a14:hiddenLine xmlns="" xmlns:a14="http://schemas.microsoft.com/office/drawing/2010/main" w="9525">
+                  <a14:hiddenLine xmlns:a14="http://schemas.microsoft.com/office/drawing/2010/main" xmlns="" w="9525">
                     <a:solidFill>
                       <a:srgbClr val="000000"/>
                     </a:solidFill>
@@ -12106,7 +12106,7 @@
               </a:ln>
               <a:extLst>
                 <a:ext uri="{91240B29-F687-4f45-9708-019B960494DF}">
-                  <a14:hiddenLine xmlns="" xmlns:a14="http://schemas.microsoft.com/office/drawing/2010/main" w="9525">
+                  <a14:hiddenLine xmlns:a14="http://schemas.microsoft.com/office/drawing/2010/main" xmlns="" w="9525">
                     <a:solidFill>
                       <a:srgbClr val="000000"/>
                     </a:solidFill>
@@ -12226,7 +12226,7 @@
               </a:ln>
               <a:extLst>
                 <a:ext uri="{91240B29-F687-4f45-9708-019B960494DF}">
-                  <a14:hiddenLine xmlns="" xmlns:a14="http://schemas.microsoft.com/office/drawing/2010/main" w="9525">
+                  <a14:hiddenLine xmlns:a14="http://schemas.microsoft.com/office/drawing/2010/main" xmlns="" w="9525">
                     <a:solidFill>
                       <a:srgbClr val="000000"/>
                     </a:solidFill>
@@ -12324,7 +12324,7 @@
               </a:ln>
               <a:extLst>
                 <a:ext uri="{91240B29-F687-4f45-9708-019B960494DF}">
-                  <a14:hiddenLine xmlns="" xmlns:a14="http://schemas.microsoft.com/office/drawing/2010/main" w="9525">
+                  <a14:hiddenLine xmlns:a14="http://schemas.microsoft.com/office/drawing/2010/main" xmlns="" w="9525">
                     <a:solidFill>
                       <a:srgbClr val="000000"/>
                     </a:solidFill>
@@ -12439,7 +12439,7 @@
               </a:ln>
               <a:extLst>
                 <a:ext uri="{91240B29-F687-4f45-9708-019B960494DF}">
-                  <a14:hiddenLine xmlns="" xmlns:a14="http://schemas.microsoft.com/office/drawing/2010/main" w="9525">
+                  <a14:hiddenLine xmlns:a14="http://schemas.microsoft.com/office/drawing/2010/main" xmlns="" w="9525">
                     <a:solidFill>
                       <a:srgbClr val="000000"/>
                     </a:solidFill>
@@ -12529,7 +12529,7 @@
               </a:ln>
               <a:extLst>
                 <a:ext uri="{91240B29-F687-4f45-9708-019B960494DF}">
-                  <a14:hiddenLine xmlns="" xmlns:a14="http://schemas.microsoft.com/office/drawing/2010/main" w="9525">
+                  <a14:hiddenLine xmlns:a14="http://schemas.microsoft.com/office/drawing/2010/main" xmlns="" w="9525">
                     <a:solidFill>
                       <a:srgbClr val="000000"/>
                     </a:solidFill>
@@ -12594,7 +12594,7 @@
               </a:ln>
               <a:extLst>
                 <a:ext uri="{91240B29-F687-4f45-9708-019B960494DF}">
-                  <a14:hiddenLine xmlns="" xmlns:a14="http://schemas.microsoft.com/office/drawing/2010/main" w="9525">
+                  <a14:hiddenLine xmlns:a14="http://schemas.microsoft.com/office/drawing/2010/main" xmlns="" w="9525">
                     <a:solidFill>
                       <a:srgbClr val="000000"/>
                     </a:solidFill>
@@ -12684,7 +12684,7 @@
               </a:ln>
               <a:extLst>
                 <a:ext uri="{91240B29-F687-4f45-9708-019B960494DF}">
-                  <a14:hiddenLine xmlns="" xmlns:a14="http://schemas.microsoft.com/office/drawing/2010/main" w="9525">
+                  <a14:hiddenLine xmlns:a14="http://schemas.microsoft.com/office/drawing/2010/main" xmlns="" w="9525">
                     <a:solidFill>
                       <a:srgbClr val="000000"/>
                     </a:solidFill>
@@ -12752,7 +12752,7 @@
               </a:ln>
               <a:extLst>
                 <a:ext uri="{91240B29-F687-4f45-9708-019B960494DF}">
-                  <a14:hiddenLine xmlns="" xmlns:a14="http://schemas.microsoft.com/office/drawing/2010/main" w="9525">
+                  <a14:hiddenLine xmlns:a14="http://schemas.microsoft.com/office/drawing/2010/main" xmlns="" w="9525">
                     <a:solidFill>
                       <a:srgbClr val="000000"/>
                     </a:solidFill>
@@ -12842,7 +12842,7 @@
               </a:ln>
               <a:extLst>
                 <a:ext uri="{91240B29-F687-4f45-9708-019B960494DF}">
-                  <a14:hiddenLine xmlns="" xmlns:a14="http://schemas.microsoft.com/office/drawing/2010/main" w="9525">
+                  <a14:hiddenLine xmlns:a14="http://schemas.microsoft.com/office/drawing/2010/main" xmlns="" w="9525">
                     <a:solidFill>
                       <a:srgbClr val="000000"/>
                     </a:solidFill>
@@ -12910,7 +12910,7 @@
               </a:ln>
               <a:extLst>
                 <a:ext uri="{91240B29-F687-4f45-9708-019B960494DF}">
-                  <a14:hiddenLine xmlns="" xmlns:a14="http://schemas.microsoft.com/office/drawing/2010/main" w="9525">
+                  <a14:hiddenLine xmlns:a14="http://schemas.microsoft.com/office/drawing/2010/main" xmlns="" w="9525">
                     <a:solidFill>
                       <a:srgbClr val="000000"/>
                     </a:solidFill>
@@ -13000,7 +13000,7 @@
               </a:ln>
               <a:extLst>
                 <a:ext uri="{91240B29-F687-4f45-9708-019B960494DF}">
-                  <a14:hiddenLine xmlns="" xmlns:a14="http://schemas.microsoft.com/office/drawing/2010/main" w="9525">
+                  <a14:hiddenLine xmlns:a14="http://schemas.microsoft.com/office/drawing/2010/main" xmlns="" w="9525">
                     <a:solidFill>
                       <a:srgbClr val="000000"/>
                     </a:solidFill>
@@ -13034,7 +13034,7 @@
               </a:ln>
               <a:extLst>
                 <a:ext uri="{91240B29-F687-4f45-9708-019B960494DF}">
-                  <a14:hiddenLine xmlns="" xmlns:a14="http://schemas.microsoft.com/office/drawing/2010/main" w="9525">
+                  <a14:hiddenLine xmlns:a14="http://schemas.microsoft.com/office/drawing/2010/main" xmlns="" w="9525">
                     <a:solidFill>
                       <a:srgbClr val="000000"/>
                     </a:solidFill>
@@ -13175,7 +13175,7 @@
             <a:fld id="{48A87A34-81AB-432B-8DAE-1953F412C126}" type="datetimeFigureOut">
               <a:rPr lang="en-US" dirty="0"/>
               <a:pPr/>
-              <a:t>4/21/2023</a:t>
+              <a:t>4/25/2023</a:t>
             </a:fld>
             <a:endParaRPr lang="en-US" dirty="0"/>
           </a:p>
@@ -13689,7 +13689,7 @@
           <p:cNvPr id="2" name="Title 1">
             <a:extLst>
               <a:ext uri="{FF2B5EF4-FFF2-40B4-BE49-F238E27FC236}">
-                <a16:creationId xmlns:a16="http://schemas.microsoft.com/office/drawing/2014/main" id="{A1FDBB2E-6496-97C0-B99C-AD2B20A9A13B}"/>
+                <a16:creationId xmlns:a16="http://schemas.microsoft.com/office/drawing/2014/main" id="{BAFA8F5D-1B38-D783-7842-96904E40802F}"/>
               </a:ext>
             </a:extLst>
           </p:cNvPr>
@@ -13700,47 +13700,30 @@
             <p:ph type="title"/>
           </p:nvPr>
         </p:nvSpPr>
-        <p:spPr/>
+        <p:spPr>
+          <a:xfrm>
+            <a:off x="1143001" y="2689715"/>
+            <a:ext cx="9905998" cy="1478570"/>
+          </a:xfrm>
+        </p:spPr>
         <p:txBody>
-          <a:bodyPr/>
+          <a:bodyPr>
+            <a:noAutofit/>
+          </a:bodyPr>
           <a:lstStyle/>
           <a:p>
+            <a:pPr algn="ctr"/>
             <a:r>
-              <a:rPr lang="en-US" dirty="0"/>
-              <a:t>Future Plans!</a:t>
+              <a:rPr lang="en-US" sz="12500" dirty="0"/>
+              <a:t>Thank you!</a:t>
             </a:r>
-          </a:p>
-        </p:txBody>
-      </p:sp>
-      <p:sp>
-        <p:nvSpPr>
-          <p:cNvPr id="3" name="Content Placeholder 2">
-            <a:extLst>
-              <a:ext uri="{FF2B5EF4-FFF2-40B4-BE49-F238E27FC236}">
-                <a16:creationId xmlns:a16="http://schemas.microsoft.com/office/drawing/2014/main" id="{A8C78C33-059F-5657-C4C1-C8262AD3DE42}"/>
-              </a:ext>
-            </a:extLst>
-          </p:cNvPr>
-          <p:cNvSpPr>
-            <a:spLocks noGrp="1"/>
-          </p:cNvSpPr>
-          <p:nvPr>
-            <p:ph idx="1"/>
-          </p:nvPr>
-        </p:nvSpPr>
-        <p:spPr/>
-        <p:txBody>
-          <a:bodyPr/>
-          <a:lstStyle/>
-          <a:p>
-            <a:endParaRPr lang="en-US"/>
           </a:p>
         </p:txBody>
       </p:sp>
     </p:spTree>
     <p:extLst>
       <p:ext uri="{BB962C8B-B14F-4D97-AF65-F5344CB8AC3E}">
-        <p14:creationId xmlns:p14="http://schemas.microsoft.com/office/powerpoint/2010/main" val="1714005908"/>
+        <p14:creationId xmlns:p14="http://schemas.microsoft.com/office/powerpoint/2010/main" val="1596568303"/>
       </p:ext>
     </p:extLst>
   </p:cSld>
@@ -14199,121 +14182,6 @@
 </file>
 
 <file path=ppt/slides/slide5.xml><?xml version="1.0" encoding="utf-8"?>
-<p:sld xmlns:a="http://schemas.openxmlformats.org/drawingml/2006/main" xmlns:r="http://schemas.openxmlformats.org/officeDocument/2006/relationships" xmlns:p="http://schemas.openxmlformats.org/presentationml/2006/main">
-  <p:cSld>
-    <p:spTree>
-      <p:nvGrpSpPr>
-        <p:cNvPr id="1" name=""/>
-        <p:cNvGrpSpPr/>
-        <p:nvPr/>
-      </p:nvGrpSpPr>
-      <p:grpSpPr>
-        <a:xfrm>
-          <a:off x="0" y="0"/>
-          <a:ext cx="0" cy="0"/>
-          <a:chOff x="0" y="0"/>
-          <a:chExt cx="0" cy="0"/>
-        </a:xfrm>
-      </p:grpSpPr>
-      <p:sp>
-        <p:nvSpPr>
-          <p:cNvPr id="2" name="Title 1">
-            <a:extLst>
-              <a:ext uri="{FF2B5EF4-FFF2-40B4-BE49-F238E27FC236}">
-                <a16:creationId xmlns:a16="http://schemas.microsoft.com/office/drawing/2014/main" id="{8AEF906F-2E67-5EF8-0655-86EA8B317B23}"/>
-              </a:ext>
-            </a:extLst>
-          </p:cNvPr>
-          <p:cNvSpPr>
-            <a:spLocks noGrp="1"/>
-          </p:cNvSpPr>
-          <p:nvPr>
-            <p:ph type="title"/>
-          </p:nvPr>
-        </p:nvSpPr>
-        <p:spPr/>
-        <p:txBody>
-          <a:bodyPr/>
-          <a:lstStyle/>
-          <a:p>
-            <a:r>
-              <a:rPr lang="en-US" dirty="0"/>
-              <a:t>Code Snippets!</a:t>
-            </a:r>
-          </a:p>
-        </p:txBody>
-      </p:sp>
-      <p:sp>
-        <p:nvSpPr>
-          <p:cNvPr id="7" name="Content Placeholder 6">
-            <a:extLst>
-              <a:ext uri="{FF2B5EF4-FFF2-40B4-BE49-F238E27FC236}">
-                <a16:creationId xmlns:a16="http://schemas.microsoft.com/office/drawing/2014/main" id="{ACF5DBB0-63B4-5EA6-9D16-50CD1B2FB572}"/>
-              </a:ext>
-            </a:extLst>
-          </p:cNvPr>
-          <p:cNvSpPr>
-            <a:spLocks noGrp="1"/>
-          </p:cNvSpPr>
-          <p:nvPr>
-            <p:ph idx="1"/>
-          </p:nvPr>
-        </p:nvSpPr>
-        <p:spPr/>
-        <p:txBody>
-          <a:bodyPr>
-            <a:normAutofit fontScale="92500" lnSpcReduction="10000"/>
-          </a:bodyPr>
-          <a:lstStyle/>
-          <a:p>
-            <a:r>
-              <a:rPr lang="en-US" dirty="0">
-                <a:hlinkClick r:id="rId2" action="ppaction://hlinkfile"/>
-              </a:rPr>
-              <a:t>Building System</a:t>
-            </a:r>
-            <a:endParaRPr lang="en-US" dirty="0"/>
-          </a:p>
-          <a:p>
-            <a:r>
-              <a:rPr lang="en-US" dirty="0"/>
-              <a:t>This code is going to be used so players can place furniture or even models themselves. </a:t>
-            </a:r>
-          </a:p>
-          <a:p>
-            <a:r>
-              <a:rPr lang="en-US" dirty="0"/>
-              <a:t>I created this script in a normal 3D space because I wanted to mess around with it before I important it to VR.</a:t>
-            </a:r>
-          </a:p>
-          <a:p>
-            <a:r>
-              <a:rPr lang="en-US" dirty="0"/>
-              <a:t>I currently do not have it working for my VR game mainly because I do not know how I am going to go about implementing it.</a:t>
-            </a:r>
-          </a:p>
-          <a:p>
-            <a:r>
-              <a:rPr lang="en-US" dirty="0"/>
-              <a:t>Most likely, will have to do a little more research or even start it from scratch</a:t>
-            </a:r>
-          </a:p>
-        </p:txBody>
-      </p:sp>
-    </p:spTree>
-    <p:extLst>
-      <p:ext uri="{BB962C8B-B14F-4D97-AF65-F5344CB8AC3E}">
-        <p14:creationId xmlns:p14="http://schemas.microsoft.com/office/powerpoint/2010/main" val="3066596220"/>
-      </p:ext>
-    </p:extLst>
-  </p:cSld>
-  <p:clrMapOvr>
-    <a:masterClrMapping/>
-  </p:clrMapOvr>
-</p:sld>
-</file>
-
-<file path=ppt/slides/slide6.xml><?xml version="1.0" encoding="utf-8"?>
 <p:sld xmlns:a="http://schemas.openxmlformats.org/drawingml/2006/main" xmlns:r="http://schemas.openxmlformats.org/officeDocument/2006/relationships" xmlns:p="http://schemas.openxmlformats.org/presentationml/2006/main">
   <p:cSld>
     <p:spTree>
@@ -14527,7 +14395,7 @@
 </p:sld>
 </file>
 
-<file path=ppt/slides/slide7.xml><?xml version="1.0" encoding="utf-8"?>
+<file path=ppt/slides/slide6.xml><?xml version="1.0" encoding="utf-8"?>
 <p:sld xmlns:a="http://schemas.openxmlformats.org/drawingml/2006/main" xmlns:r="http://schemas.openxmlformats.org/officeDocument/2006/relationships" xmlns:p="http://schemas.openxmlformats.org/presentationml/2006/main">
   <p:cSld>
     <p:spTree>
@@ -14685,7 +14553,7 @@
 </p:sld>
 </file>
 
-<file path=ppt/slides/slide8.xml><?xml version="1.0" encoding="utf-8"?>
+<file path=ppt/slides/slide7.xml><?xml version="1.0" encoding="utf-8"?>
 <p:sld xmlns:a="http://schemas.openxmlformats.org/drawingml/2006/main" xmlns:r="http://schemas.openxmlformats.org/officeDocument/2006/relationships" xmlns:p="http://schemas.openxmlformats.org/presentationml/2006/main">
   <p:cSld>
     <p:spTree>
@@ -14994,7 +14862,7 @@
 </p:sld>
 </file>
 
-<file path=ppt/slides/slide9.xml><?xml version="1.0" encoding="utf-8"?>
+<file path=ppt/slides/slide8.xml><?xml version="1.0" encoding="utf-8"?>
 <p:sld xmlns:a="http://schemas.openxmlformats.org/drawingml/2006/main" xmlns:r="http://schemas.openxmlformats.org/officeDocument/2006/relationships" xmlns:p="http://schemas.openxmlformats.org/presentationml/2006/main">
   <p:cSld>
     <p:spTree>
@@ -15043,6 +14911,265 @@
     <p:extLst>
       <p:ext uri="{BB962C8B-B14F-4D97-AF65-F5344CB8AC3E}">
         <p14:creationId xmlns:p14="http://schemas.microsoft.com/office/powerpoint/2010/main" val="2089764213"/>
+      </p:ext>
+    </p:extLst>
+  </p:cSld>
+  <p:clrMapOvr>
+    <a:masterClrMapping/>
+  </p:clrMapOvr>
+</p:sld>
+</file>
+
+<file path=ppt/slides/slide9.xml><?xml version="1.0" encoding="utf-8"?>
+<p:sld xmlns:a="http://schemas.openxmlformats.org/drawingml/2006/main" xmlns:r="http://schemas.openxmlformats.org/officeDocument/2006/relationships" xmlns:p="http://schemas.openxmlformats.org/presentationml/2006/main">
+  <p:cSld>
+    <p:spTree>
+      <p:nvGrpSpPr>
+        <p:cNvPr id="1" name=""/>
+        <p:cNvGrpSpPr/>
+        <p:nvPr/>
+      </p:nvGrpSpPr>
+      <p:grpSpPr>
+        <a:xfrm>
+          <a:off x="0" y="0"/>
+          <a:ext cx="0" cy="0"/>
+          <a:chOff x="0" y="0"/>
+          <a:chExt cx="0" cy="0"/>
+        </a:xfrm>
+      </p:grpSpPr>
+      <p:sp>
+        <p:nvSpPr>
+          <p:cNvPr id="2" name="Title 1">
+            <a:extLst>
+              <a:ext uri="{FF2B5EF4-FFF2-40B4-BE49-F238E27FC236}">
+                <a16:creationId xmlns:a16="http://schemas.microsoft.com/office/drawing/2014/main" id="{A1FDBB2E-6496-97C0-B99C-AD2B20A9A13B}"/>
+              </a:ext>
+            </a:extLst>
+          </p:cNvPr>
+          <p:cNvSpPr>
+            <a:spLocks noGrp="1"/>
+          </p:cNvSpPr>
+          <p:nvPr>
+            <p:ph type="title"/>
+          </p:nvPr>
+        </p:nvSpPr>
+        <p:spPr/>
+        <p:txBody>
+          <a:bodyPr/>
+          <a:lstStyle/>
+          <a:p>
+            <a:r>
+              <a:rPr lang="en-US" dirty="0"/>
+              <a:t>Future Plans!</a:t>
+            </a:r>
+          </a:p>
+        </p:txBody>
+      </p:sp>
+      <p:sp>
+        <p:nvSpPr>
+          <p:cNvPr id="3" name="Content Placeholder 2">
+            <a:extLst>
+              <a:ext uri="{FF2B5EF4-FFF2-40B4-BE49-F238E27FC236}">
+                <a16:creationId xmlns:a16="http://schemas.microsoft.com/office/drawing/2014/main" id="{A8C78C33-059F-5657-C4C1-C8262AD3DE42}"/>
+              </a:ext>
+            </a:extLst>
+          </p:cNvPr>
+          <p:cNvSpPr>
+            <a:spLocks noGrp="1"/>
+          </p:cNvSpPr>
+          <p:nvPr>
+            <p:ph idx="1"/>
+          </p:nvPr>
+        </p:nvSpPr>
+        <p:spPr>
+          <a:xfrm>
+            <a:off x="1141413" y="2249487"/>
+            <a:ext cx="4852988" cy="3541714"/>
+          </a:xfrm>
+        </p:spPr>
+        <p:txBody>
+          <a:bodyPr>
+            <a:normAutofit fontScale="85000" lnSpcReduction="10000"/>
+          </a:bodyPr>
+          <a:lstStyle/>
+          <a:p>
+            <a:r>
+              <a:rPr lang="en-US" dirty="0"/>
+              <a:t>Biggest thing I want to add is three environments the player can choose from.</a:t>
+            </a:r>
+          </a:p>
+          <a:p>
+            <a:r>
+              <a:rPr lang="en-US" dirty="0"/>
+              <a:t>These environments will be used to put the house on display</a:t>
+            </a:r>
+          </a:p>
+          <a:p>
+            <a:r>
+              <a:rPr lang="en-US" dirty="0"/>
+              <a:t>Suburban , forest, and beach.</a:t>
+            </a:r>
+          </a:p>
+          <a:p>
+            <a:r>
+              <a:rPr lang="en-US" dirty="0"/>
+              <a:t>Also want to add furniture to the models</a:t>
+            </a:r>
+          </a:p>
+          <a:p>
+            <a:pPr lvl="1"/>
+            <a:r>
+              <a:rPr lang="en-US" dirty="0"/>
+              <a:t>Do not know to give the player the option to place them or just have them in the prefab.</a:t>
+            </a:r>
+          </a:p>
+        </p:txBody>
+      </p:sp>
+      <p:pic>
+        <p:nvPicPr>
+          <p:cNvPr id="1028" name="Picture 4" descr="New evidence cities rule and suburbs drool | Grist">
+            <a:extLst>
+              <a:ext uri="{FF2B5EF4-FFF2-40B4-BE49-F238E27FC236}">
+                <a16:creationId xmlns:a16="http://schemas.microsoft.com/office/drawing/2014/main" id="{924A515B-9AD8-68F4-DBE5-301B3C0487D5}"/>
+              </a:ext>
+            </a:extLst>
+          </p:cNvPr>
+          <p:cNvPicPr>
+            <a:picLocks noChangeAspect="1" noChangeArrowheads="1"/>
+          </p:cNvPicPr>
+          <p:nvPr/>
+        </p:nvPicPr>
+        <p:blipFill>
+          <a:blip r:embed="rId2">
+            <a:extLst>
+              <a:ext uri="{28A0092B-C50C-407E-A947-70E740481C1C}">
+                <a14:useLocalDpi xmlns:a14="http://schemas.microsoft.com/office/drawing/2010/main" val="0"/>
+              </a:ext>
+            </a:extLst>
+          </a:blip>
+          <a:srcRect/>
+          <a:stretch>
+            <a:fillRect/>
+          </a:stretch>
+        </p:blipFill>
+        <p:spPr bwMode="auto">
+          <a:xfrm>
+            <a:off x="6197601" y="377119"/>
+            <a:ext cx="2722416" cy="2040203"/>
+          </a:xfrm>
+          <a:prstGeom prst="rect">
+            <a:avLst/>
+          </a:prstGeom>
+          <a:noFill/>
+          <a:extLst>
+            <a:ext uri="{909E8E84-426E-40DD-AFC4-6F175D3DCCD1}">
+              <a14:hiddenFill xmlns:a14="http://schemas.microsoft.com/office/drawing/2010/main">
+                <a:solidFill>
+                  <a:srgbClr val="FFFFFF"/>
+                </a:solidFill>
+              </a14:hiddenFill>
+            </a:ext>
+          </a:extLst>
+        </p:spPr>
+      </p:pic>
+      <p:pic>
+        <p:nvPicPr>
+          <p:cNvPr id="1030" name="Picture 6" descr="This Rustic Modern House In The Forest Was Designed For A Family In Russia">
+            <a:extLst>
+              <a:ext uri="{FF2B5EF4-FFF2-40B4-BE49-F238E27FC236}">
+                <a16:creationId xmlns:a16="http://schemas.microsoft.com/office/drawing/2014/main" id="{10A543B7-B577-F67F-65CA-068A55613D96}"/>
+              </a:ext>
+            </a:extLst>
+          </p:cNvPr>
+          <p:cNvPicPr>
+            <a:picLocks noChangeAspect="1" noChangeArrowheads="1"/>
+          </p:cNvPicPr>
+          <p:nvPr/>
+        </p:nvPicPr>
+        <p:blipFill>
+          <a:blip r:embed="rId3">
+            <a:extLst>
+              <a:ext uri="{28A0092B-C50C-407E-A947-70E740481C1C}">
+                <a14:useLocalDpi xmlns:a14="http://schemas.microsoft.com/office/drawing/2010/main" val="0"/>
+              </a:ext>
+            </a:extLst>
+          </a:blip>
+          <a:srcRect/>
+          <a:stretch>
+            <a:fillRect/>
+          </a:stretch>
+        </p:blipFill>
+        <p:spPr bwMode="auto">
+          <a:xfrm>
+            <a:off x="9008534" y="2292806"/>
+            <a:ext cx="2997199" cy="1996884"/>
+          </a:xfrm>
+          <a:prstGeom prst="rect">
+            <a:avLst/>
+          </a:prstGeom>
+          <a:noFill/>
+          <a:extLst>
+            <a:ext uri="{909E8E84-426E-40DD-AFC4-6F175D3DCCD1}">
+              <a14:hiddenFill xmlns:a14="http://schemas.microsoft.com/office/drawing/2010/main">
+                <a:solidFill>
+                  <a:srgbClr val="FFFFFF"/>
+                </a:solidFill>
+              </a14:hiddenFill>
+            </a:ext>
+          </a:extLst>
+        </p:spPr>
+      </p:pic>
+      <p:pic>
+        <p:nvPicPr>
+          <p:cNvPr id="1032" name="Picture 8" descr="Benefits of living at a beach house">
+            <a:extLst>
+              <a:ext uri="{FF2B5EF4-FFF2-40B4-BE49-F238E27FC236}">
+                <a16:creationId xmlns:a16="http://schemas.microsoft.com/office/drawing/2014/main" id="{D3C76742-F04F-9D35-3788-35F6728C0B4D}"/>
+              </a:ext>
+            </a:extLst>
+          </p:cNvPr>
+          <p:cNvPicPr>
+            <a:picLocks noChangeAspect="1" noChangeArrowheads="1"/>
+          </p:cNvPicPr>
+          <p:nvPr/>
+        </p:nvPicPr>
+        <p:blipFill>
+          <a:blip r:embed="rId4">
+            <a:extLst>
+              <a:ext uri="{28A0092B-C50C-407E-A947-70E740481C1C}">
+                <a14:useLocalDpi xmlns:a14="http://schemas.microsoft.com/office/drawing/2010/main" val="0"/>
+              </a:ext>
+            </a:extLst>
+          </a:blip>
+          <a:srcRect/>
+          <a:stretch>
+            <a:fillRect/>
+          </a:stretch>
+        </p:blipFill>
+        <p:spPr bwMode="auto">
+          <a:xfrm>
+            <a:off x="6094412" y="4519523"/>
+            <a:ext cx="3546974" cy="2040203"/>
+          </a:xfrm>
+          <a:prstGeom prst="rect">
+            <a:avLst/>
+          </a:prstGeom>
+          <a:noFill/>
+          <a:extLst>
+            <a:ext uri="{909E8E84-426E-40DD-AFC4-6F175D3DCCD1}">
+              <a14:hiddenFill xmlns:a14="http://schemas.microsoft.com/office/drawing/2010/main">
+                <a:solidFill>
+                  <a:srgbClr val="FFFFFF"/>
+                </a:solidFill>
+              </a14:hiddenFill>
+            </a:ext>
+          </a:extLst>
+        </p:spPr>
+      </p:pic>
+    </p:spTree>
+    <p:extLst>
+      <p:ext uri="{BB962C8B-B14F-4D97-AF65-F5344CB8AC3E}">
+        <p14:creationId xmlns:p14="http://schemas.microsoft.com/office/powerpoint/2010/main" val="1714005908"/>
       </p:ext>
     </p:extLst>
   </p:cSld>

--- a/VR Presentation.pptx
+++ b/VR Presentation.pptx
@@ -1405,7 +1405,7 @@
           <a:noFill/>
           <a:extLst>
             <a:ext uri="{909E8E84-426E-40dd-AFC4-6F175D3DCCD1}">
-              <a14:hiddenFill xmlns:a14="http://schemas.microsoft.com/office/drawing/2010/main" xmlns="">
+              <a14:hiddenFill xmlns="" xmlns:a14="http://schemas.microsoft.com/office/drawing/2010/main">
                 <a:solidFill>
                   <a:srgbClr val="FFFFFF"/>
                 </a:solidFill>
@@ -1465,7 +1465,7 @@
             </a:ln>
             <a:extLst>
               <a:ext uri="{91240B29-F687-4f45-9708-019B960494DF}">
-                <a14:hiddenLine xmlns:a14="http://schemas.microsoft.com/office/drawing/2010/main" xmlns="" w="9525">
+                <a14:hiddenLine xmlns="" xmlns:a14="http://schemas.microsoft.com/office/drawing/2010/main" w="9525">
                   <a:solidFill>
                     <a:srgbClr val="000000"/>
                   </a:solidFill>
@@ -1555,7 +1555,7 @@
             </a:ln>
             <a:extLst>
               <a:ext uri="{91240B29-F687-4f45-9708-019B960494DF}">
-                <a14:hiddenLine xmlns:a14="http://schemas.microsoft.com/office/drawing/2010/main" xmlns="" w="9525">
+                <a14:hiddenLine xmlns="" xmlns:a14="http://schemas.microsoft.com/office/drawing/2010/main" w="9525">
                   <a:solidFill>
                     <a:srgbClr val="000000"/>
                   </a:solidFill>
@@ -1645,7 +1645,7 @@
             </a:ln>
             <a:extLst>
               <a:ext uri="{91240B29-F687-4f45-9708-019B960494DF}">
-                <a14:hiddenLine xmlns:a14="http://schemas.microsoft.com/office/drawing/2010/main" xmlns="" w="9525">
+                <a14:hiddenLine xmlns="" xmlns:a14="http://schemas.microsoft.com/office/drawing/2010/main" w="9525">
                   <a:solidFill>
                     <a:srgbClr val="000000"/>
                   </a:solidFill>
@@ -1679,7 +1679,7 @@
             </a:ln>
             <a:extLst>
               <a:ext uri="{91240B29-F687-4f45-9708-019B960494DF}">
-                <a14:hiddenLine xmlns:a14="http://schemas.microsoft.com/office/drawing/2010/main" xmlns="" w="9525">
+                <a14:hiddenLine xmlns="" xmlns:a14="http://schemas.microsoft.com/office/drawing/2010/main" w="9525">
                   <a:solidFill>
                     <a:srgbClr val="000000"/>
                   </a:solidFill>
@@ -1769,7 +1769,7 @@
             </a:ln>
             <a:extLst>
               <a:ext uri="{91240B29-F687-4f45-9708-019B960494DF}">
-                <a14:hiddenLine xmlns:a14="http://schemas.microsoft.com/office/drawing/2010/main" xmlns="" w="9525">
+                <a14:hiddenLine xmlns="" xmlns:a14="http://schemas.microsoft.com/office/drawing/2010/main" w="9525">
                   <a:solidFill>
                     <a:srgbClr val="000000"/>
                   </a:solidFill>
@@ -1831,7 +1831,7 @@
             </a:ln>
             <a:extLst>
               <a:ext uri="{91240B29-F687-4f45-9708-019B960494DF}">
-                <a14:hiddenLine xmlns:a14="http://schemas.microsoft.com/office/drawing/2010/main" xmlns="" w="9525">
+                <a14:hiddenLine xmlns="" xmlns:a14="http://schemas.microsoft.com/office/drawing/2010/main" w="9525">
                   <a:solidFill>
                     <a:srgbClr val="000000"/>
                   </a:solidFill>
@@ -1893,7 +1893,7 @@
             </a:ln>
             <a:extLst>
               <a:ext uri="{91240B29-F687-4f45-9708-019B960494DF}">
-                <a14:hiddenLine xmlns:a14="http://schemas.microsoft.com/office/drawing/2010/main" xmlns="" w="9525">
+                <a14:hiddenLine xmlns="" xmlns:a14="http://schemas.microsoft.com/office/drawing/2010/main" w="9525">
                   <a:solidFill>
                     <a:srgbClr val="000000"/>
                   </a:solidFill>
@@ -1983,7 +1983,7 @@
             </a:ln>
             <a:extLst>
               <a:ext uri="{91240B29-F687-4f45-9708-019B960494DF}">
-                <a14:hiddenLine xmlns:a14="http://schemas.microsoft.com/office/drawing/2010/main" xmlns="" w="9525">
+                <a14:hiddenLine xmlns="" xmlns:a14="http://schemas.microsoft.com/office/drawing/2010/main" w="9525">
                   <a:solidFill>
                     <a:srgbClr val="000000"/>
                   </a:solidFill>
@@ -2045,7 +2045,7 @@
             </a:ln>
             <a:extLst>
               <a:ext uri="{91240B29-F687-4f45-9708-019B960494DF}">
-                <a14:hiddenLine xmlns:a14="http://schemas.microsoft.com/office/drawing/2010/main" xmlns="" w="9525">
+                <a14:hiddenLine xmlns="" xmlns:a14="http://schemas.microsoft.com/office/drawing/2010/main" w="9525">
                   <a:solidFill>
                     <a:srgbClr val="000000"/>
                   </a:solidFill>
@@ -2107,7 +2107,7 @@
             </a:ln>
             <a:extLst>
               <a:ext uri="{91240B29-F687-4f45-9708-019B960494DF}">
-                <a14:hiddenLine xmlns:a14="http://schemas.microsoft.com/office/drawing/2010/main" xmlns="" w="9525">
+                <a14:hiddenLine xmlns="" xmlns:a14="http://schemas.microsoft.com/office/drawing/2010/main" w="9525">
                   <a:solidFill>
                     <a:srgbClr val="000000"/>
                   </a:solidFill>
@@ -2197,7 +2197,7 @@
             </a:ln>
             <a:extLst>
               <a:ext uri="{91240B29-F687-4f45-9708-019B960494DF}">
-                <a14:hiddenLine xmlns:a14="http://schemas.microsoft.com/office/drawing/2010/main" xmlns="" w="9525">
+                <a14:hiddenLine xmlns="" xmlns:a14="http://schemas.microsoft.com/office/drawing/2010/main" w="9525">
                   <a:solidFill>
                     <a:srgbClr val="000000"/>
                   </a:solidFill>
@@ -2287,7 +2287,7 @@
             </a:ln>
             <a:extLst>
               <a:ext uri="{91240B29-F687-4f45-9708-019B960494DF}">
-                <a14:hiddenLine xmlns:a14="http://schemas.microsoft.com/office/drawing/2010/main" xmlns="" w="9525">
+                <a14:hiddenLine xmlns="" xmlns:a14="http://schemas.microsoft.com/office/drawing/2010/main" w="9525">
                   <a:solidFill>
                     <a:srgbClr val="000000"/>
                   </a:solidFill>
@@ -2349,7 +2349,7 @@
             </a:ln>
             <a:extLst>
               <a:ext uri="{91240B29-F687-4f45-9708-019B960494DF}">
-                <a14:hiddenLine xmlns:a14="http://schemas.microsoft.com/office/drawing/2010/main" xmlns="" w="9525">
+                <a14:hiddenLine xmlns="" xmlns:a14="http://schemas.microsoft.com/office/drawing/2010/main" w="9525">
                   <a:solidFill>
                     <a:srgbClr val="000000"/>
                   </a:solidFill>
@@ -2459,7 +2459,7 @@
             </a:ln>
             <a:extLst>
               <a:ext uri="{91240B29-F687-4f45-9708-019B960494DF}">
-                <a14:hiddenLine xmlns:a14="http://schemas.microsoft.com/office/drawing/2010/main" xmlns="" w="9525">
+                <a14:hiddenLine xmlns="" xmlns:a14="http://schemas.microsoft.com/office/drawing/2010/main" w="9525">
                   <a:solidFill>
                     <a:srgbClr val="000000"/>
                   </a:solidFill>
@@ -2521,7 +2521,7 @@
             </a:ln>
             <a:extLst>
               <a:ext uri="{91240B29-F687-4f45-9708-019B960494DF}">
-                <a14:hiddenLine xmlns:a14="http://schemas.microsoft.com/office/drawing/2010/main" xmlns="" w="9525">
+                <a14:hiddenLine xmlns="" xmlns:a14="http://schemas.microsoft.com/office/drawing/2010/main" w="9525">
                   <a:solidFill>
                     <a:srgbClr val="000000"/>
                   </a:solidFill>
@@ -2611,7 +2611,7 @@
             </a:ln>
             <a:extLst>
               <a:ext uri="{91240B29-F687-4f45-9708-019B960494DF}">
-                <a14:hiddenLine xmlns:a14="http://schemas.microsoft.com/office/drawing/2010/main" xmlns="" w="9525">
+                <a14:hiddenLine xmlns="" xmlns:a14="http://schemas.microsoft.com/office/drawing/2010/main" w="9525">
                   <a:solidFill>
                     <a:srgbClr val="000000"/>
                   </a:solidFill>
@@ -2701,7 +2701,7 @@
             </a:ln>
             <a:extLst>
               <a:ext uri="{91240B29-F687-4f45-9708-019B960494DF}">
-                <a14:hiddenLine xmlns:a14="http://schemas.microsoft.com/office/drawing/2010/main" xmlns="" w="9525">
+                <a14:hiddenLine xmlns="" xmlns:a14="http://schemas.microsoft.com/office/drawing/2010/main" w="9525">
                   <a:solidFill>
                     <a:srgbClr val="000000"/>
                   </a:solidFill>
@@ -2763,7 +2763,7 @@
             </a:ln>
             <a:extLst>
               <a:ext uri="{91240B29-F687-4f45-9708-019B960494DF}">
-                <a14:hiddenLine xmlns:a14="http://schemas.microsoft.com/office/drawing/2010/main" xmlns="" w="9525">
+                <a14:hiddenLine xmlns="" xmlns:a14="http://schemas.microsoft.com/office/drawing/2010/main" w="9525">
                   <a:solidFill>
                     <a:srgbClr val="000000"/>
                   </a:solidFill>
@@ -2853,7 +2853,7 @@
             </a:ln>
             <a:extLst>
               <a:ext uri="{91240B29-F687-4f45-9708-019B960494DF}">
-                <a14:hiddenLine xmlns:a14="http://schemas.microsoft.com/office/drawing/2010/main" xmlns="" w="9525">
+                <a14:hiddenLine xmlns="" xmlns:a14="http://schemas.microsoft.com/office/drawing/2010/main" w="9525">
                   <a:solidFill>
                     <a:srgbClr val="000000"/>
                   </a:solidFill>
@@ -2943,7 +2943,7 @@
             </a:ln>
             <a:extLst>
               <a:ext uri="{91240B29-F687-4f45-9708-019B960494DF}">
-                <a14:hiddenLine xmlns:a14="http://schemas.microsoft.com/office/drawing/2010/main" xmlns="" w="9525">
+                <a14:hiddenLine xmlns="" xmlns:a14="http://schemas.microsoft.com/office/drawing/2010/main" w="9525">
                   <a:solidFill>
                     <a:srgbClr val="000000"/>
                   </a:solidFill>
@@ -2999,7 +2999,7 @@
             </a:ln>
             <a:extLst>
               <a:ext uri="{91240B29-F687-4f45-9708-019B960494DF}">
-                <a14:hiddenLine xmlns:a14="http://schemas.microsoft.com/office/drawing/2010/main" xmlns="" w="9525">
+                <a14:hiddenLine xmlns="" xmlns:a14="http://schemas.microsoft.com/office/drawing/2010/main" w="9525">
                   <a:solidFill>
                     <a:srgbClr val="000000"/>
                   </a:solidFill>
@@ -3089,7 +3089,7 @@
             </a:ln>
             <a:extLst>
               <a:ext uri="{91240B29-F687-4f45-9708-019B960494DF}">
-                <a14:hiddenLine xmlns:a14="http://schemas.microsoft.com/office/drawing/2010/main" xmlns="" w="9525">
+                <a14:hiddenLine xmlns="" xmlns:a14="http://schemas.microsoft.com/office/drawing/2010/main" w="9525">
                   <a:solidFill>
                     <a:srgbClr val="000000"/>
                   </a:solidFill>
@@ -3145,7 +3145,7 @@
             </a:ln>
             <a:extLst>
               <a:ext uri="{91240B29-F687-4f45-9708-019B960494DF}">
-                <a14:hiddenLine xmlns:a14="http://schemas.microsoft.com/office/drawing/2010/main" xmlns="" w="9525">
+                <a14:hiddenLine xmlns="" xmlns:a14="http://schemas.microsoft.com/office/drawing/2010/main" w="9525">
                   <a:solidFill>
                     <a:srgbClr val="000000"/>
                   </a:solidFill>
@@ -3235,7 +3235,7 @@
             </a:ln>
             <a:extLst>
               <a:ext uri="{91240B29-F687-4f45-9708-019B960494DF}">
-                <a14:hiddenLine xmlns:a14="http://schemas.microsoft.com/office/drawing/2010/main" xmlns="" w="9525">
+                <a14:hiddenLine xmlns="" xmlns:a14="http://schemas.microsoft.com/office/drawing/2010/main" w="9525">
                   <a:solidFill>
                     <a:srgbClr val="000000"/>
                   </a:solidFill>
@@ -3303,7 +3303,7 @@
             </a:ln>
             <a:extLst>
               <a:ext uri="{91240B29-F687-4f45-9708-019B960494DF}">
-                <a14:hiddenLine xmlns:a14="http://schemas.microsoft.com/office/drawing/2010/main" xmlns="" w="9525">
+                <a14:hiddenLine xmlns="" xmlns:a14="http://schemas.microsoft.com/office/drawing/2010/main" w="9525">
                   <a:solidFill>
                     <a:srgbClr val="000000"/>
                   </a:solidFill>
@@ -3393,7 +3393,7 @@
             </a:ln>
             <a:extLst>
               <a:ext uri="{91240B29-F687-4f45-9708-019B960494DF}">
-                <a14:hiddenLine xmlns:a14="http://schemas.microsoft.com/office/drawing/2010/main" xmlns="" w="9525">
+                <a14:hiddenLine xmlns="" xmlns:a14="http://schemas.microsoft.com/office/drawing/2010/main" w="9525">
                   <a:solidFill>
                     <a:srgbClr val="000000"/>
                   </a:solidFill>
@@ -3461,7 +3461,7 @@
             </a:ln>
             <a:extLst>
               <a:ext uri="{91240B29-F687-4f45-9708-019B960494DF}">
-                <a14:hiddenLine xmlns:a14="http://schemas.microsoft.com/office/drawing/2010/main" xmlns="" w="9525">
+                <a14:hiddenLine xmlns="" xmlns:a14="http://schemas.microsoft.com/office/drawing/2010/main" w="9525">
                   <a:solidFill>
                     <a:srgbClr val="000000"/>
                   </a:solidFill>
@@ -3551,7 +3551,7 @@
             </a:ln>
             <a:extLst>
               <a:ext uri="{91240B29-F687-4f45-9708-019B960494DF}">
-                <a14:hiddenLine xmlns:a14="http://schemas.microsoft.com/office/drawing/2010/main" xmlns="" w="9525">
+                <a14:hiddenLine xmlns="" xmlns:a14="http://schemas.microsoft.com/office/drawing/2010/main" w="9525">
                   <a:solidFill>
                     <a:srgbClr val="000000"/>
                   </a:solidFill>
@@ -3585,7 +3585,7 @@
             </a:ln>
             <a:extLst>
               <a:ext uri="{91240B29-F687-4f45-9708-019B960494DF}">
-                <a14:hiddenLine xmlns:a14="http://schemas.microsoft.com/office/drawing/2010/main" xmlns="" w="9525">
+                <a14:hiddenLine xmlns="" xmlns:a14="http://schemas.microsoft.com/office/drawing/2010/main" w="9525">
                   <a:solidFill>
                     <a:srgbClr val="000000"/>
                   </a:solidFill>
@@ -3675,7 +3675,7 @@
             </a:ln>
             <a:extLst>
               <a:ext uri="{91240B29-F687-4f45-9708-019B960494DF}">
-                <a14:hiddenLine xmlns:a14="http://schemas.microsoft.com/office/drawing/2010/main" xmlns="" w="9525">
+                <a14:hiddenLine xmlns="" xmlns:a14="http://schemas.microsoft.com/office/drawing/2010/main" w="9525">
                   <a:solidFill>
                     <a:srgbClr val="000000"/>
                   </a:solidFill>
@@ -3737,7 +3737,7 @@
             </a:ln>
             <a:extLst>
               <a:ext uri="{91240B29-F687-4f45-9708-019B960494DF}">
-                <a14:hiddenLine xmlns:a14="http://schemas.microsoft.com/office/drawing/2010/main" xmlns="" w="9525">
+                <a14:hiddenLine xmlns="" xmlns:a14="http://schemas.microsoft.com/office/drawing/2010/main" w="9525">
                   <a:solidFill>
                     <a:srgbClr val="000000"/>
                   </a:solidFill>
@@ -3799,7 +3799,7 @@
             </a:ln>
             <a:extLst>
               <a:ext uri="{91240B29-F687-4f45-9708-019B960494DF}">
-                <a14:hiddenLine xmlns:a14="http://schemas.microsoft.com/office/drawing/2010/main" xmlns="" w="9525">
+                <a14:hiddenLine xmlns="" xmlns:a14="http://schemas.microsoft.com/office/drawing/2010/main" w="9525">
                   <a:solidFill>
                     <a:srgbClr val="000000"/>
                   </a:solidFill>
@@ -3889,7 +3889,7 @@
             </a:ln>
             <a:extLst>
               <a:ext uri="{91240B29-F687-4f45-9708-019B960494DF}">
-                <a14:hiddenLine xmlns:a14="http://schemas.microsoft.com/office/drawing/2010/main" xmlns="" w="9525">
+                <a14:hiddenLine xmlns="" xmlns:a14="http://schemas.microsoft.com/office/drawing/2010/main" w="9525">
                   <a:solidFill>
                     <a:srgbClr val="000000"/>
                   </a:solidFill>
@@ -3957,7 +3957,7 @@
             </a:ln>
             <a:extLst>
               <a:ext uri="{91240B29-F687-4f45-9708-019B960494DF}">
-                <a14:hiddenLine xmlns:a14="http://schemas.microsoft.com/office/drawing/2010/main" xmlns="" w="9525">
+                <a14:hiddenLine xmlns="" xmlns:a14="http://schemas.microsoft.com/office/drawing/2010/main" w="9525">
                   <a:solidFill>
                     <a:srgbClr val="000000"/>
                   </a:solidFill>
@@ -4019,7 +4019,7 @@
             </a:ln>
             <a:extLst>
               <a:ext uri="{91240B29-F687-4f45-9708-019B960494DF}">
-                <a14:hiddenLine xmlns:a14="http://schemas.microsoft.com/office/drawing/2010/main" xmlns="" w="9525">
+                <a14:hiddenLine xmlns="" xmlns:a14="http://schemas.microsoft.com/office/drawing/2010/main" w="9525">
                   <a:solidFill>
                     <a:srgbClr val="000000"/>
                   </a:solidFill>
@@ -4109,7 +4109,7 @@
             </a:ln>
             <a:extLst>
               <a:ext uri="{91240B29-F687-4f45-9708-019B960494DF}">
-                <a14:hiddenLine xmlns:a14="http://schemas.microsoft.com/office/drawing/2010/main" xmlns="" w="9525">
+                <a14:hiddenLine xmlns="" xmlns:a14="http://schemas.microsoft.com/office/drawing/2010/main" w="9525">
                   <a:solidFill>
                     <a:srgbClr val="000000"/>
                   </a:solidFill>
@@ -4171,7 +4171,7 @@
             </a:ln>
             <a:extLst>
               <a:ext uri="{91240B29-F687-4f45-9708-019B960494DF}">
-                <a14:hiddenLine xmlns:a14="http://schemas.microsoft.com/office/drawing/2010/main" xmlns="" w="9525">
+                <a14:hiddenLine xmlns="" xmlns:a14="http://schemas.microsoft.com/office/drawing/2010/main" w="9525">
                   <a:solidFill>
                     <a:srgbClr val="000000"/>
                   </a:solidFill>
@@ -4261,7 +4261,7 @@
             </a:ln>
             <a:extLst>
               <a:ext uri="{91240B29-F687-4f45-9708-019B960494DF}">
-                <a14:hiddenLine xmlns:a14="http://schemas.microsoft.com/office/drawing/2010/main" xmlns="" w="9525">
+                <a14:hiddenLine xmlns="" xmlns:a14="http://schemas.microsoft.com/office/drawing/2010/main" w="9525">
                   <a:solidFill>
                     <a:srgbClr val="000000"/>
                   </a:solidFill>
@@ -4323,7 +4323,7 @@
             </a:ln>
             <a:extLst>
               <a:ext uri="{91240B29-F687-4f45-9708-019B960494DF}">
-                <a14:hiddenLine xmlns:a14="http://schemas.microsoft.com/office/drawing/2010/main" xmlns="" w="9525">
+                <a14:hiddenLine xmlns="" xmlns:a14="http://schemas.microsoft.com/office/drawing/2010/main" w="9525">
                   <a:solidFill>
                     <a:srgbClr val="000000"/>
                   </a:solidFill>
@@ -4413,7 +4413,7 @@
             </a:ln>
             <a:extLst>
               <a:ext uri="{91240B29-F687-4f45-9708-019B960494DF}">
-                <a14:hiddenLine xmlns:a14="http://schemas.microsoft.com/office/drawing/2010/main" xmlns="" w="9525">
+                <a14:hiddenLine xmlns="" xmlns:a14="http://schemas.microsoft.com/office/drawing/2010/main" w="9525">
                   <a:solidFill>
                     <a:srgbClr val="000000"/>
                   </a:solidFill>
@@ -4447,7 +4447,7 @@
             </a:ln>
             <a:extLst>
               <a:ext uri="{91240B29-F687-4f45-9708-019B960494DF}">
-                <a14:hiddenLine xmlns:a14="http://schemas.microsoft.com/office/drawing/2010/main" xmlns="" w="9525">
+                <a14:hiddenLine xmlns="" xmlns:a14="http://schemas.microsoft.com/office/drawing/2010/main" w="9525">
                   <a:solidFill>
                     <a:srgbClr val="000000"/>
                   </a:solidFill>
@@ -4512,7 +4512,7 @@
             </a:ln>
             <a:extLst>
               <a:ext uri="{91240B29-F687-4f45-9708-019B960494DF}">
-                <a14:hiddenLine xmlns:a14="http://schemas.microsoft.com/office/drawing/2010/main" xmlns="" w="9525">
+                <a14:hiddenLine xmlns="" xmlns:a14="http://schemas.microsoft.com/office/drawing/2010/main" w="9525">
                   <a:solidFill>
                     <a:srgbClr val="000000"/>
                   </a:solidFill>
@@ -4602,7 +4602,7 @@
             </a:ln>
             <a:extLst>
               <a:ext uri="{91240B29-F687-4f45-9708-019B960494DF}">
-                <a14:hiddenLine xmlns:a14="http://schemas.microsoft.com/office/drawing/2010/main" xmlns="" w="9525">
+                <a14:hiddenLine xmlns="" xmlns:a14="http://schemas.microsoft.com/office/drawing/2010/main" w="9525">
                   <a:solidFill>
                     <a:srgbClr val="000000"/>
                   </a:solidFill>
@@ -4664,7 +4664,7 @@
             </a:ln>
             <a:extLst>
               <a:ext uri="{91240B29-F687-4f45-9708-019B960494DF}">
-                <a14:hiddenLine xmlns:a14="http://schemas.microsoft.com/office/drawing/2010/main" xmlns="" w="9525">
+                <a14:hiddenLine xmlns="" xmlns:a14="http://schemas.microsoft.com/office/drawing/2010/main" w="9525">
                   <a:solidFill>
                     <a:srgbClr val="000000"/>
                   </a:solidFill>
@@ -4754,7 +4754,7 @@
             </a:ln>
             <a:extLst>
               <a:ext uri="{91240B29-F687-4f45-9708-019B960494DF}">
-                <a14:hiddenLine xmlns:a14="http://schemas.microsoft.com/office/drawing/2010/main" xmlns="" w="9525">
+                <a14:hiddenLine xmlns="" xmlns:a14="http://schemas.microsoft.com/office/drawing/2010/main" w="9525">
                   <a:solidFill>
                     <a:srgbClr val="000000"/>
                   </a:solidFill>
@@ -4844,7 +4844,7 @@
             </a:ln>
             <a:extLst>
               <a:ext uri="{91240B29-F687-4f45-9708-019B960494DF}">
-                <a14:hiddenLine xmlns:a14="http://schemas.microsoft.com/office/drawing/2010/main" xmlns="" w="9525">
+                <a14:hiddenLine xmlns="" xmlns:a14="http://schemas.microsoft.com/office/drawing/2010/main" w="9525">
                   <a:solidFill>
                     <a:srgbClr val="000000"/>
                   </a:solidFill>
@@ -4909,7 +4909,7 @@
             </a:ln>
             <a:extLst>
               <a:ext uri="{91240B29-F687-4f45-9708-019B960494DF}">
-                <a14:hiddenLine xmlns:a14="http://schemas.microsoft.com/office/drawing/2010/main" xmlns="" w="9525">
+                <a14:hiddenLine xmlns="" xmlns:a14="http://schemas.microsoft.com/office/drawing/2010/main" w="9525">
                   <a:solidFill>
                     <a:srgbClr val="000000"/>
                   </a:solidFill>
@@ -4971,7 +4971,7 @@
             </a:ln>
             <a:extLst>
               <a:ext uri="{91240B29-F687-4f45-9708-019B960494DF}">
-                <a14:hiddenLine xmlns:a14="http://schemas.microsoft.com/office/drawing/2010/main" xmlns="" w="9525">
+                <a14:hiddenLine xmlns="" xmlns:a14="http://schemas.microsoft.com/office/drawing/2010/main" w="9525">
                   <a:solidFill>
                     <a:srgbClr val="000000"/>
                   </a:solidFill>
@@ -5061,7 +5061,7 @@
             </a:ln>
             <a:extLst>
               <a:ext uri="{91240B29-F687-4f45-9708-019B960494DF}">
-                <a14:hiddenLine xmlns:a14="http://schemas.microsoft.com/office/drawing/2010/main" xmlns="" w="9525">
+                <a14:hiddenLine xmlns="" xmlns:a14="http://schemas.microsoft.com/office/drawing/2010/main" w="9525">
                   <a:solidFill>
                     <a:srgbClr val="000000"/>
                   </a:solidFill>
@@ -5151,7 +5151,7 @@
             </a:ln>
             <a:extLst>
               <a:ext uri="{91240B29-F687-4f45-9708-019B960494DF}">
-                <a14:hiddenLine xmlns:a14="http://schemas.microsoft.com/office/drawing/2010/main" xmlns="" w="9525">
+                <a14:hiddenLine xmlns="" xmlns:a14="http://schemas.microsoft.com/office/drawing/2010/main" w="9525">
                   <a:solidFill>
                     <a:srgbClr val="000000"/>
                   </a:solidFill>
@@ -5213,7 +5213,7 @@
             </a:ln>
             <a:extLst>
               <a:ext uri="{91240B29-F687-4f45-9708-019B960494DF}">
-                <a14:hiddenLine xmlns:a14="http://schemas.microsoft.com/office/drawing/2010/main" xmlns="" w="9525">
+                <a14:hiddenLine xmlns="" xmlns:a14="http://schemas.microsoft.com/office/drawing/2010/main" w="9525">
                   <a:solidFill>
                     <a:srgbClr val="000000"/>
                   </a:solidFill>
@@ -5333,7 +5333,7 @@
             </a:ln>
             <a:extLst>
               <a:ext uri="{91240B29-F687-4f45-9708-019B960494DF}">
-                <a14:hiddenLine xmlns:a14="http://schemas.microsoft.com/office/drawing/2010/main" xmlns="" w="9525">
+                <a14:hiddenLine xmlns="" xmlns:a14="http://schemas.microsoft.com/office/drawing/2010/main" w="9525">
                   <a:solidFill>
                     <a:srgbClr val="000000"/>
                   </a:solidFill>
@@ -5401,7 +5401,7 @@
             </a:ln>
             <a:extLst>
               <a:ext uri="{91240B29-F687-4f45-9708-019B960494DF}">
-                <a14:hiddenLine xmlns:a14="http://schemas.microsoft.com/office/drawing/2010/main" xmlns="" w="9525">
+                <a14:hiddenLine xmlns="" xmlns:a14="http://schemas.microsoft.com/office/drawing/2010/main" w="9525">
                   <a:solidFill>
                     <a:srgbClr val="000000"/>
                   </a:solidFill>
@@ -5491,7 +5491,7 @@
             </a:ln>
             <a:extLst>
               <a:ext uri="{91240B29-F687-4f45-9708-019B960494DF}">
-                <a14:hiddenLine xmlns:a14="http://schemas.microsoft.com/office/drawing/2010/main" xmlns="" w="9525">
+                <a14:hiddenLine xmlns="" xmlns:a14="http://schemas.microsoft.com/office/drawing/2010/main" w="9525">
                   <a:solidFill>
                     <a:srgbClr val="000000"/>
                   </a:solidFill>
@@ -10213,7 +10213,7 @@
           <a:noFill/>
           <a:extLst>
             <a:ext uri="{909E8E84-426E-40dd-AFC4-6F175D3DCCD1}">
-              <a14:hiddenFill xmlns:a14="http://schemas.microsoft.com/office/drawing/2010/main" xmlns="">
+              <a14:hiddenFill xmlns="" xmlns:a14="http://schemas.microsoft.com/office/drawing/2010/main">
                 <a:solidFill>
                   <a:srgbClr val="FFFFFF"/>
                 </a:solidFill>
@@ -10287,7 +10287,7 @@
               </a:ln>
               <a:extLst>
                 <a:ext uri="{91240B29-F687-4f45-9708-019B960494DF}">
-                  <a14:hiddenLine xmlns:a14="http://schemas.microsoft.com/office/drawing/2010/main" xmlns="" w="9525">
+                  <a14:hiddenLine xmlns="" xmlns:a14="http://schemas.microsoft.com/office/drawing/2010/main" w="9525">
                     <a:solidFill>
                       <a:srgbClr val="000000"/>
                     </a:solidFill>
@@ -10377,7 +10377,7 @@
               </a:ln>
               <a:extLst>
                 <a:ext uri="{91240B29-F687-4f45-9708-019B960494DF}">
-                  <a14:hiddenLine xmlns:a14="http://schemas.microsoft.com/office/drawing/2010/main" xmlns="" w="9525">
+                  <a14:hiddenLine xmlns="" xmlns:a14="http://schemas.microsoft.com/office/drawing/2010/main" w="9525">
                     <a:solidFill>
                       <a:srgbClr val="000000"/>
                     </a:solidFill>
@@ -10467,7 +10467,7 @@
               </a:ln>
               <a:extLst>
                 <a:ext uri="{91240B29-F687-4f45-9708-019B960494DF}">
-                  <a14:hiddenLine xmlns:a14="http://schemas.microsoft.com/office/drawing/2010/main" xmlns="" w="9525">
+                  <a14:hiddenLine xmlns="" xmlns:a14="http://schemas.microsoft.com/office/drawing/2010/main" w="9525">
                     <a:solidFill>
                       <a:srgbClr val="000000"/>
                     </a:solidFill>
@@ -10529,7 +10529,7 @@
               </a:ln>
               <a:extLst>
                 <a:ext uri="{91240B29-F687-4f45-9708-019B960494DF}">
-                  <a14:hiddenLine xmlns:a14="http://schemas.microsoft.com/office/drawing/2010/main" xmlns="" w="9525">
+                  <a14:hiddenLine xmlns="" xmlns:a14="http://schemas.microsoft.com/office/drawing/2010/main" w="9525">
                     <a:solidFill>
                       <a:srgbClr val="000000"/>
                     </a:solidFill>
@@ -10619,7 +10619,7 @@
               </a:ln>
               <a:extLst>
                 <a:ext uri="{91240B29-F687-4f45-9708-019B960494DF}">
-                  <a14:hiddenLine xmlns:a14="http://schemas.microsoft.com/office/drawing/2010/main" xmlns="" w="9525">
+                  <a14:hiddenLine xmlns="" xmlns:a14="http://schemas.microsoft.com/office/drawing/2010/main" w="9525">
                     <a:solidFill>
                       <a:srgbClr val="000000"/>
                     </a:solidFill>
@@ -10681,7 +10681,7 @@
               </a:ln>
               <a:extLst>
                 <a:ext uri="{91240B29-F687-4f45-9708-019B960494DF}">
-                  <a14:hiddenLine xmlns:a14="http://schemas.microsoft.com/office/drawing/2010/main" xmlns="" w="9525">
+                  <a14:hiddenLine xmlns="" xmlns:a14="http://schemas.microsoft.com/office/drawing/2010/main" w="9525">
                     <a:solidFill>
                       <a:srgbClr val="000000"/>
                     </a:solidFill>
@@ -10743,7 +10743,7 @@
               </a:ln>
               <a:extLst>
                 <a:ext uri="{91240B29-F687-4f45-9708-019B960494DF}">
-                  <a14:hiddenLine xmlns:a14="http://schemas.microsoft.com/office/drawing/2010/main" xmlns="" w="9525">
+                  <a14:hiddenLine xmlns="" xmlns:a14="http://schemas.microsoft.com/office/drawing/2010/main" w="9525">
                     <a:solidFill>
                       <a:srgbClr val="000000"/>
                     </a:solidFill>
@@ -10833,7 +10833,7 @@
               </a:ln>
               <a:extLst>
                 <a:ext uri="{91240B29-F687-4f45-9708-019B960494DF}">
-                  <a14:hiddenLine xmlns:a14="http://schemas.microsoft.com/office/drawing/2010/main" xmlns="" w="9525">
+                  <a14:hiddenLine xmlns="" xmlns:a14="http://schemas.microsoft.com/office/drawing/2010/main" w="9525">
                     <a:solidFill>
                       <a:srgbClr val="000000"/>
                     </a:solidFill>
@@ -10923,7 +10923,7 @@
               </a:ln>
               <a:extLst>
                 <a:ext uri="{91240B29-F687-4f45-9708-019B960494DF}">
-                  <a14:hiddenLine xmlns:a14="http://schemas.microsoft.com/office/drawing/2010/main" xmlns="" w="9525">
+                  <a14:hiddenLine xmlns="" xmlns:a14="http://schemas.microsoft.com/office/drawing/2010/main" w="9525">
                     <a:solidFill>
                       <a:srgbClr val="000000"/>
                     </a:solidFill>
@@ -10985,7 +10985,7 @@
               </a:ln>
               <a:extLst>
                 <a:ext uri="{91240B29-F687-4f45-9708-019B960494DF}">
-                  <a14:hiddenLine xmlns:a14="http://schemas.microsoft.com/office/drawing/2010/main" xmlns="" w="9525">
+                  <a14:hiddenLine xmlns="" xmlns:a14="http://schemas.microsoft.com/office/drawing/2010/main" w="9525">
                     <a:solidFill>
                       <a:srgbClr val="000000"/>
                     </a:solidFill>
@@ -11095,7 +11095,7 @@
               </a:ln>
               <a:extLst>
                 <a:ext uri="{91240B29-F687-4f45-9708-019B960494DF}">
-                  <a14:hiddenLine xmlns:a14="http://schemas.microsoft.com/office/drawing/2010/main" xmlns="" w="9525">
+                  <a14:hiddenLine xmlns="" xmlns:a14="http://schemas.microsoft.com/office/drawing/2010/main" w="9525">
                     <a:solidFill>
                       <a:srgbClr val="000000"/>
                     </a:solidFill>
@@ -11179,7 +11179,7 @@
               </a:ln>
               <a:extLst>
                 <a:ext uri="{91240B29-F687-4f45-9708-019B960494DF}">
-                  <a14:hiddenLine xmlns:a14="http://schemas.microsoft.com/office/drawing/2010/main" xmlns="" w="9525">
+                  <a14:hiddenLine xmlns="" xmlns:a14="http://schemas.microsoft.com/office/drawing/2010/main" w="9525">
                     <a:solidFill>
                       <a:srgbClr val="000000"/>
                     </a:solidFill>
@@ -11241,7 +11241,7 @@
               </a:ln>
               <a:extLst>
                 <a:ext uri="{91240B29-F687-4f45-9708-019B960494DF}">
-                  <a14:hiddenLine xmlns:a14="http://schemas.microsoft.com/office/drawing/2010/main" xmlns="" w="9525">
+                  <a14:hiddenLine xmlns="" xmlns:a14="http://schemas.microsoft.com/office/drawing/2010/main" w="9525">
                     <a:solidFill>
                       <a:srgbClr val="000000"/>
                     </a:solidFill>
@@ -11303,7 +11303,7 @@
               </a:ln>
               <a:extLst>
                 <a:ext uri="{91240B29-F687-4f45-9708-019B960494DF}">
-                  <a14:hiddenLine xmlns:a14="http://schemas.microsoft.com/office/drawing/2010/main" xmlns="" w="9525">
+                  <a14:hiddenLine xmlns="" xmlns:a14="http://schemas.microsoft.com/office/drawing/2010/main" w="9525">
                     <a:solidFill>
                       <a:srgbClr val="000000"/>
                     </a:solidFill>
@@ -11393,7 +11393,7 @@
               </a:ln>
               <a:extLst>
                 <a:ext uri="{91240B29-F687-4f45-9708-019B960494DF}">
-                  <a14:hiddenLine xmlns:a14="http://schemas.microsoft.com/office/drawing/2010/main" xmlns="" w="9525">
+                  <a14:hiddenLine xmlns="" xmlns:a14="http://schemas.microsoft.com/office/drawing/2010/main" w="9525">
                     <a:solidFill>
                       <a:srgbClr val="000000"/>
                     </a:solidFill>
@@ -11427,7 +11427,7 @@
               </a:ln>
               <a:extLst>
                 <a:ext uri="{91240B29-F687-4f45-9708-019B960494DF}">
-                  <a14:hiddenLine xmlns:a14="http://schemas.microsoft.com/office/drawing/2010/main" xmlns="" w="9525">
+                  <a14:hiddenLine xmlns="" xmlns:a14="http://schemas.microsoft.com/office/drawing/2010/main" w="9525">
                     <a:solidFill>
                       <a:srgbClr val="000000"/>
                     </a:solidFill>
@@ -11492,7 +11492,7 @@
               </a:ln>
               <a:extLst>
                 <a:ext uri="{91240B29-F687-4f45-9708-019B960494DF}">
-                  <a14:hiddenLine xmlns:a14="http://schemas.microsoft.com/office/drawing/2010/main" xmlns="" w="9525">
+                  <a14:hiddenLine xmlns="" xmlns:a14="http://schemas.microsoft.com/office/drawing/2010/main" w="9525">
                     <a:solidFill>
                       <a:srgbClr val="000000"/>
                     </a:solidFill>
@@ -11582,7 +11582,7 @@
               </a:ln>
               <a:extLst>
                 <a:ext uri="{91240B29-F687-4f45-9708-019B960494DF}">
-                  <a14:hiddenLine xmlns:a14="http://schemas.microsoft.com/office/drawing/2010/main" xmlns="" w="9525">
+                  <a14:hiddenLine xmlns="" xmlns:a14="http://schemas.microsoft.com/office/drawing/2010/main" w="9525">
                     <a:solidFill>
                       <a:srgbClr val="000000"/>
                     </a:solidFill>
@@ -11644,7 +11644,7 @@
               </a:ln>
               <a:extLst>
                 <a:ext uri="{91240B29-F687-4f45-9708-019B960494DF}">
-                  <a14:hiddenLine xmlns:a14="http://schemas.microsoft.com/office/drawing/2010/main" xmlns="" w="9525">
+                  <a14:hiddenLine xmlns="" xmlns:a14="http://schemas.microsoft.com/office/drawing/2010/main" w="9525">
                     <a:solidFill>
                       <a:srgbClr val="000000"/>
                     </a:solidFill>
@@ -11734,7 +11734,7 @@
               </a:ln>
               <a:extLst>
                 <a:ext uri="{91240B29-F687-4f45-9708-019B960494DF}">
-                  <a14:hiddenLine xmlns:a14="http://schemas.microsoft.com/office/drawing/2010/main" xmlns="" w="9525">
+                  <a14:hiddenLine xmlns="" xmlns:a14="http://schemas.microsoft.com/office/drawing/2010/main" w="9525">
                     <a:solidFill>
                       <a:srgbClr val="000000"/>
                     </a:solidFill>
@@ -11799,7 +11799,7 @@
               </a:ln>
               <a:extLst>
                 <a:ext uri="{91240B29-F687-4f45-9708-019B960494DF}">
-                  <a14:hiddenLine xmlns:a14="http://schemas.microsoft.com/office/drawing/2010/main" xmlns="" w="9525">
+                  <a14:hiddenLine xmlns="" xmlns:a14="http://schemas.microsoft.com/office/drawing/2010/main" w="9525">
                     <a:solidFill>
                       <a:srgbClr val="000000"/>
                     </a:solidFill>
@@ -11861,7 +11861,7 @@
               </a:ln>
               <a:extLst>
                 <a:ext uri="{91240B29-F687-4f45-9708-019B960494DF}">
-                  <a14:hiddenLine xmlns:a14="http://schemas.microsoft.com/office/drawing/2010/main" xmlns="" w="9525">
+                  <a14:hiddenLine xmlns="" xmlns:a14="http://schemas.microsoft.com/office/drawing/2010/main" w="9525">
                     <a:solidFill>
                       <a:srgbClr val="000000"/>
                     </a:solidFill>
@@ -11951,7 +11951,7 @@
               </a:ln>
               <a:extLst>
                 <a:ext uri="{91240B29-F687-4f45-9708-019B960494DF}">
-                  <a14:hiddenLine xmlns:a14="http://schemas.microsoft.com/office/drawing/2010/main" xmlns="" w="9525">
+                  <a14:hiddenLine xmlns="" xmlns:a14="http://schemas.microsoft.com/office/drawing/2010/main" w="9525">
                     <a:solidFill>
                       <a:srgbClr val="000000"/>
                     </a:solidFill>
@@ -12041,7 +12041,7 @@
               </a:ln>
               <a:extLst>
                 <a:ext uri="{91240B29-F687-4f45-9708-019B960494DF}">
-                  <a14:hiddenLine xmlns:a14="http://schemas.microsoft.com/office/drawing/2010/main" xmlns="" w="9525">
+                  <a14:hiddenLine xmlns="" xmlns:a14="http://schemas.microsoft.com/office/drawing/2010/main" w="9525">
                     <a:solidFill>
                       <a:srgbClr val="000000"/>
                     </a:solidFill>
@@ -12106,7 +12106,7 @@
               </a:ln>
               <a:extLst>
                 <a:ext uri="{91240B29-F687-4f45-9708-019B960494DF}">
-                  <a14:hiddenLine xmlns:a14="http://schemas.microsoft.com/office/drawing/2010/main" xmlns="" w="9525">
+                  <a14:hiddenLine xmlns="" xmlns:a14="http://schemas.microsoft.com/office/drawing/2010/main" w="9525">
                     <a:solidFill>
                       <a:srgbClr val="000000"/>
                     </a:solidFill>
@@ -12226,7 +12226,7 @@
               </a:ln>
               <a:extLst>
                 <a:ext uri="{91240B29-F687-4f45-9708-019B960494DF}">
-                  <a14:hiddenLine xmlns:a14="http://schemas.microsoft.com/office/drawing/2010/main" xmlns="" w="9525">
+                  <a14:hiddenLine xmlns="" xmlns:a14="http://schemas.microsoft.com/office/drawing/2010/main" w="9525">
                     <a:solidFill>
                       <a:srgbClr val="000000"/>
                     </a:solidFill>
@@ -12324,7 +12324,7 @@
               </a:ln>
               <a:extLst>
                 <a:ext uri="{91240B29-F687-4f45-9708-019B960494DF}">
-                  <a14:hiddenLine xmlns:a14="http://schemas.microsoft.com/office/drawing/2010/main" xmlns="" w="9525">
+                  <a14:hiddenLine xmlns="" xmlns:a14="http://schemas.microsoft.com/office/drawing/2010/main" w="9525">
                     <a:solidFill>
                       <a:srgbClr val="000000"/>
                     </a:solidFill>
@@ -12439,7 +12439,7 @@
               </a:ln>
               <a:extLst>
                 <a:ext uri="{91240B29-F687-4f45-9708-019B960494DF}">
-                  <a14:hiddenLine xmlns:a14="http://schemas.microsoft.com/office/drawing/2010/main" xmlns="" w="9525">
+                  <a14:hiddenLine xmlns="" xmlns:a14="http://schemas.microsoft.com/office/drawing/2010/main" w="9525">
                     <a:solidFill>
                       <a:srgbClr val="000000"/>
                     </a:solidFill>
@@ -12529,7 +12529,7 @@
               </a:ln>
               <a:extLst>
                 <a:ext uri="{91240B29-F687-4f45-9708-019B960494DF}">
-                  <a14:hiddenLine xmlns:a14="http://schemas.microsoft.com/office/drawing/2010/main" xmlns="" w="9525">
+                  <a14:hiddenLine xmlns="" xmlns:a14="http://schemas.microsoft.com/office/drawing/2010/main" w="9525">
                     <a:solidFill>
                       <a:srgbClr val="000000"/>
                     </a:solidFill>
@@ -12594,7 +12594,7 @@
               </a:ln>
               <a:extLst>
                 <a:ext uri="{91240B29-F687-4f45-9708-019B960494DF}">
-                  <a14:hiddenLine xmlns:a14="http://schemas.microsoft.com/office/drawing/2010/main" xmlns="" w="9525">
+                  <a14:hiddenLine xmlns="" xmlns:a14="http://schemas.microsoft.com/office/drawing/2010/main" w="9525">
                     <a:solidFill>
                       <a:srgbClr val="000000"/>
                     </a:solidFill>
@@ -12684,7 +12684,7 @@
               </a:ln>
               <a:extLst>
                 <a:ext uri="{91240B29-F687-4f45-9708-019B960494DF}">
-                  <a14:hiddenLine xmlns:a14="http://schemas.microsoft.com/office/drawing/2010/main" xmlns="" w="9525">
+                  <a14:hiddenLine xmlns="" xmlns:a14="http://schemas.microsoft.com/office/drawing/2010/main" w="9525">
                     <a:solidFill>
                       <a:srgbClr val="000000"/>
                     </a:solidFill>
@@ -12752,7 +12752,7 @@
               </a:ln>
               <a:extLst>
                 <a:ext uri="{91240B29-F687-4f45-9708-019B960494DF}">
-                  <a14:hiddenLine xmlns:a14="http://schemas.microsoft.com/office/drawing/2010/main" xmlns="" w="9525">
+                  <a14:hiddenLine xmlns="" xmlns:a14="http://schemas.microsoft.com/office/drawing/2010/main" w="9525">
                     <a:solidFill>
                       <a:srgbClr val="000000"/>
                     </a:solidFill>
@@ -12842,7 +12842,7 @@
               </a:ln>
               <a:extLst>
                 <a:ext uri="{91240B29-F687-4f45-9708-019B960494DF}">
-                  <a14:hiddenLine xmlns:a14="http://schemas.microsoft.com/office/drawing/2010/main" xmlns="" w="9525">
+                  <a14:hiddenLine xmlns="" xmlns:a14="http://schemas.microsoft.com/office/drawing/2010/main" w="9525">
                     <a:solidFill>
                       <a:srgbClr val="000000"/>
                     </a:solidFill>
@@ -12910,7 +12910,7 @@
               </a:ln>
               <a:extLst>
                 <a:ext uri="{91240B29-F687-4f45-9708-019B960494DF}">
-                  <a14:hiddenLine xmlns:a14="http://schemas.microsoft.com/office/drawing/2010/main" xmlns="" w="9525">
+                  <a14:hiddenLine xmlns="" xmlns:a14="http://schemas.microsoft.com/office/drawing/2010/main" w="9525">
                     <a:solidFill>
                       <a:srgbClr val="000000"/>
                     </a:solidFill>
@@ -13000,7 +13000,7 @@
               </a:ln>
               <a:extLst>
                 <a:ext uri="{91240B29-F687-4f45-9708-019B960494DF}">
-                  <a14:hiddenLine xmlns:a14="http://schemas.microsoft.com/office/drawing/2010/main" xmlns="" w="9525">
+                  <a14:hiddenLine xmlns="" xmlns:a14="http://schemas.microsoft.com/office/drawing/2010/main" w="9525">
                     <a:solidFill>
                       <a:srgbClr val="000000"/>
                     </a:solidFill>
@@ -13034,7 +13034,7 @@
               </a:ln>
               <a:extLst>
                 <a:ext uri="{91240B29-F687-4f45-9708-019B960494DF}">
-                  <a14:hiddenLine xmlns:a14="http://schemas.microsoft.com/office/drawing/2010/main" xmlns="" w="9525">
+                  <a14:hiddenLine xmlns="" xmlns:a14="http://schemas.microsoft.com/office/drawing/2010/main" w="9525">
                     <a:solidFill>
                       <a:srgbClr val="000000"/>
                     </a:solidFill>
@@ -14904,6 +14904,46 @@
               <a:rPr lang="en-US" dirty="0"/>
               <a:t>Game Demo!</a:t>
             </a:r>
+          </a:p>
+        </p:txBody>
+      </p:sp>
+      <p:sp>
+        <p:nvSpPr>
+          <p:cNvPr id="3" name="TextBox 2">
+            <a:extLst>
+              <a:ext uri="{FF2B5EF4-FFF2-40B4-BE49-F238E27FC236}">
+                <a16:creationId xmlns:a16="http://schemas.microsoft.com/office/drawing/2014/main" id="{25CEC7F4-7660-4715-19E3-33EB6D115A75}"/>
+              </a:ext>
+            </a:extLst>
+          </p:cNvPr>
+          <p:cNvSpPr txBox="1"/>
+          <p:nvPr/>
+        </p:nvSpPr>
+        <p:spPr>
+          <a:xfrm>
+            <a:off x="1346200" y="2235200"/>
+            <a:ext cx="6731000" cy="369332"/>
+          </a:xfrm>
+          <a:prstGeom prst="rect">
+            <a:avLst/>
+          </a:prstGeom>
+          <a:noFill/>
+        </p:spPr>
+        <p:txBody>
+          <a:bodyPr wrap="square" rtlCol="0">
+            <a:spAutoFit/>
+          </a:bodyPr>
+          <a:lstStyle/>
+          <a:p>
+            <a:r>
+              <a:rPr lang="en-US" b="0" i="0" u="none" strike="noStrike" dirty="0">
+                <a:effectLst/>
+                <a:latin typeface="Roboto" panose="020B0604020202020204" pitchFamily="2" charset="0"/>
+                <a:hlinkClick r:id="rId2"/>
+              </a:rPr>
+              <a:t>https://youtu.be/_btNojbWGEk</a:t>
+            </a:r>
+            <a:endParaRPr lang="en-US" dirty="0"/>
           </a:p>
         </p:txBody>
       </p:sp>

--- a/VR Presentation.pptx
+++ b/VR Presentation.pptx
@@ -1405,7 +1405,7 @@
           <a:noFill/>
           <a:extLst>
             <a:ext uri="{909E8E84-426E-40dd-AFC4-6F175D3DCCD1}">
-              <a14:hiddenFill xmlns="" xmlns:a14="http://schemas.microsoft.com/office/drawing/2010/main">
+              <a14:hiddenFill xmlns:a14="http://schemas.microsoft.com/office/drawing/2010/main" xmlns="">
                 <a:solidFill>
                   <a:srgbClr val="FFFFFF"/>
                 </a:solidFill>
@@ -1465,7 +1465,7 @@
             </a:ln>
             <a:extLst>
               <a:ext uri="{91240B29-F687-4f45-9708-019B960494DF}">
-                <a14:hiddenLine xmlns="" xmlns:a14="http://schemas.microsoft.com/office/drawing/2010/main" w="9525">
+                <a14:hiddenLine xmlns:a14="http://schemas.microsoft.com/office/drawing/2010/main" xmlns="" w="9525">
                   <a:solidFill>
                     <a:srgbClr val="000000"/>
                   </a:solidFill>
@@ -1555,7 +1555,7 @@
             </a:ln>
             <a:extLst>
               <a:ext uri="{91240B29-F687-4f45-9708-019B960494DF}">
-                <a14:hiddenLine xmlns="" xmlns:a14="http://schemas.microsoft.com/office/drawing/2010/main" w="9525">
+                <a14:hiddenLine xmlns:a14="http://schemas.microsoft.com/office/drawing/2010/main" xmlns="" w="9525">
                   <a:solidFill>
                     <a:srgbClr val="000000"/>
                   </a:solidFill>
@@ -1645,7 +1645,7 @@
             </a:ln>
             <a:extLst>
               <a:ext uri="{91240B29-F687-4f45-9708-019B960494DF}">
-                <a14:hiddenLine xmlns="" xmlns:a14="http://schemas.microsoft.com/office/drawing/2010/main" w="9525">
+                <a14:hiddenLine xmlns:a14="http://schemas.microsoft.com/office/drawing/2010/main" xmlns="" w="9525">
                   <a:solidFill>
                     <a:srgbClr val="000000"/>
                   </a:solidFill>
@@ -1679,7 +1679,7 @@
             </a:ln>
             <a:extLst>
               <a:ext uri="{91240B29-F687-4f45-9708-019B960494DF}">
-                <a14:hiddenLine xmlns="" xmlns:a14="http://schemas.microsoft.com/office/drawing/2010/main" w="9525">
+                <a14:hiddenLine xmlns:a14="http://schemas.microsoft.com/office/drawing/2010/main" xmlns="" w="9525">
                   <a:solidFill>
                     <a:srgbClr val="000000"/>
                   </a:solidFill>
@@ -1769,7 +1769,7 @@
             </a:ln>
             <a:extLst>
               <a:ext uri="{91240B29-F687-4f45-9708-019B960494DF}">
-                <a14:hiddenLine xmlns="" xmlns:a14="http://schemas.microsoft.com/office/drawing/2010/main" w="9525">
+                <a14:hiddenLine xmlns:a14="http://schemas.microsoft.com/office/drawing/2010/main" xmlns="" w="9525">
                   <a:solidFill>
                     <a:srgbClr val="000000"/>
                   </a:solidFill>
@@ -1831,7 +1831,7 @@
             </a:ln>
             <a:extLst>
               <a:ext uri="{91240B29-F687-4f45-9708-019B960494DF}">
-                <a14:hiddenLine xmlns="" xmlns:a14="http://schemas.microsoft.com/office/drawing/2010/main" w="9525">
+                <a14:hiddenLine xmlns:a14="http://schemas.microsoft.com/office/drawing/2010/main" xmlns="" w="9525">
                   <a:solidFill>
                     <a:srgbClr val="000000"/>
                   </a:solidFill>
@@ -1893,7 +1893,7 @@
             </a:ln>
             <a:extLst>
               <a:ext uri="{91240B29-F687-4f45-9708-019B960494DF}">
-                <a14:hiddenLine xmlns="" xmlns:a14="http://schemas.microsoft.com/office/drawing/2010/main" w="9525">
+                <a14:hiddenLine xmlns:a14="http://schemas.microsoft.com/office/drawing/2010/main" xmlns="" w="9525">
                   <a:solidFill>
                     <a:srgbClr val="000000"/>
                   </a:solidFill>
@@ -1983,7 +1983,7 @@
             </a:ln>
             <a:extLst>
               <a:ext uri="{91240B29-F687-4f45-9708-019B960494DF}">
-                <a14:hiddenLine xmlns="" xmlns:a14="http://schemas.microsoft.com/office/drawing/2010/main" w="9525">
+                <a14:hiddenLine xmlns:a14="http://schemas.microsoft.com/office/drawing/2010/main" xmlns="" w="9525">
                   <a:solidFill>
                     <a:srgbClr val="000000"/>
                   </a:solidFill>
@@ -2045,7 +2045,7 @@
             </a:ln>
             <a:extLst>
               <a:ext uri="{91240B29-F687-4f45-9708-019B960494DF}">
-                <a14:hiddenLine xmlns="" xmlns:a14="http://schemas.microsoft.com/office/drawing/2010/main" w="9525">
+                <a14:hiddenLine xmlns:a14="http://schemas.microsoft.com/office/drawing/2010/main" xmlns="" w="9525">
                   <a:solidFill>
                     <a:srgbClr val="000000"/>
                   </a:solidFill>
@@ -2107,7 +2107,7 @@
             </a:ln>
             <a:extLst>
               <a:ext uri="{91240B29-F687-4f45-9708-019B960494DF}">
-                <a14:hiddenLine xmlns="" xmlns:a14="http://schemas.microsoft.com/office/drawing/2010/main" w="9525">
+                <a14:hiddenLine xmlns:a14="http://schemas.microsoft.com/office/drawing/2010/main" xmlns="" w="9525">
                   <a:solidFill>
                     <a:srgbClr val="000000"/>
                   </a:solidFill>
@@ -2197,7 +2197,7 @@
             </a:ln>
             <a:extLst>
               <a:ext uri="{91240B29-F687-4f45-9708-019B960494DF}">
-                <a14:hiddenLine xmlns="" xmlns:a14="http://schemas.microsoft.com/office/drawing/2010/main" w="9525">
+                <a14:hiddenLine xmlns:a14="http://schemas.microsoft.com/office/drawing/2010/main" xmlns="" w="9525">
                   <a:solidFill>
                     <a:srgbClr val="000000"/>
                   </a:solidFill>
@@ -2287,7 +2287,7 @@
             </a:ln>
             <a:extLst>
               <a:ext uri="{91240B29-F687-4f45-9708-019B960494DF}">
-                <a14:hiddenLine xmlns="" xmlns:a14="http://schemas.microsoft.com/office/drawing/2010/main" w="9525">
+                <a14:hiddenLine xmlns:a14="http://schemas.microsoft.com/office/drawing/2010/main" xmlns="" w="9525">
                   <a:solidFill>
                     <a:srgbClr val="000000"/>
                   </a:solidFill>
@@ -2349,7 +2349,7 @@
             </a:ln>
             <a:extLst>
               <a:ext uri="{91240B29-F687-4f45-9708-019B960494DF}">
-                <a14:hiddenLine xmlns="" xmlns:a14="http://schemas.microsoft.com/office/drawing/2010/main" w="9525">
+                <a14:hiddenLine xmlns:a14="http://schemas.microsoft.com/office/drawing/2010/main" xmlns="" w="9525">
                   <a:solidFill>
                     <a:srgbClr val="000000"/>
                   </a:solidFill>
@@ -2459,7 +2459,7 @@
             </a:ln>
             <a:extLst>
               <a:ext uri="{91240B29-F687-4f45-9708-019B960494DF}">
-                <a14:hiddenLine xmlns="" xmlns:a14="http://schemas.microsoft.com/office/drawing/2010/main" w="9525">
+                <a14:hiddenLine xmlns:a14="http://schemas.microsoft.com/office/drawing/2010/main" xmlns="" w="9525">
                   <a:solidFill>
                     <a:srgbClr val="000000"/>
                   </a:solidFill>
@@ -2521,7 +2521,7 @@
             </a:ln>
             <a:extLst>
               <a:ext uri="{91240B29-F687-4f45-9708-019B960494DF}">
-                <a14:hiddenLine xmlns="" xmlns:a14="http://schemas.microsoft.com/office/drawing/2010/main" w="9525">
+                <a14:hiddenLine xmlns:a14="http://schemas.microsoft.com/office/drawing/2010/main" xmlns="" w="9525">
                   <a:solidFill>
                     <a:srgbClr val="000000"/>
                   </a:solidFill>
@@ -2611,7 +2611,7 @@
             </a:ln>
             <a:extLst>
               <a:ext uri="{91240B29-F687-4f45-9708-019B960494DF}">
-                <a14:hiddenLine xmlns="" xmlns:a14="http://schemas.microsoft.com/office/drawing/2010/main" w="9525">
+                <a14:hiddenLine xmlns:a14="http://schemas.microsoft.com/office/drawing/2010/main" xmlns="" w="9525">
                   <a:solidFill>
                     <a:srgbClr val="000000"/>
                   </a:solidFill>
@@ -2701,7 +2701,7 @@
             </a:ln>
             <a:extLst>
               <a:ext uri="{91240B29-F687-4f45-9708-019B960494DF}">
-                <a14:hiddenLine xmlns="" xmlns:a14="http://schemas.microsoft.com/office/drawing/2010/main" w="9525">
+                <a14:hiddenLine xmlns:a14="http://schemas.microsoft.com/office/drawing/2010/main" xmlns="" w="9525">
                   <a:solidFill>
                     <a:srgbClr val="000000"/>
                   </a:solidFill>
@@ -2763,7 +2763,7 @@
             </a:ln>
             <a:extLst>
               <a:ext uri="{91240B29-F687-4f45-9708-019B960494DF}">
-                <a14:hiddenLine xmlns="" xmlns:a14="http://schemas.microsoft.com/office/drawing/2010/main" w="9525">
+                <a14:hiddenLine xmlns:a14="http://schemas.microsoft.com/office/drawing/2010/main" xmlns="" w="9525">
                   <a:solidFill>
                     <a:srgbClr val="000000"/>
                   </a:solidFill>
@@ -2853,7 +2853,7 @@
             </a:ln>
             <a:extLst>
               <a:ext uri="{91240B29-F687-4f45-9708-019B960494DF}">
-                <a14:hiddenLine xmlns="" xmlns:a14="http://schemas.microsoft.com/office/drawing/2010/main" w="9525">
+                <a14:hiddenLine xmlns:a14="http://schemas.microsoft.com/office/drawing/2010/main" xmlns="" w="9525">
                   <a:solidFill>
                     <a:srgbClr val="000000"/>
                   </a:solidFill>
@@ -2943,7 +2943,7 @@
             </a:ln>
             <a:extLst>
               <a:ext uri="{91240B29-F687-4f45-9708-019B960494DF}">
-                <a14:hiddenLine xmlns="" xmlns:a14="http://schemas.microsoft.com/office/drawing/2010/main" w="9525">
+                <a14:hiddenLine xmlns:a14="http://schemas.microsoft.com/office/drawing/2010/main" xmlns="" w="9525">
                   <a:solidFill>
                     <a:srgbClr val="000000"/>
                   </a:solidFill>
@@ -2999,7 +2999,7 @@
             </a:ln>
             <a:extLst>
               <a:ext uri="{91240B29-F687-4f45-9708-019B960494DF}">
-                <a14:hiddenLine xmlns="" xmlns:a14="http://schemas.microsoft.com/office/drawing/2010/main" w="9525">
+                <a14:hiddenLine xmlns:a14="http://schemas.microsoft.com/office/drawing/2010/main" xmlns="" w="9525">
                   <a:solidFill>
                     <a:srgbClr val="000000"/>
                   </a:solidFill>
@@ -3089,7 +3089,7 @@
             </a:ln>
             <a:extLst>
               <a:ext uri="{91240B29-F687-4f45-9708-019B960494DF}">
-                <a14:hiddenLine xmlns="" xmlns:a14="http://schemas.microsoft.com/office/drawing/2010/main" w="9525">
+                <a14:hiddenLine xmlns:a14="http://schemas.microsoft.com/office/drawing/2010/main" xmlns="" w="9525">
                   <a:solidFill>
                     <a:srgbClr val="000000"/>
                   </a:solidFill>
@@ -3145,7 +3145,7 @@
             </a:ln>
             <a:extLst>
               <a:ext uri="{91240B29-F687-4f45-9708-019B960494DF}">
-                <a14:hiddenLine xmlns="" xmlns:a14="http://schemas.microsoft.com/office/drawing/2010/main" w="9525">
+                <a14:hiddenLine xmlns:a14="http://schemas.microsoft.com/office/drawing/2010/main" xmlns="" w="9525">
                   <a:solidFill>
                     <a:srgbClr val="000000"/>
                   </a:solidFill>
@@ -3235,7 +3235,7 @@
             </a:ln>
             <a:extLst>
               <a:ext uri="{91240B29-F687-4f45-9708-019B960494DF}">
-                <a14:hiddenLine xmlns="" xmlns:a14="http://schemas.microsoft.com/office/drawing/2010/main" w="9525">
+                <a14:hiddenLine xmlns:a14="http://schemas.microsoft.com/office/drawing/2010/main" xmlns="" w="9525">
                   <a:solidFill>
                     <a:srgbClr val="000000"/>
                   </a:solidFill>
@@ -3303,7 +3303,7 @@
             </a:ln>
             <a:extLst>
               <a:ext uri="{91240B29-F687-4f45-9708-019B960494DF}">
-                <a14:hiddenLine xmlns="" xmlns:a14="http://schemas.microsoft.com/office/drawing/2010/main" w="9525">
+                <a14:hiddenLine xmlns:a14="http://schemas.microsoft.com/office/drawing/2010/main" xmlns="" w="9525">
                   <a:solidFill>
                     <a:srgbClr val="000000"/>
                   </a:solidFill>
@@ -3393,7 +3393,7 @@
             </a:ln>
             <a:extLst>
               <a:ext uri="{91240B29-F687-4f45-9708-019B960494DF}">
-                <a14:hiddenLine xmlns="" xmlns:a14="http://schemas.microsoft.com/office/drawing/2010/main" w="9525">
+                <a14:hiddenLine xmlns:a14="http://schemas.microsoft.com/office/drawing/2010/main" xmlns="" w="9525">
                   <a:solidFill>
                     <a:srgbClr val="000000"/>
                   </a:solidFill>
@@ -3461,7 +3461,7 @@
             </a:ln>
             <a:extLst>
               <a:ext uri="{91240B29-F687-4f45-9708-019B960494DF}">
-                <a14:hiddenLine xmlns="" xmlns:a14="http://schemas.microsoft.com/office/drawing/2010/main" w="9525">
+                <a14:hiddenLine xmlns:a14="http://schemas.microsoft.com/office/drawing/2010/main" xmlns="" w="9525">
                   <a:solidFill>
                     <a:srgbClr val="000000"/>
                   </a:solidFill>
@@ -3551,7 +3551,7 @@
             </a:ln>
             <a:extLst>
               <a:ext uri="{91240B29-F687-4f45-9708-019B960494DF}">
-                <a14:hiddenLine xmlns="" xmlns:a14="http://schemas.microsoft.com/office/drawing/2010/main" w="9525">
+                <a14:hiddenLine xmlns:a14="http://schemas.microsoft.com/office/drawing/2010/main" xmlns="" w="9525">
                   <a:solidFill>
                     <a:srgbClr val="000000"/>
                   </a:solidFill>
@@ -3585,7 +3585,7 @@
             </a:ln>
             <a:extLst>
               <a:ext uri="{91240B29-F687-4f45-9708-019B960494DF}">
-                <a14:hiddenLine xmlns="" xmlns:a14="http://schemas.microsoft.com/office/drawing/2010/main" w="9525">
+                <a14:hiddenLine xmlns:a14="http://schemas.microsoft.com/office/drawing/2010/main" xmlns="" w="9525">
                   <a:solidFill>
                     <a:srgbClr val="000000"/>
                   </a:solidFill>
@@ -3675,7 +3675,7 @@
             </a:ln>
             <a:extLst>
               <a:ext uri="{91240B29-F687-4f45-9708-019B960494DF}">
-                <a14:hiddenLine xmlns="" xmlns:a14="http://schemas.microsoft.com/office/drawing/2010/main" w="9525">
+                <a14:hiddenLine xmlns:a14="http://schemas.microsoft.com/office/drawing/2010/main" xmlns="" w="9525">
                   <a:solidFill>
                     <a:srgbClr val="000000"/>
                   </a:solidFill>
@@ -3737,7 +3737,7 @@
             </a:ln>
             <a:extLst>
               <a:ext uri="{91240B29-F687-4f45-9708-019B960494DF}">
-                <a14:hiddenLine xmlns="" xmlns:a14="http://schemas.microsoft.com/office/drawing/2010/main" w="9525">
+                <a14:hiddenLine xmlns:a14="http://schemas.microsoft.com/office/drawing/2010/main" xmlns="" w="9525">
                   <a:solidFill>
                     <a:srgbClr val="000000"/>
                   </a:solidFill>
@@ -3799,7 +3799,7 @@
             </a:ln>
             <a:extLst>
               <a:ext uri="{91240B29-F687-4f45-9708-019B960494DF}">
-                <a14:hiddenLine xmlns="" xmlns:a14="http://schemas.microsoft.com/office/drawing/2010/main" w="9525">
+                <a14:hiddenLine xmlns:a14="http://schemas.microsoft.com/office/drawing/2010/main" xmlns="" w="9525">
                   <a:solidFill>
                     <a:srgbClr val="000000"/>
                   </a:solidFill>
@@ -3889,7 +3889,7 @@
             </a:ln>
             <a:extLst>
               <a:ext uri="{91240B29-F687-4f45-9708-019B960494DF}">
-                <a14:hiddenLine xmlns="" xmlns:a14="http://schemas.microsoft.com/office/drawing/2010/main" w="9525">
+                <a14:hiddenLine xmlns:a14="http://schemas.microsoft.com/office/drawing/2010/main" xmlns="" w="9525">
                   <a:solidFill>
                     <a:srgbClr val="000000"/>
                   </a:solidFill>
@@ -3957,7 +3957,7 @@
             </a:ln>
             <a:extLst>
               <a:ext uri="{91240B29-F687-4f45-9708-019B960494DF}">
-                <a14:hiddenLine xmlns="" xmlns:a14="http://schemas.microsoft.com/office/drawing/2010/main" w="9525">
+                <a14:hiddenLine xmlns:a14="http://schemas.microsoft.com/office/drawing/2010/main" xmlns="" w="9525">
                   <a:solidFill>
                     <a:srgbClr val="000000"/>
                   </a:solidFill>
@@ -4019,7 +4019,7 @@
             </a:ln>
             <a:extLst>
               <a:ext uri="{91240B29-F687-4f45-9708-019B960494DF}">
-                <a14:hiddenLine xmlns="" xmlns:a14="http://schemas.microsoft.com/office/drawing/2010/main" w="9525">
+                <a14:hiddenLine xmlns:a14="http://schemas.microsoft.com/office/drawing/2010/main" xmlns="" w="9525">
                   <a:solidFill>
                     <a:srgbClr val="000000"/>
                   </a:solidFill>
@@ -4109,7 +4109,7 @@
             </a:ln>
             <a:extLst>
               <a:ext uri="{91240B29-F687-4f45-9708-019B960494DF}">
-                <a14:hiddenLine xmlns="" xmlns:a14="http://schemas.microsoft.com/office/drawing/2010/main" w="9525">
+                <a14:hiddenLine xmlns:a14="http://schemas.microsoft.com/office/drawing/2010/main" xmlns="" w="9525">
                   <a:solidFill>
                     <a:srgbClr val="000000"/>
                   </a:solidFill>
@@ -4171,7 +4171,7 @@
             </a:ln>
             <a:extLst>
               <a:ext uri="{91240B29-F687-4f45-9708-019B960494DF}">
-                <a14:hiddenLine xmlns="" xmlns:a14="http://schemas.microsoft.com/office/drawing/2010/main" w="9525">
+                <a14:hiddenLine xmlns:a14="http://schemas.microsoft.com/office/drawing/2010/main" xmlns="" w="9525">
                   <a:solidFill>
                     <a:srgbClr val="000000"/>
                   </a:solidFill>
@@ -4261,7 +4261,7 @@
             </a:ln>
             <a:extLst>
               <a:ext uri="{91240B29-F687-4f45-9708-019B960494DF}">
-                <a14:hiddenLine xmlns="" xmlns:a14="http://schemas.microsoft.com/office/drawing/2010/main" w="9525">
+                <a14:hiddenLine xmlns:a14="http://schemas.microsoft.com/office/drawing/2010/main" xmlns="" w="9525">
                   <a:solidFill>
                     <a:srgbClr val="000000"/>
                   </a:solidFill>
@@ -4323,7 +4323,7 @@
             </a:ln>
             <a:extLst>
               <a:ext uri="{91240B29-F687-4f45-9708-019B960494DF}">
-                <a14:hiddenLine xmlns="" xmlns:a14="http://schemas.microsoft.com/office/drawing/2010/main" w="9525">
+                <a14:hiddenLine xmlns:a14="http://schemas.microsoft.com/office/drawing/2010/main" xmlns="" w="9525">
                   <a:solidFill>
                     <a:srgbClr val="000000"/>
                   </a:solidFill>
@@ -4413,7 +4413,7 @@
             </a:ln>
             <a:extLst>
               <a:ext uri="{91240B29-F687-4f45-9708-019B960494DF}">
-                <a14:hiddenLine xmlns="" xmlns:a14="http://schemas.microsoft.com/office/drawing/2010/main" w="9525">
+                <a14:hiddenLine xmlns:a14="http://schemas.microsoft.com/office/drawing/2010/main" xmlns="" w="9525">
                   <a:solidFill>
                     <a:srgbClr val="000000"/>
                   </a:solidFill>
@@ -4447,7 +4447,7 @@
             </a:ln>
             <a:extLst>
               <a:ext uri="{91240B29-F687-4f45-9708-019B960494DF}">
-                <a14:hiddenLine xmlns="" xmlns:a14="http://schemas.microsoft.com/office/drawing/2010/main" w="9525">
+                <a14:hiddenLine xmlns:a14="http://schemas.microsoft.com/office/drawing/2010/main" xmlns="" w="9525">
                   <a:solidFill>
                     <a:srgbClr val="000000"/>
                   </a:solidFill>
@@ -4512,7 +4512,7 @@
             </a:ln>
             <a:extLst>
               <a:ext uri="{91240B29-F687-4f45-9708-019B960494DF}">
-                <a14:hiddenLine xmlns="" xmlns:a14="http://schemas.microsoft.com/office/drawing/2010/main" w="9525">
+                <a14:hiddenLine xmlns:a14="http://schemas.microsoft.com/office/drawing/2010/main" xmlns="" w="9525">
                   <a:solidFill>
                     <a:srgbClr val="000000"/>
                   </a:solidFill>
@@ -4602,7 +4602,7 @@
             </a:ln>
             <a:extLst>
               <a:ext uri="{91240B29-F687-4f45-9708-019B960494DF}">
-                <a14:hiddenLine xmlns="" xmlns:a14="http://schemas.microsoft.com/office/drawing/2010/main" w="9525">
+                <a14:hiddenLine xmlns:a14="http://schemas.microsoft.com/office/drawing/2010/main" xmlns="" w="9525">
                   <a:solidFill>
                     <a:srgbClr val="000000"/>
                   </a:solidFill>
@@ -4664,7 +4664,7 @@
             </a:ln>
             <a:extLst>
               <a:ext uri="{91240B29-F687-4f45-9708-019B960494DF}">
-                <a14:hiddenLine xmlns="" xmlns:a14="http://schemas.microsoft.com/office/drawing/2010/main" w="9525">
+                <a14:hiddenLine xmlns:a14="http://schemas.microsoft.com/office/drawing/2010/main" xmlns="" w="9525">
                   <a:solidFill>
                     <a:srgbClr val="000000"/>
                   </a:solidFill>
@@ -4754,7 +4754,7 @@
             </a:ln>
             <a:extLst>
               <a:ext uri="{91240B29-F687-4f45-9708-019B960494DF}">
-                <a14:hiddenLine xmlns="" xmlns:a14="http://schemas.microsoft.com/office/drawing/2010/main" w="9525">
+                <a14:hiddenLine xmlns:a14="http://schemas.microsoft.com/office/drawing/2010/main" xmlns="" w="9525">
                   <a:solidFill>
                     <a:srgbClr val="000000"/>
                   </a:solidFill>
@@ -4844,7 +4844,7 @@
             </a:ln>
             <a:extLst>
               <a:ext uri="{91240B29-F687-4f45-9708-019B960494DF}">
-                <a14:hiddenLine xmlns="" xmlns:a14="http://schemas.microsoft.com/office/drawing/2010/main" w="9525">
+                <a14:hiddenLine xmlns:a14="http://schemas.microsoft.com/office/drawing/2010/main" xmlns="" w="9525">
                   <a:solidFill>
                     <a:srgbClr val="000000"/>
                   </a:solidFill>
@@ -4909,7 +4909,7 @@
             </a:ln>
             <a:extLst>
               <a:ext uri="{91240B29-F687-4f45-9708-019B960494DF}">
-                <a14:hiddenLine xmlns="" xmlns:a14="http://schemas.microsoft.com/office/drawing/2010/main" w="9525">
+                <a14:hiddenLine xmlns:a14="http://schemas.microsoft.com/office/drawing/2010/main" xmlns="" w="9525">
                   <a:solidFill>
                     <a:srgbClr val="000000"/>
                   </a:solidFill>
@@ -4971,7 +4971,7 @@
             </a:ln>
             <a:extLst>
               <a:ext uri="{91240B29-F687-4f45-9708-019B960494DF}">
-                <a14:hiddenLine xmlns="" xmlns:a14="http://schemas.microsoft.com/office/drawing/2010/main" w="9525">
+                <a14:hiddenLine xmlns:a14="http://schemas.microsoft.com/office/drawing/2010/main" xmlns="" w="9525">
                   <a:solidFill>
                     <a:srgbClr val="000000"/>
                   </a:solidFill>
@@ -5061,7 +5061,7 @@
             </a:ln>
             <a:extLst>
               <a:ext uri="{91240B29-F687-4f45-9708-019B960494DF}">
-                <a14:hiddenLine xmlns="" xmlns:a14="http://schemas.microsoft.com/office/drawing/2010/main" w="9525">
+                <a14:hiddenLine xmlns:a14="http://schemas.microsoft.com/office/drawing/2010/main" xmlns="" w="9525">
                   <a:solidFill>
                     <a:srgbClr val="000000"/>
                   </a:solidFill>
@@ -5151,7 +5151,7 @@
             </a:ln>
             <a:extLst>
               <a:ext uri="{91240B29-F687-4f45-9708-019B960494DF}">
-                <a14:hiddenLine xmlns="" xmlns:a14="http://schemas.microsoft.com/office/drawing/2010/main" w="9525">
+                <a14:hiddenLine xmlns:a14="http://schemas.microsoft.com/office/drawing/2010/main" xmlns="" w="9525">
                   <a:solidFill>
                     <a:srgbClr val="000000"/>
                   </a:solidFill>
@@ -5213,7 +5213,7 @@
             </a:ln>
             <a:extLst>
               <a:ext uri="{91240B29-F687-4f45-9708-019B960494DF}">
-                <a14:hiddenLine xmlns="" xmlns:a14="http://schemas.microsoft.com/office/drawing/2010/main" w="9525">
+                <a14:hiddenLine xmlns:a14="http://schemas.microsoft.com/office/drawing/2010/main" xmlns="" w="9525">
                   <a:solidFill>
                     <a:srgbClr val="000000"/>
                   </a:solidFill>
@@ -5333,7 +5333,7 @@
             </a:ln>
             <a:extLst>
               <a:ext uri="{91240B29-F687-4f45-9708-019B960494DF}">
-                <a14:hiddenLine xmlns="" xmlns:a14="http://schemas.microsoft.com/office/drawing/2010/main" w="9525">
+                <a14:hiddenLine xmlns:a14="http://schemas.microsoft.com/office/drawing/2010/main" xmlns="" w="9525">
                   <a:solidFill>
                     <a:srgbClr val="000000"/>
                   </a:solidFill>
@@ -5401,7 +5401,7 @@
             </a:ln>
             <a:extLst>
               <a:ext uri="{91240B29-F687-4f45-9708-019B960494DF}">
-                <a14:hiddenLine xmlns="" xmlns:a14="http://schemas.microsoft.com/office/drawing/2010/main" w="9525">
+                <a14:hiddenLine xmlns:a14="http://schemas.microsoft.com/office/drawing/2010/main" xmlns="" w="9525">
                   <a:solidFill>
                     <a:srgbClr val="000000"/>
                   </a:solidFill>
@@ -5491,7 +5491,7 @@
             </a:ln>
             <a:extLst>
               <a:ext uri="{91240B29-F687-4f45-9708-019B960494DF}">
-                <a14:hiddenLine xmlns="" xmlns:a14="http://schemas.microsoft.com/office/drawing/2010/main" w="9525">
+                <a14:hiddenLine xmlns:a14="http://schemas.microsoft.com/office/drawing/2010/main" xmlns="" w="9525">
                   <a:solidFill>
                     <a:srgbClr val="000000"/>
                   </a:solidFill>
@@ -5631,7 +5631,7 @@
           <a:p>
             <a:fld id="{48A87A34-81AB-432B-8DAE-1953F412C126}" type="datetimeFigureOut">
               <a:rPr lang="en-US" dirty="0"/>
-              <a:t>4/25/2023</a:t>
+              <a:t>4/26/2023</a:t>
             </a:fld>
             <a:endParaRPr lang="en-US" dirty="0"/>
           </a:p>
@@ -5893,7 +5893,7 @@
           <a:p>
             <a:fld id="{48A87A34-81AB-432B-8DAE-1953F412C126}" type="datetimeFigureOut">
               <a:rPr lang="en-US" dirty="0"/>
-              <a:t>4/25/2023</a:t>
+              <a:t>4/26/2023</a:t>
             </a:fld>
             <a:endParaRPr lang="en-US" dirty="0"/>
           </a:p>
@@ -6084,7 +6084,7 @@
           <a:p>
             <a:fld id="{48A87A34-81AB-432B-8DAE-1953F412C126}" type="datetimeFigureOut">
               <a:rPr lang="en-US" dirty="0"/>
-              <a:t>4/25/2023</a:t>
+              <a:t>4/26/2023</a:t>
             </a:fld>
             <a:endParaRPr lang="en-US" dirty="0"/>
           </a:p>
@@ -6342,7 +6342,7 @@
           <a:p>
             <a:fld id="{48A87A34-81AB-432B-8DAE-1953F412C126}" type="datetimeFigureOut">
               <a:rPr lang="en-US" dirty="0"/>
-              <a:t>4/25/2023</a:t>
+              <a:t>4/26/2023</a:t>
             </a:fld>
             <a:endParaRPr lang="en-US" dirty="0"/>
           </a:p>
@@ -6771,7 +6771,7 @@
           <a:p>
             <a:fld id="{48A87A34-81AB-432B-8DAE-1953F412C126}" type="datetimeFigureOut">
               <a:rPr lang="en-US" dirty="0"/>
-              <a:t>4/25/2023</a:t>
+              <a:t>4/26/2023</a:t>
             </a:fld>
             <a:endParaRPr lang="en-US" dirty="0"/>
           </a:p>
@@ -7312,7 +7312,7 @@
           <a:p>
             <a:fld id="{48A87A34-81AB-432B-8DAE-1953F412C126}" type="datetimeFigureOut">
               <a:rPr lang="en-US" dirty="0"/>
-              <a:t>4/25/2023</a:t>
+              <a:t>4/26/2023</a:t>
             </a:fld>
             <a:endParaRPr lang="en-US" dirty="0"/>
           </a:p>
@@ -8027,7 +8027,7 @@
           <a:p>
             <a:fld id="{48A87A34-81AB-432B-8DAE-1953F412C126}" type="datetimeFigureOut">
               <a:rPr lang="en-US" dirty="0"/>
-              <a:t>4/25/2023</a:t>
+              <a:t>4/26/2023</a:t>
             </a:fld>
             <a:endParaRPr lang="en-US" dirty="0"/>
           </a:p>
@@ -8192,7 +8192,7 @@
           <a:p>
             <a:fld id="{48A87A34-81AB-432B-8DAE-1953F412C126}" type="datetimeFigureOut">
               <a:rPr lang="en-US" dirty="0"/>
-              <a:t>4/25/2023</a:t>
+              <a:t>4/26/2023</a:t>
             </a:fld>
             <a:endParaRPr lang="en-US" dirty="0"/>
           </a:p>
@@ -8367,7 +8367,7 @@
           <a:p>
             <a:fld id="{48A87A34-81AB-432B-8DAE-1953F412C126}" type="datetimeFigureOut">
               <a:rPr lang="en-US" dirty="0"/>
-              <a:t>4/25/2023</a:t>
+              <a:t>4/26/2023</a:t>
             </a:fld>
             <a:endParaRPr lang="en-US" dirty="0"/>
           </a:p>
@@ -8532,7 +8532,7 @@
           <a:p>
             <a:fld id="{48A87A34-81AB-432B-8DAE-1953F412C126}" type="datetimeFigureOut">
               <a:rPr lang="en-US" dirty="0"/>
-              <a:t>4/25/2023</a:t>
+              <a:t>4/26/2023</a:t>
             </a:fld>
             <a:endParaRPr lang="en-US" dirty="0"/>
           </a:p>
@@ -8777,7 +8777,7 @@
           <a:p>
             <a:fld id="{48A87A34-81AB-432B-8DAE-1953F412C126}" type="datetimeFigureOut">
               <a:rPr lang="en-US" dirty="0"/>
-              <a:t>4/25/2023</a:t>
+              <a:t>4/26/2023</a:t>
             </a:fld>
             <a:endParaRPr lang="en-US" dirty="0"/>
           </a:p>
@@ -9004,7 +9004,7 @@
           <a:p>
             <a:fld id="{48A87A34-81AB-432B-8DAE-1953F412C126}" type="datetimeFigureOut">
               <a:rPr lang="en-US" dirty="0"/>
-              <a:t>4/25/2023</a:t>
+              <a:t>4/26/2023</a:t>
             </a:fld>
             <a:endParaRPr lang="en-US" dirty="0"/>
           </a:p>
@@ -9380,7 +9380,7 @@
           <a:p>
             <a:fld id="{48A87A34-81AB-432B-8DAE-1953F412C126}" type="datetimeFigureOut">
               <a:rPr lang="en-US" dirty="0"/>
-              <a:t>4/25/2023</a:t>
+              <a:t>4/26/2023</a:t>
             </a:fld>
             <a:endParaRPr lang="en-US" dirty="0"/>
           </a:p>
@@ -9493,7 +9493,7 @@
           <a:p>
             <a:fld id="{48A87A34-81AB-432B-8DAE-1953F412C126}" type="datetimeFigureOut">
               <a:rPr lang="en-US" dirty="0"/>
-              <a:t>4/25/2023</a:t>
+              <a:t>4/26/2023</a:t>
             </a:fld>
             <a:endParaRPr lang="en-US" dirty="0"/>
           </a:p>
@@ -9583,7 +9583,7 @@
           <a:p>
             <a:fld id="{48A87A34-81AB-432B-8DAE-1953F412C126}" type="datetimeFigureOut">
               <a:rPr lang="en-US" dirty="0"/>
-              <a:t>4/25/2023</a:t>
+              <a:t>4/26/2023</a:t>
             </a:fld>
             <a:endParaRPr lang="en-US" dirty="0"/>
           </a:p>
@@ -9827,7 +9827,7 @@
           <a:p>
             <a:fld id="{48A87A34-81AB-432B-8DAE-1953F412C126}" type="datetimeFigureOut">
               <a:rPr lang="en-US" dirty="0"/>
-              <a:t>4/25/2023</a:t>
+              <a:t>4/26/2023</a:t>
             </a:fld>
             <a:endParaRPr lang="en-US" dirty="0"/>
           </a:p>
@@ -10102,7 +10102,7 @@
           <a:p>
             <a:fld id="{48A87A34-81AB-432B-8DAE-1953F412C126}" type="datetimeFigureOut">
               <a:rPr lang="en-US" dirty="0"/>
-              <a:t>4/25/2023</a:t>
+              <a:t>4/26/2023</a:t>
             </a:fld>
             <a:endParaRPr lang="en-US" dirty="0"/>
           </a:p>
@@ -10213,7 +10213,7 @@
           <a:noFill/>
           <a:extLst>
             <a:ext uri="{909E8E84-426E-40dd-AFC4-6F175D3DCCD1}">
-              <a14:hiddenFill xmlns="" xmlns:a14="http://schemas.microsoft.com/office/drawing/2010/main">
+              <a14:hiddenFill xmlns:a14="http://schemas.microsoft.com/office/drawing/2010/main" xmlns="">
                 <a:solidFill>
                   <a:srgbClr val="FFFFFF"/>
                 </a:solidFill>
@@ -10287,7 +10287,7 @@
               </a:ln>
               <a:extLst>
                 <a:ext uri="{91240B29-F687-4f45-9708-019B960494DF}">
-                  <a14:hiddenLine xmlns="" xmlns:a14="http://schemas.microsoft.com/office/drawing/2010/main" w="9525">
+                  <a14:hiddenLine xmlns:a14="http://schemas.microsoft.com/office/drawing/2010/main" xmlns="" w="9525">
                     <a:solidFill>
                       <a:srgbClr val="000000"/>
                     </a:solidFill>
@@ -10377,7 +10377,7 @@
               </a:ln>
               <a:extLst>
                 <a:ext uri="{91240B29-F687-4f45-9708-019B960494DF}">
-                  <a14:hiddenLine xmlns="" xmlns:a14="http://schemas.microsoft.com/office/drawing/2010/main" w="9525">
+                  <a14:hiddenLine xmlns:a14="http://schemas.microsoft.com/office/drawing/2010/main" xmlns="" w="9525">
                     <a:solidFill>
                       <a:srgbClr val="000000"/>
                     </a:solidFill>
@@ -10467,7 +10467,7 @@
               </a:ln>
               <a:extLst>
                 <a:ext uri="{91240B29-F687-4f45-9708-019B960494DF}">
-                  <a14:hiddenLine xmlns="" xmlns:a14="http://schemas.microsoft.com/office/drawing/2010/main" w="9525">
+                  <a14:hiddenLine xmlns:a14="http://schemas.microsoft.com/office/drawing/2010/main" xmlns="" w="9525">
                     <a:solidFill>
                       <a:srgbClr val="000000"/>
                     </a:solidFill>
@@ -10529,7 +10529,7 @@
               </a:ln>
               <a:extLst>
                 <a:ext uri="{91240B29-F687-4f45-9708-019B960494DF}">
-                  <a14:hiddenLine xmlns="" xmlns:a14="http://schemas.microsoft.com/office/drawing/2010/main" w="9525">
+                  <a14:hiddenLine xmlns:a14="http://schemas.microsoft.com/office/drawing/2010/main" xmlns="" w="9525">
                     <a:solidFill>
                       <a:srgbClr val="000000"/>
                     </a:solidFill>
@@ -10619,7 +10619,7 @@
               </a:ln>
               <a:extLst>
                 <a:ext uri="{91240B29-F687-4f45-9708-019B960494DF}">
-                  <a14:hiddenLine xmlns="" xmlns:a14="http://schemas.microsoft.com/office/drawing/2010/main" w="9525">
+                  <a14:hiddenLine xmlns:a14="http://schemas.microsoft.com/office/drawing/2010/main" xmlns="" w="9525">
                     <a:solidFill>
                       <a:srgbClr val="000000"/>
                     </a:solidFill>
@@ -10681,7 +10681,7 @@
               </a:ln>
               <a:extLst>
                 <a:ext uri="{91240B29-F687-4f45-9708-019B960494DF}">
-                  <a14:hiddenLine xmlns="" xmlns:a14="http://schemas.microsoft.com/office/drawing/2010/main" w="9525">
+                  <a14:hiddenLine xmlns:a14="http://schemas.microsoft.com/office/drawing/2010/main" xmlns="" w="9525">
                     <a:solidFill>
                       <a:srgbClr val="000000"/>
                     </a:solidFill>
@@ -10743,7 +10743,7 @@
               </a:ln>
               <a:extLst>
                 <a:ext uri="{91240B29-F687-4f45-9708-019B960494DF}">
-                  <a14:hiddenLine xmlns="" xmlns:a14="http://schemas.microsoft.com/office/drawing/2010/main" w="9525">
+                  <a14:hiddenLine xmlns:a14="http://schemas.microsoft.com/office/drawing/2010/main" xmlns="" w="9525">
                     <a:solidFill>
                       <a:srgbClr val="000000"/>
                     </a:solidFill>
@@ -10833,7 +10833,7 @@
               </a:ln>
               <a:extLst>
                 <a:ext uri="{91240B29-F687-4f45-9708-019B960494DF}">
-                  <a14:hiddenLine xmlns="" xmlns:a14="http://schemas.microsoft.com/office/drawing/2010/main" w="9525">
+                  <a14:hiddenLine xmlns:a14="http://schemas.microsoft.com/office/drawing/2010/main" xmlns="" w="9525">
                     <a:solidFill>
                       <a:srgbClr val="000000"/>
                     </a:solidFill>
@@ -10923,7 +10923,7 @@
               </a:ln>
               <a:extLst>
                 <a:ext uri="{91240B29-F687-4f45-9708-019B960494DF}">
-                  <a14:hiddenLine xmlns="" xmlns:a14="http://schemas.microsoft.com/office/drawing/2010/main" w="9525">
+                  <a14:hiddenLine xmlns:a14="http://schemas.microsoft.com/office/drawing/2010/main" xmlns="" w="9525">
                     <a:solidFill>
                       <a:srgbClr val="000000"/>
                     </a:solidFill>
@@ -10985,7 +10985,7 @@
               </a:ln>
               <a:extLst>
                 <a:ext uri="{91240B29-F687-4f45-9708-019B960494DF}">
-                  <a14:hiddenLine xmlns="" xmlns:a14="http://schemas.microsoft.com/office/drawing/2010/main" w="9525">
+                  <a14:hiddenLine xmlns:a14="http://schemas.microsoft.com/office/drawing/2010/main" xmlns="" w="9525">
                     <a:solidFill>
                       <a:srgbClr val="000000"/>
                     </a:solidFill>
@@ -11095,7 +11095,7 @@
               </a:ln>
               <a:extLst>
                 <a:ext uri="{91240B29-F687-4f45-9708-019B960494DF}">
-                  <a14:hiddenLine xmlns="" xmlns:a14="http://schemas.microsoft.com/office/drawing/2010/main" w="9525">
+                  <a14:hiddenLine xmlns:a14="http://schemas.microsoft.com/office/drawing/2010/main" xmlns="" w="9525">
                     <a:solidFill>
                       <a:srgbClr val="000000"/>
                     </a:solidFill>
@@ -11179,7 +11179,7 @@
               </a:ln>
               <a:extLst>
                 <a:ext uri="{91240B29-F687-4f45-9708-019B960494DF}">
-                  <a14:hiddenLine xmlns="" xmlns:a14="http://schemas.microsoft.com/office/drawing/2010/main" w="9525">
+                  <a14:hiddenLine xmlns:a14="http://schemas.microsoft.com/office/drawing/2010/main" xmlns="" w="9525">
                     <a:solidFill>
                       <a:srgbClr val="000000"/>
                     </a:solidFill>
@@ -11241,7 +11241,7 @@
               </a:ln>
               <a:extLst>
                 <a:ext uri="{91240B29-F687-4f45-9708-019B960494DF}">
-                  <a14:hiddenLine xmlns="" xmlns:a14="http://schemas.microsoft.com/office/drawing/2010/main" w="9525">
+                  <a14:hiddenLine xmlns:a14="http://schemas.microsoft.com/office/drawing/2010/main" xmlns="" w="9525">
                     <a:solidFill>
                       <a:srgbClr val="000000"/>
                     </a:solidFill>
@@ -11303,7 +11303,7 @@
               </a:ln>
               <a:extLst>
                 <a:ext uri="{91240B29-F687-4f45-9708-019B960494DF}">
-                  <a14:hiddenLine xmlns="" xmlns:a14="http://schemas.microsoft.com/office/drawing/2010/main" w="9525">
+                  <a14:hiddenLine xmlns:a14="http://schemas.microsoft.com/office/drawing/2010/main" xmlns="" w="9525">
                     <a:solidFill>
                       <a:srgbClr val="000000"/>
                     </a:solidFill>
@@ -11393,7 +11393,7 @@
               </a:ln>
               <a:extLst>
                 <a:ext uri="{91240B29-F687-4f45-9708-019B960494DF}">
-                  <a14:hiddenLine xmlns="" xmlns:a14="http://schemas.microsoft.com/office/drawing/2010/main" w="9525">
+                  <a14:hiddenLine xmlns:a14="http://schemas.microsoft.com/office/drawing/2010/main" xmlns="" w="9525">
                     <a:solidFill>
                       <a:srgbClr val="000000"/>
                     </a:solidFill>
@@ -11427,7 +11427,7 @@
               </a:ln>
               <a:extLst>
                 <a:ext uri="{91240B29-F687-4f45-9708-019B960494DF}">
-                  <a14:hiddenLine xmlns="" xmlns:a14="http://schemas.microsoft.com/office/drawing/2010/main" w="9525">
+                  <a14:hiddenLine xmlns:a14="http://schemas.microsoft.com/office/drawing/2010/main" xmlns="" w="9525">
                     <a:solidFill>
                       <a:srgbClr val="000000"/>
                     </a:solidFill>
@@ -11492,7 +11492,7 @@
               </a:ln>
               <a:extLst>
                 <a:ext uri="{91240B29-F687-4f45-9708-019B960494DF}">
-                  <a14:hiddenLine xmlns="" xmlns:a14="http://schemas.microsoft.com/office/drawing/2010/main" w="9525">
+                  <a14:hiddenLine xmlns:a14="http://schemas.microsoft.com/office/drawing/2010/main" xmlns="" w="9525">
                     <a:solidFill>
                       <a:srgbClr val="000000"/>
                     </a:solidFill>
@@ -11582,7 +11582,7 @@
               </a:ln>
               <a:extLst>
                 <a:ext uri="{91240B29-F687-4f45-9708-019B960494DF}">
-                  <a14:hiddenLine xmlns="" xmlns:a14="http://schemas.microsoft.com/office/drawing/2010/main" w="9525">
+                  <a14:hiddenLine xmlns:a14="http://schemas.microsoft.com/office/drawing/2010/main" xmlns="" w="9525">
                     <a:solidFill>
                       <a:srgbClr val="000000"/>
                     </a:solidFill>
@@ -11644,7 +11644,7 @@
               </a:ln>
               <a:extLst>
                 <a:ext uri="{91240B29-F687-4f45-9708-019B960494DF}">
-                  <a14:hiddenLine xmlns="" xmlns:a14="http://schemas.microsoft.com/office/drawing/2010/main" w="9525">
+                  <a14:hiddenLine xmlns:a14="http://schemas.microsoft.com/office/drawing/2010/main" xmlns="" w="9525">
                     <a:solidFill>
                       <a:srgbClr val="000000"/>
                     </a:solidFill>
@@ -11734,7 +11734,7 @@
               </a:ln>
               <a:extLst>
                 <a:ext uri="{91240B29-F687-4f45-9708-019B960494DF}">
-                  <a14:hiddenLine xmlns="" xmlns:a14="http://schemas.microsoft.com/office/drawing/2010/main" w="9525">
+                  <a14:hiddenLine xmlns:a14="http://schemas.microsoft.com/office/drawing/2010/main" xmlns="" w="9525">
                     <a:solidFill>
                       <a:srgbClr val="000000"/>
                     </a:solidFill>
@@ -11799,7 +11799,7 @@
               </a:ln>
               <a:extLst>
                 <a:ext uri="{91240B29-F687-4f45-9708-019B960494DF}">
-                  <a14:hiddenLine xmlns="" xmlns:a14="http://schemas.microsoft.com/office/drawing/2010/main" w="9525">
+                  <a14:hiddenLine xmlns:a14="http://schemas.microsoft.com/office/drawing/2010/main" xmlns="" w="9525">
                     <a:solidFill>
                       <a:srgbClr val="000000"/>
                     </a:solidFill>
@@ -11861,7 +11861,7 @@
               </a:ln>
               <a:extLst>
                 <a:ext uri="{91240B29-F687-4f45-9708-019B960494DF}">
-                  <a14:hiddenLine xmlns="" xmlns:a14="http://schemas.microsoft.com/office/drawing/2010/main" w="9525">
+                  <a14:hiddenLine xmlns:a14="http://schemas.microsoft.com/office/drawing/2010/main" xmlns="" w="9525">
                     <a:solidFill>
                       <a:srgbClr val="000000"/>
                     </a:solidFill>
@@ -11951,7 +11951,7 @@
               </a:ln>
               <a:extLst>
                 <a:ext uri="{91240B29-F687-4f45-9708-019B960494DF}">
-                  <a14:hiddenLine xmlns="" xmlns:a14="http://schemas.microsoft.com/office/drawing/2010/main" w="9525">
+                  <a14:hiddenLine xmlns:a14="http://schemas.microsoft.com/office/drawing/2010/main" xmlns="" w="9525">
                     <a:solidFill>
                       <a:srgbClr val="000000"/>
                     </a:solidFill>
@@ -12041,7 +12041,7 @@
               </a:ln>
               <a:extLst>
                 <a:ext uri="{91240B29-F687-4f45-9708-019B960494DF}">
-                  <a14:hiddenLine xmlns="" xmlns:a14="http://schemas.microsoft.com/office/drawing/2010/main" w="9525">
+                  <a14:hiddenLine xmlns:a14="http://schemas.microsoft.com/office/drawing/2010/main" xmlns="" w="9525">
                     <a:solidFill>
                       <a:srgbClr val="000000"/>
                     </a:solidFill>
@@ -12106,7 +12106,7 @@
               </a:ln>
               <a:extLst>
                 <a:ext uri="{91240B29-F687-4f45-9708-019B960494DF}">
-                  <a14:hiddenLine xmlns="" xmlns:a14="http://schemas.microsoft.com/office/drawing/2010/main" w="9525">
+                  <a14:hiddenLine xmlns:a14="http://schemas.microsoft.com/office/drawing/2010/main" xmlns="" w="9525">
                     <a:solidFill>
                       <a:srgbClr val="000000"/>
                     </a:solidFill>
@@ -12226,7 +12226,7 @@
               </a:ln>
               <a:extLst>
                 <a:ext uri="{91240B29-F687-4f45-9708-019B960494DF}">
-                  <a14:hiddenLine xmlns="" xmlns:a14="http://schemas.microsoft.com/office/drawing/2010/main" w="9525">
+                  <a14:hiddenLine xmlns:a14="http://schemas.microsoft.com/office/drawing/2010/main" xmlns="" w="9525">
                     <a:solidFill>
                       <a:srgbClr val="000000"/>
                     </a:solidFill>
@@ -12324,7 +12324,7 @@
               </a:ln>
               <a:extLst>
                 <a:ext uri="{91240B29-F687-4f45-9708-019B960494DF}">
-                  <a14:hiddenLine xmlns="" xmlns:a14="http://schemas.microsoft.com/office/drawing/2010/main" w="9525">
+                  <a14:hiddenLine xmlns:a14="http://schemas.microsoft.com/office/drawing/2010/main" xmlns="" w="9525">
                     <a:solidFill>
                       <a:srgbClr val="000000"/>
                     </a:solidFill>
@@ -12439,7 +12439,7 @@
               </a:ln>
               <a:extLst>
                 <a:ext uri="{91240B29-F687-4f45-9708-019B960494DF}">
-                  <a14:hiddenLine xmlns="" xmlns:a14="http://schemas.microsoft.com/office/drawing/2010/main" w="9525">
+                  <a14:hiddenLine xmlns:a14="http://schemas.microsoft.com/office/drawing/2010/main" xmlns="" w="9525">
                     <a:solidFill>
                       <a:srgbClr val="000000"/>
                     </a:solidFill>
@@ -12529,7 +12529,7 @@
               </a:ln>
               <a:extLst>
                 <a:ext uri="{91240B29-F687-4f45-9708-019B960494DF}">
-                  <a14:hiddenLine xmlns="" xmlns:a14="http://schemas.microsoft.com/office/drawing/2010/main" w="9525">
+                  <a14:hiddenLine xmlns:a14="http://schemas.microsoft.com/office/drawing/2010/main" xmlns="" w="9525">
                     <a:solidFill>
                       <a:srgbClr val="000000"/>
                     </a:solidFill>
@@ -12594,7 +12594,7 @@
               </a:ln>
               <a:extLst>
                 <a:ext uri="{91240B29-F687-4f45-9708-019B960494DF}">
-                  <a14:hiddenLine xmlns="" xmlns:a14="http://schemas.microsoft.com/office/drawing/2010/main" w="9525">
+                  <a14:hiddenLine xmlns:a14="http://schemas.microsoft.com/office/drawing/2010/main" xmlns="" w="9525">
                     <a:solidFill>
                       <a:srgbClr val="000000"/>
                     </a:solidFill>
@@ -12684,7 +12684,7 @@
               </a:ln>
               <a:extLst>
                 <a:ext uri="{91240B29-F687-4f45-9708-019B960494DF}">
-                  <a14:hiddenLine xmlns="" xmlns:a14="http://schemas.microsoft.com/office/drawing/2010/main" w="9525">
+                  <a14:hiddenLine xmlns:a14="http://schemas.microsoft.com/office/drawing/2010/main" xmlns="" w="9525">
                     <a:solidFill>
                       <a:srgbClr val="000000"/>
                     </a:solidFill>
@@ -12752,7 +12752,7 @@
               </a:ln>
               <a:extLst>
                 <a:ext uri="{91240B29-F687-4f45-9708-019B960494DF}">
-                  <a14:hiddenLine xmlns="" xmlns:a14="http://schemas.microsoft.com/office/drawing/2010/main" w="9525">
+                  <a14:hiddenLine xmlns:a14="http://schemas.microsoft.com/office/drawing/2010/main" xmlns="" w="9525">
                     <a:solidFill>
                       <a:srgbClr val="000000"/>
                     </a:solidFill>
@@ -12842,7 +12842,7 @@
               </a:ln>
               <a:extLst>
                 <a:ext uri="{91240B29-F687-4f45-9708-019B960494DF}">
-                  <a14:hiddenLine xmlns="" xmlns:a14="http://schemas.microsoft.com/office/drawing/2010/main" w="9525">
+                  <a14:hiddenLine xmlns:a14="http://schemas.microsoft.com/office/drawing/2010/main" xmlns="" w="9525">
                     <a:solidFill>
                       <a:srgbClr val="000000"/>
                     </a:solidFill>
@@ -12910,7 +12910,7 @@
               </a:ln>
               <a:extLst>
                 <a:ext uri="{91240B29-F687-4f45-9708-019B960494DF}">
-                  <a14:hiddenLine xmlns="" xmlns:a14="http://schemas.microsoft.com/office/drawing/2010/main" w="9525">
+                  <a14:hiddenLine xmlns:a14="http://schemas.microsoft.com/office/drawing/2010/main" xmlns="" w="9525">
                     <a:solidFill>
                       <a:srgbClr val="000000"/>
                     </a:solidFill>
@@ -13000,7 +13000,7 @@
               </a:ln>
               <a:extLst>
                 <a:ext uri="{91240B29-F687-4f45-9708-019B960494DF}">
-                  <a14:hiddenLine xmlns="" xmlns:a14="http://schemas.microsoft.com/office/drawing/2010/main" w="9525">
+                  <a14:hiddenLine xmlns:a14="http://schemas.microsoft.com/office/drawing/2010/main" xmlns="" w="9525">
                     <a:solidFill>
                       <a:srgbClr val="000000"/>
                     </a:solidFill>
@@ -13034,7 +13034,7 @@
               </a:ln>
               <a:extLst>
                 <a:ext uri="{91240B29-F687-4f45-9708-019B960494DF}">
-                  <a14:hiddenLine xmlns="" xmlns:a14="http://schemas.microsoft.com/office/drawing/2010/main" w="9525">
+                  <a14:hiddenLine xmlns:a14="http://schemas.microsoft.com/office/drawing/2010/main" xmlns="" w="9525">
                     <a:solidFill>
                       <a:srgbClr val="000000"/>
                     </a:solidFill>
@@ -13175,7 +13175,7 @@
             <a:fld id="{48A87A34-81AB-432B-8DAE-1953F412C126}" type="datetimeFigureOut">
               <a:rPr lang="en-US" dirty="0"/>
               <a:pPr/>
-              <a:t>4/25/2023</a:t>
+              <a:t>4/26/2023</a:t>
             </a:fld>
             <a:endParaRPr lang="en-US" dirty="0"/>
           </a:p>
@@ -13951,7 +13951,7 @@
             </a:pPr>
             <a:r>
               <a:rPr lang="en-US" sz="1800" dirty="0"/>
-              <a:t>Spawn the Prefab it the Boolean is false. It will then instantiate that object.</a:t>
+              <a:t>Spawn the Prefab if the Boolean is false. It will then instantiate that object.</a:t>
             </a:r>
           </a:p>
           <a:p>
@@ -14093,7 +14093,7 @@
         </p:spPr>
         <p:txBody>
           <a:bodyPr>
-            <a:normAutofit/>
+            <a:normAutofit lnSpcReduction="10000"/>
           </a:bodyPr>
           <a:lstStyle/>
           <a:p>
@@ -14113,7 +14113,7 @@
             </a:pPr>
             <a:r>
               <a:rPr lang="en-US" sz="2000" dirty="0"/>
-              <a:t>This is need so the player does not lose the ability to travel between the main room and the build site.</a:t>
+              <a:t>This is needed so the player does not lose the ability to travel between the main room and the build site.</a:t>
             </a:r>
           </a:p>
           <a:p>
@@ -14261,7 +14261,7 @@
           <a:p>
             <a:r>
               <a:rPr lang="en-US" sz="2000" dirty="0"/>
-              <a:t>I created a total of three assets total this semester. These include:</a:t>
+              <a:t>I created a total of three assets this semester. These include:</a:t>
             </a:r>
           </a:p>
           <a:p>
